--- a/docs/charts.pptx
+++ b/docs/charts.pptx
@@ -6,6 +6,7 @@
   </p:sldMasterIdLst>
   <p:sldIdLst>
     <p:sldId id="256" r:id="rId2"/>
+    <p:sldId id="257" r:id="rId3"/>
   </p:sldIdLst>
   <p:sldSz cx="12192000" cy="6858000"/>
   <p:notesSz cx="6858000" cy="9144000"/>
@@ -259,7 +260,7 @@
           <a:p>
             <a:fld id="{58537782-5515-4277-8890-BE805010C87F}" type="datetimeFigureOut">
               <a:rPr lang="en-US" smtClean="0"/>
-              <a:t>3/24/2021</a:t>
+              <a:t>3/28/2021</a:t>
             </a:fld>
             <a:endParaRPr lang="en-US"/>
           </a:p>
@@ -457,7 +458,7 @@
           <a:p>
             <a:fld id="{58537782-5515-4277-8890-BE805010C87F}" type="datetimeFigureOut">
               <a:rPr lang="en-US" smtClean="0"/>
-              <a:t>3/24/2021</a:t>
+              <a:t>3/28/2021</a:t>
             </a:fld>
             <a:endParaRPr lang="en-US"/>
           </a:p>
@@ -665,7 +666,7 @@
           <a:p>
             <a:fld id="{58537782-5515-4277-8890-BE805010C87F}" type="datetimeFigureOut">
               <a:rPr lang="en-US" smtClean="0"/>
-              <a:t>3/24/2021</a:t>
+              <a:t>3/28/2021</a:t>
             </a:fld>
             <a:endParaRPr lang="en-US"/>
           </a:p>
@@ -863,7 +864,7 @@
           <a:p>
             <a:fld id="{58537782-5515-4277-8890-BE805010C87F}" type="datetimeFigureOut">
               <a:rPr lang="en-US" smtClean="0"/>
-              <a:t>3/24/2021</a:t>
+              <a:t>3/28/2021</a:t>
             </a:fld>
             <a:endParaRPr lang="en-US"/>
           </a:p>
@@ -1138,7 +1139,7 @@
           <a:p>
             <a:fld id="{58537782-5515-4277-8890-BE805010C87F}" type="datetimeFigureOut">
               <a:rPr lang="en-US" smtClean="0"/>
-              <a:t>3/24/2021</a:t>
+              <a:t>3/28/2021</a:t>
             </a:fld>
             <a:endParaRPr lang="en-US"/>
           </a:p>
@@ -1403,7 +1404,7 @@
           <a:p>
             <a:fld id="{58537782-5515-4277-8890-BE805010C87F}" type="datetimeFigureOut">
               <a:rPr lang="en-US" smtClean="0"/>
-              <a:t>3/24/2021</a:t>
+              <a:t>3/28/2021</a:t>
             </a:fld>
             <a:endParaRPr lang="en-US"/>
           </a:p>
@@ -1815,7 +1816,7 @@
           <a:p>
             <a:fld id="{58537782-5515-4277-8890-BE805010C87F}" type="datetimeFigureOut">
               <a:rPr lang="en-US" smtClean="0"/>
-              <a:t>3/24/2021</a:t>
+              <a:t>3/28/2021</a:t>
             </a:fld>
             <a:endParaRPr lang="en-US"/>
           </a:p>
@@ -1956,7 +1957,7 @@
           <a:p>
             <a:fld id="{58537782-5515-4277-8890-BE805010C87F}" type="datetimeFigureOut">
               <a:rPr lang="en-US" smtClean="0"/>
-              <a:t>3/24/2021</a:t>
+              <a:t>3/28/2021</a:t>
             </a:fld>
             <a:endParaRPr lang="en-US"/>
           </a:p>
@@ -2069,7 +2070,7 @@
           <a:p>
             <a:fld id="{58537782-5515-4277-8890-BE805010C87F}" type="datetimeFigureOut">
               <a:rPr lang="en-US" smtClean="0"/>
-              <a:t>3/24/2021</a:t>
+              <a:t>3/28/2021</a:t>
             </a:fld>
             <a:endParaRPr lang="en-US"/>
           </a:p>
@@ -2380,7 +2381,7 @@
           <a:p>
             <a:fld id="{58537782-5515-4277-8890-BE805010C87F}" type="datetimeFigureOut">
               <a:rPr lang="en-US" smtClean="0"/>
-              <a:t>3/24/2021</a:t>
+              <a:t>3/28/2021</a:t>
             </a:fld>
             <a:endParaRPr lang="en-US"/>
           </a:p>
@@ -2668,7 +2669,7 @@
           <a:p>
             <a:fld id="{58537782-5515-4277-8890-BE805010C87F}" type="datetimeFigureOut">
               <a:rPr lang="en-US" smtClean="0"/>
-              <a:t>3/24/2021</a:t>
+              <a:t>3/28/2021</a:t>
             </a:fld>
             <a:endParaRPr lang="en-US"/>
           </a:p>
@@ -2909,7 +2910,7 @@
           <a:p>
             <a:fld id="{58537782-5515-4277-8890-BE805010C87F}" type="datetimeFigureOut">
               <a:rPr lang="en-US" smtClean="0"/>
-              <a:t>3/24/2021</a:t>
+              <a:t>3/28/2021</a:t>
             </a:fld>
             <a:endParaRPr lang="en-US"/>
           </a:p>
@@ -3946,6 +3947,2987 @@
 </p:sld>
 </file>
 
+<file path=ppt/slides/slide2.xml><?xml version="1.0" encoding="utf-8"?>
+<p:sld xmlns:a="http://schemas.openxmlformats.org/drawingml/2006/main" xmlns:r="http://schemas.openxmlformats.org/officeDocument/2006/relationships" xmlns:p="http://schemas.openxmlformats.org/presentationml/2006/main">
+  <p:cSld>
+    <p:spTree>
+      <p:nvGrpSpPr>
+        <p:cNvPr id="1" name=""/>
+        <p:cNvGrpSpPr/>
+        <p:nvPr/>
+      </p:nvGrpSpPr>
+      <p:grpSpPr>
+        <a:xfrm>
+          <a:off x="0" y="0"/>
+          <a:ext cx="0" cy="0"/>
+          <a:chOff x="0" y="0"/>
+          <a:chExt cx="0" cy="0"/>
+        </a:xfrm>
+      </p:grpSpPr>
+      <p:sp>
+        <p:nvSpPr>
+          <p:cNvPr id="4" name="TextBox 3">
+            <a:extLst>
+              <a:ext uri="{FF2B5EF4-FFF2-40B4-BE49-F238E27FC236}">
+                <a16:creationId xmlns:a16="http://schemas.microsoft.com/office/drawing/2014/main" id="{911E284F-B3C6-4D86-B2F7-9EDB02D1A0D3}"/>
+              </a:ext>
+            </a:extLst>
+          </p:cNvPr>
+          <p:cNvSpPr txBox="1"/>
+          <p:nvPr/>
+        </p:nvSpPr>
+        <p:spPr>
+          <a:xfrm>
+            <a:off x="139286" y="1881523"/>
+            <a:ext cx="1971312" cy="369332"/>
+          </a:xfrm>
+          <a:prstGeom prst="rect">
+            <a:avLst/>
+          </a:prstGeom>
+        </p:spPr>
+        <p:style>
+          <a:lnRef idx="0">
+            <a:schemeClr val="accent4"/>
+          </a:lnRef>
+          <a:fillRef idx="3">
+            <a:schemeClr val="accent4"/>
+          </a:fillRef>
+          <a:effectRef idx="3">
+            <a:schemeClr val="accent4"/>
+          </a:effectRef>
+          <a:fontRef idx="minor">
+            <a:schemeClr val="lt1"/>
+          </a:fontRef>
+        </p:style>
+        <p:txBody>
+          <a:bodyPr wrap="square" rtlCol="0">
+            <a:noAutofit/>
+          </a:bodyPr>
+          <a:lstStyle/>
+          <a:p>
+            <a:pPr algn="ctr"/>
+            <a:r>
+              <a:rPr lang="en-US" b="1" dirty="0"/>
+              <a:t>Master node</a:t>
+            </a:r>
+          </a:p>
+        </p:txBody>
+      </p:sp>
+      <p:sp>
+        <p:nvSpPr>
+          <p:cNvPr id="5" name="TextBox 4">
+            <a:extLst>
+              <a:ext uri="{FF2B5EF4-FFF2-40B4-BE49-F238E27FC236}">
+                <a16:creationId xmlns:a16="http://schemas.microsoft.com/office/drawing/2014/main" id="{6ED6B1AF-C210-4C85-80FC-07C3E5D3A3A8}"/>
+              </a:ext>
+            </a:extLst>
+          </p:cNvPr>
+          <p:cNvSpPr txBox="1"/>
+          <p:nvPr/>
+        </p:nvSpPr>
+        <p:spPr>
+          <a:xfrm>
+            <a:off x="5443961" y="728304"/>
+            <a:ext cx="2020903" cy="369332"/>
+          </a:xfrm>
+          <a:prstGeom prst="rect">
+            <a:avLst/>
+          </a:prstGeom>
+          <a:ln/>
+        </p:spPr>
+        <p:style>
+          <a:lnRef idx="0">
+            <a:schemeClr val="accent3"/>
+          </a:lnRef>
+          <a:fillRef idx="3">
+            <a:schemeClr val="accent3"/>
+          </a:fillRef>
+          <a:effectRef idx="3">
+            <a:schemeClr val="accent3"/>
+          </a:effectRef>
+          <a:fontRef idx="minor">
+            <a:schemeClr val="lt1"/>
+          </a:fontRef>
+        </p:style>
+        <p:txBody>
+          <a:bodyPr wrap="square" rtlCol="0">
+            <a:noAutofit/>
+          </a:bodyPr>
+          <a:lstStyle/>
+          <a:p>
+            <a:pPr algn="ctr"/>
+            <a:r>
+              <a:rPr lang="en-US" b="1" dirty="0"/>
+              <a:t>CHAIN LEVEL [0, 1]</a:t>
+            </a:r>
+          </a:p>
+        </p:txBody>
+      </p:sp>
+      <p:sp>
+        <p:nvSpPr>
+          <p:cNvPr id="13" name="TextBox 12">
+            <a:extLst>
+              <a:ext uri="{FF2B5EF4-FFF2-40B4-BE49-F238E27FC236}">
+                <a16:creationId xmlns:a16="http://schemas.microsoft.com/office/drawing/2014/main" id="{309A127E-4B29-4A02-A606-738B6E68822A}"/>
+              </a:ext>
+            </a:extLst>
+          </p:cNvPr>
+          <p:cNvSpPr txBox="1"/>
+          <p:nvPr/>
+        </p:nvSpPr>
+        <p:spPr>
+          <a:xfrm>
+            <a:off x="8021713" y="728304"/>
+            <a:ext cx="3848395" cy="369332"/>
+          </a:xfrm>
+          <a:prstGeom prst="rect">
+            <a:avLst/>
+          </a:prstGeom>
+        </p:spPr>
+        <p:style>
+          <a:lnRef idx="0">
+            <a:schemeClr val="accent2"/>
+          </a:lnRef>
+          <a:fillRef idx="3">
+            <a:schemeClr val="accent2"/>
+          </a:fillRef>
+          <a:effectRef idx="3">
+            <a:schemeClr val="accent2"/>
+          </a:effectRef>
+          <a:fontRef idx="minor">
+            <a:schemeClr val="lt1"/>
+          </a:fontRef>
+        </p:style>
+        <p:txBody>
+          <a:bodyPr wrap="square" rtlCol="0">
+            <a:noAutofit/>
+          </a:bodyPr>
+          <a:lstStyle/>
+          <a:p>
+            <a:pPr algn="ctr"/>
+            <a:r>
+              <a:rPr lang="en-US" b="1" dirty="0"/>
+              <a:t>ADDRESS LEVEL [0..n]</a:t>
+            </a:r>
+          </a:p>
+        </p:txBody>
+      </p:sp>
+      <p:sp>
+        <p:nvSpPr>
+          <p:cNvPr id="14" name="TextBox 13">
+            <a:extLst>
+              <a:ext uri="{FF2B5EF4-FFF2-40B4-BE49-F238E27FC236}">
+                <a16:creationId xmlns:a16="http://schemas.microsoft.com/office/drawing/2014/main" id="{64AB0DE1-D238-499D-A003-51072DFB38D2}"/>
+              </a:ext>
+            </a:extLst>
+          </p:cNvPr>
+          <p:cNvSpPr txBox="1"/>
+          <p:nvPr/>
+        </p:nvSpPr>
+        <p:spPr>
+          <a:xfrm>
+            <a:off x="8021712" y="1881522"/>
+            <a:ext cx="1071883" cy="369332"/>
+          </a:xfrm>
+          <a:prstGeom prst="rect">
+            <a:avLst/>
+          </a:prstGeom>
+        </p:spPr>
+        <p:style>
+          <a:lnRef idx="0">
+            <a:schemeClr val="accent2"/>
+          </a:lnRef>
+          <a:fillRef idx="3">
+            <a:schemeClr val="accent2"/>
+          </a:fillRef>
+          <a:effectRef idx="3">
+            <a:schemeClr val="accent2"/>
+          </a:effectRef>
+          <a:fontRef idx="minor">
+            <a:schemeClr val="lt1"/>
+          </a:fontRef>
+        </p:style>
+        <p:txBody>
+          <a:bodyPr wrap="square" rtlCol="0">
+            <a:noAutofit/>
+          </a:bodyPr>
+          <a:lstStyle/>
+          <a:p>
+            <a:pPr algn="ctr"/>
+            <a:r>
+              <a:rPr lang="en-US" b="1" dirty="0" err="1"/>
+              <a:t>Adr</a:t>
+            </a:r>
+            <a:r>
+              <a:rPr lang="en-US" b="1" dirty="0"/>
+              <a:t> 0</a:t>
+            </a:r>
+          </a:p>
+        </p:txBody>
+      </p:sp>
+      <p:sp>
+        <p:nvSpPr>
+          <p:cNvPr id="16" name="TextBox 15">
+            <a:extLst>
+              <a:ext uri="{FF2B5EF4-FFF2-40B4-BE49-F238E27FC236}">
+                <a16:creationId xmlns:a16="http://schemas.microsoft.com/office/drawing/2014/main" id="{9F3FD84D-4239-472C-A305-2600986C6587}"/>
+              </a:ext>
+            </a:extLst>
+          </p:cNvPr>
+          <p:cNvSpPr txBox="1"/>
+          <p:nvPr/>
+        </p:nvSpPr>
+        <p:spPr>
+          <a:xfrm>
+            <a:off x="2670837" y="728304"/>
+            <a:ext cx="2350233" cy="369332"/>
+          </a:xfrm>
+          <a:prstGeom prst="rect">
+            <a:avLst/>
+          </a:prstGeom>
+        </p:spPr>
+        <p:style>
+          <a:lnRef idx="0">
+            <a:schemeClr val="accent5"/>
+          </a:lnRef>
+          <a:fillRef idx="3">
+            <a:schemeClr val="accent5"/>
+          </a:fillRef>
+          <a:effectRef idx="3">
+            <a:schemeClr val="accent5"/>
+          </a:effectRef>
+          <a:fontRef idx="minor">
+            <a:schemeClr val="lt1"/>
+          </a:fontRef>
+        </p:style>
+        <p:txBody>
+          <a:bodyPr wrap="square" rtlCol="0">
+            <a:noAutofit/>
+          </a:bodyPr>
+          <a:lstStyle/>
+          <a:p>
+            <a:pPr algn="ctr"/>
+            <a:r>
+              <a:rPr lang="en-US" b="1" dirty="0"/>
+              <a:t>ACCOUNT LEVEL [0..n]</a:t>
+            </a:r>
+          </a:p>
+        </p:txBody>
+      </p:sp>
+      <p:sp>
+        <p:nvSpPr>
+          <p:cNvPr id="22" name="Rectangle 21">
+            <a:extLst>
+              <a:ext uri="{FF2B5EF4-FFF2-40B4-BE49-F238E27FC236}">
+                <a16:creationId xmlns:a16="http://schemas.microsoft.com/office/drawing/2014/main" id="{BCBE485D-229C-44C6-A2A5-577524C62767}"/>
+              </a:ext>
+            </a:extLst>
+          </p:cNvPr>
+          <p:cNvSpPr/>
+          <p:nvPr/>
+        </p:nvSpPr>
+        <p:spPr>
+          <a:xfrm>
+            <a:off x="2521009" y="1480044"/>
+            <a:ext cx="9531705" cy="1948955"/>
+          </a:xfrm>
+          <a:prstGeom prst="rect">
+            <a:avLst/>
+          </a:prstGeom>
+          <a:noFill/>
+          <a:ln w="28575" cap="flat" cmpd="sng" algn="ctr">
+            <a:solidFill>
+              <a:schemeClr val="accent6"/>
+            </a:solidFill>
+            <a:prstDash val="dash"/>
+            <a:round/>
+            <a:headEnd type="none" w="med" len="med"/>
+            <a:tailEnd type="none" w="med" len="med"/>
+          </a:ln>
+        </p:spPr>
+        <p:style>
+          <a:lnRef idx="0">
+            <a:scrgbClr r="0" g="0" b="0"/>
+          </a:lnRef>
+          <a:fillRef idx="0">
+            <a:scrgbClr r="0" g="0" b="0"/>
+          </a:fillRef>
+          <a:effectRef idx="0">
+            <a:scrgbClr r="0" g="0" b="0"/>
+          </a:effectRef>
+          <a:fontRef idx="minor">
+            <a:schemeClr val="accent6"/>
+          </a:fontRef>
+        </p:style>
+        <p:txBody>
+          <a:bodyPr rtlCol="0" anchor="ctr"/>
+          <a:lstStyle/>
+          <a:p>
+            <a:pPr algn="ctr"/>
+            <a:endParaRPr lang="en-US"/>
+          </a:p>
+        </p:txBody>
+      </p:sp>
+      <p:sp>
+        <p:nvSpPr>
+          <p:cNvPr id="52" name="TextBox 51">
+            <a:extLst>
+              <a:ext uri="{FF2B5EF4-FFF2-40B4-BE49-F238E27FC236}">
+                <a16:creationId xmlns:a16="http://schemas.microsoft.com/office/drawing/2014/main" id="{5B9C6D35-227F-4082-AEC7-EBF8D23D4B4E}"/>
+              </a:ext>
+            </a:extLst>
+          </p:cNvPr>
+          <p:cNvSpPr txBox="1"/>
+          <p:nvPr/>
+        </p:nvSpPr>
+        <p:spPr>
+          <a:xfrm>
+            <a:off x="2607974" y="1330672"/>
+            <a:ext cx="2413096" cy="307777"/>
+          </a:xfrm>
+          <a:prstGeom prst="rect">
+            <a:avLst/>
+          </a:prstGeom>
+          <a:solidFill>
+            <a:schemeClr val="bg1"/>
+          </a:solidFill>
+        </p:spPr>
+        <p:txBody>
+          <a:bodyPr wrap="none" rtlCol="0">
+            <a:spAutoFit/>
+          </a:bodyPr>
+          <a:lstStyle/>
+          <a:p>
+            <a:r>
+              <a:rPr lang="en-US" sz="1400" dirty="0">
+                <a:solidFill>
+                  <a:schemeClr val="accent6">
+                    <a:lumMod val="75000"/>
+                  </a:schemeClr>
+                </a:solidFill>
+              </a:rPr>
+              <a:t>Independent address/key pool</a:t>
+            </a:r>
+          </a:p>
+        </p:txBody>
+      </p:sp>
+      <p:cxnSp>
+        <p:nvCxnSpPr>
+          <p:cNvPr id="57" name="Straight Arrow Connector 56">
+            <a:extLst>
+              <a:ext uri="{FF2B5EF4-FFF2-40B4-BE49-F238E27FC236}">
+                <a16:creationId xmlns:a16="http://schemas.microsoft.com/office/drawing/2014/main" id="{C915FE86-360B-4937-AF1A-48D17472C716}"/>
+              </a:ext>
+            </a:extLst>
+          </p:cNvPr>
+          <p:cNvCxnSpPr>
+            <a:cxnSpLocks/>
+            <a:stCxn id="4" idx="3"/>
+            <a:endCxn id="89" idx="1"/>
+          </p:cNvCxnSpPr>
+          <p:nvPr/>
+        </p:nvCxnSpPr>
+        <p:spPr>
+          <a:xfrm>
+            <a:off x="2110598" y="2066189"/>
+            <a:ext cx="560239" cy="185"/>
+          </a:xfrm>
+          <a:prstGeom prst="straightConnector1">
+            <a:avLst/>
+          </a:prstGeom>
+          <a:ln w="19050">
+            <a:solidFill>
+              <a:schemeClr val="bg1">
+                <a:lumMod val="75000"/>
+              </a:schemeClr>
+            </a:solidFill>
+            <a:prstDash val="solid"/>
+            <a:tailEnd type="triangle"/>
+          </a:ln>
+        </p:spPr>
+        <p:style>
+          <a:lnRef idx="1">
+            <a:schemeClr val="accent1"/>
+          </a:lnRef>
+          <a:fillRef idx="0">
+            <a:schemeClr val="accent1"/>
+          </a:fillRef>
+          <a:effectRef idx="0">
+            <a:schemeClr val="accent1"/>
+          </a:effectRef>
+          <a:fontRef idx="minor">
+            <a:schemeClr val="tx1"/>
+          </a:fontRef>
+        </p:style>
+      </p:cxnSp>
+      <p:sp>
+        <p:nvSpPr>
+          <p:cNvPr id="69" name="TextBox 68">
+            <a:extLst>
+              <a:ext uri="{FF2B5EF4-FFF2-40B4-BE49-F238E27FC236}">
+                <a16:creationId xmlns:a16="http://schemas.microsoft.com/office/drawing/2014/main" id="{4A4A3A1E-FEB0-4212-8DF5-0ADDD21CB01A}"/>
+              </a:ext>
+            </a:extLst>
+          </p:cNvPr>
+          <p:cNvSpPr txBox="1"/>
+          <p:nvPr/>
+        </p:nvSpPr>
+        <p:spPr>
+          <a:xfrm>
+            <a:off x="-277586" y="90409"/>
+            <a:ext cx="2805056" cy="276999"/>
+          </a:xfrm>
+          <a:prstGeom prst="rect">
+            <a:avLst/>
+          </a:prstGeom>
+          <a:noFill/>
+        </p:spPr>
+        <p:txBody>
+          <a:bodyPr wrap="square" rtlCol="0">
+            <a:spAutoFit/>
+          </a:bodyPr>
+          <a:lstStyle/>
+          <a:p>
+            <a:pPr algn="ctr"/>
+            <a:r>
+              <a:rPr lang="en-US" sz="1200" i="1" dirty="0">
+                <a:solidFill>
+                  <a:schemeClr val="bg1">
+                    <a:lumMod val="65000"/>
+                  </a:schemeClr>
+                </a:solidFill>
+              </a:rPr>
+              <a:t>HMAC-SHA512</a:t>
+            </a:r>
+          </a:p>
+        </p:txBody>
+      </p:sp>
+      <p:sp>
+        <p:nvSpPr>
+          <p:cNvPr id="71" name="TextBox 70">
+            <a:extLst>
+              <a:ext uri="{FF2B5EF4-FFF2-40B4-BE49-F238E27FC236}">
+                <a16:creationId xmlns:a16="http://schemas.microsoft.com/office/drawing/2014/main" id="{A6BBF3A4-4551-4FEA-BCB5-FEA5175AF441}"/>
+              </a:ext>
+            </a:extLst>
+          </p:cNvPr>
+          <p:cNvSpPr txBox="1"/>
+          <p:nvPr/>
+        </p:nvSpPr>
+        <p:spPr>
+          <a:xfrm>
+            <a:off x="139286" y="5679441"/>
+            <a:ext cx="6359284" cy="954107"/>
+          </a:xfrm>
+          <a:prstGeom prst="rect">
+            <a:avLst/>
+          </a:prstGeom>
+          <a:noFill/>
+        </p:spPr>
+        <p:txBody>
+          <a:bodyPr wrap="square" rtlCol="0">
+            <a:spAutoFit/>
+          </a:bodyPr>
+          <a:lstStyle/>
+          <a:p>
+            <a:r>
+              <a:rPr lang="en-US" sz="2800" b="1" dirty="0"/>
+              <a:t>Generating IOTA addresses</a:t>
+            </a:r>
+            <a:br>
+              <a:rPr lang="en-US" sz="2800" b="1" dirty="0"/>
+            </a:br>
+            <a:r>
+              <a:rPr lang="en-US" sz="2800" b="1" dirty="0"/>
+              <a:t>using derivation path</a:t>
+            </a:r>
+          </a:p>
+        </p:txBody>
+      </p:sp>
+      <p:sp>
+        <p:nvSpPr>
+          <p:cNvPr id="89" name="TextBox 88">
+            <a:extLst>
+              <a:ext uri="{FF2B5EF4-FFF2-40B4-BE49-F238E27FC236}">
+                <a16:creationId xmlns:a16="http://schemas.microsoft.com/office/drawing/2014/main" id="{9DA858BD-25DA-4B14-ACCE-90DE7E968264}"/>
+              </a:ext>
+            </a:extLst>
+          </p:cNvPr>
+          <p:cNvSpPr txBox="1"/>
+          <p:nvPr/>
+        </p:nvSpPr>
+        <p:spPr>
+          <a:xfrm>
+            <a:off x="2670837" y="1881708"/>
+            <a:ext cx="2350233" cy="369332"/>
+          </a:xfrm>
+          <a:prstGeom prst="rect">
+            <a:avLst/>
+          </a:prstGeom>
+        </p:spPr>
+        <p:style>
+          <a:lnRef idx="0">
+            <a:schemeClr val="accent5"/>
+          </a:lnRef>
+          <a:fillRef idx="3">
+            <a:schemeClr val="accent5"/>
+          </a:fillRef>
+          <a:effectRef idx="3">
+            <a:schemeClr val="accent5"/>
+          </a:effectRef>
+          <a:fontRef idx="minor">
+            <a:schemeClr val="lt1"/>
+          </a:fontRef>
+        </p:style>
+        <p:txBody>
+          <a:bodyPr wrap="square" rtlCol="0">
+            <a:noAutofit/>
+          </a:bodyPr>
+          <a:lstStyle/>
+          <a:p>
+            <a:pPr algn="ctr"/>
+            <a:r>
+              <a:rPr lang="en-US" b="1" dirty="0"/>
+              <a:t>Account 0</a:t>
+            </a:r>
+          </a:p>
+        </p:txBody>
+      </p:sp>
+      <p:sp>
+        <p:nvSpPr>
+          <p:cNvPr id="92" name="TextBox 91">
+            <a:extLst>
+              <a:ext uri="{FF2B5EF4-FFF2-40B4-BE49-F238E27FC236}">
+                <a16:creationId xmlns:a16="http://schemas.microsoft.com/office/drawing/2014/main" id="{51E1B215-1FA5-433C-B089-3972734234F9}"/>
+              </a:ext>
+            </a:extLst>
+          </p:cNvPr>
+          <p:cNvSpPr txBox="1"/>
+          <p:nvPr/>
+        </p:nvSpPr>
+        <p:spPr>
+          <a:xfrm>
+            <a:off x="5443960" y="1881708"/>
+            <a:ext cx="2020903" cy="369332"/>
+          </a:xfrm>
+          <a:prstGeom prst="rect">
+            <a:avLst/>
+          </a:prstGeom>
+          <a:ln/>
+        </p:spPr>
+        <p:style>
+          <a:lnRef idx="0">
+            <a:schemeClr val="accent3"/>
+          </a:lnRef>
+          <a:fillRef idx="3">
+            <a:schemeClr val="accent3"/>
+          </a:fillRef>
+          <a:effectRef idx="3">
+            <a:schemeClr val="accent3"/>
+          </a:effectRef>
+          <a:fontRef idx="minor">
+            <a:schemeClr val="lt1"/>
+          </a:fontRef>
+        </p:style>
+        <p:txBody>
+          <a:bodyPr wrap="square" rtlCol="0">
+            <a:noAutofit/>
+          </a:bodyPr>
+          <a:lstStyle/>
+          <a:p>
+            <a:pPr algn="ctr"/>
+            <a:r>
+              <a:rPr lang="en-US" b="1" dirty="0"/>
+              <a:t>Chain = 0</a:t>
+            </a:r>
+          </a:p>
+        </p:txBody>
+      </p:sp>
+      <p:sp>
+        <p:nvSpPr>
+          <p:cNvPr id="93" name="TextBox 92">
+            <a:extLst>
+              <a:ext uri="{FF2B5EF4-FFF2-40B4-BE49-F238E27FC236}">
+                <a16:creationId xmlns:a16="http://schemas.microsoft.com/office/drawing/2014/main" id="{1075DCCC-2FAA-4462-8EAC-80313C1371CE}"/>
+              </a:ext>
+            </a:extLst>
+          </p:cNvPr>
+          <p:cNvSpPr txBox="1"/>
+          <p:nvPr/>
+        </p:nvSpPr>
+        <p:spPr>
+          <a:xfrm>
+            <a:off x="5443961" y="2671831"/>
+            <a:ext cx="2020902" cy="369332"/>
+          </a:xfrm>
+          <a:prstGeom prst="rect">
+            <a:avLst/>
+          </a:prstGeom>
+          <a:ln/>
+        </p:spPr>
+        <p:style>
+          <a:lnRef idx="0">
+            <a:schemeClr val="accent3"/>
+          </a:lnRef>
+          <a:fillRef idx="3">
+            <a:schemeClr val="accent3"/>
+          </a:fillRef>
+          <a:effectRef idx="3">
+            <a:schemeClr val="accent3"/>
+          </a:effectRef>
+          <a:fontRef idx="minor">
+            <a:schemeClr val="lt1"/>
+          </a:fontRef>
+        </p:style>
+        <p:txBody>
+          <a:bodyPr wrap="square" rtlCol="0">
+            <a:noAutofit/>
+          </a:bodyPr>
+          <a:lstStyle/>
+          <a:p>
+            <a:pPr algn="ctr"/>
+            <a:r>
+              <a:rPr lang="en-US" b="1" dirty="0"/>
+              <a:t>Chain = 1</a:t>
+            </a:r>
+          </a:p>
+        </p:txBody>
+      </p:sp>
+      <p:sp>
+        <p:nvSpPr>
+          <p:cNvPr id="94" name="TextBox 93">
+            <a:extLst>
+              <a:ext uri="{FF2B5EF4-FFF2-40B4-BE49-F238E27FC236}">
+                <a16:creationId xmlns:a16="http://schemas.microsoft.com/office/drawing/2014/main" id="{E208A585-FFA6-4E6D-A362-5EBC2E943CA8}"/>
+              </a:ext>
+            </a:extLst>
+          </p:cNvPr>
+          <p:cNvSpPr txBox="1"/>
+          <p:nvPr/>
+        </p:nvSpPr>
+        <p:spPr>
+          <a:xfrm>
+            <a:off x="9349049" y="1881522"/>
+            <a:ext cx="1071883" cy="369332"/>
+          </a:xfrm>
+          <a:prstGeom prst="rect">
+            <a:avLst/>
+          </a:prstGeom>
+        </p:spPr>
+        <p:style>
+          <a:lnRef idx="0">
+            <a:schemeClr val="accent2"/>
+          </a:lnRef>
+          <a:fillRef idx="3">
+            <a:schemeClr val="accent2"/>
+          </a:fillRef>
+          <a:effectRef idx="3">
+            <a:schemeClr val="accent2"/>
+          </a:effectRef>
+          <a:fontRef idx="minor">
+            <a:schemeClr val="lt1"/>
+          </a:fontRef>
+        </p:style>
+        <p:txBody>
+          <a:bodyPr wrap="square" rtlCol="0">
+            <a:noAutofit/>
+          </a:bodyPr>
+          <a:lstStyle/>
+          <a:p>
+            <a:pPr algn="ctr"/>
+            <a:r>
+              <a:rPr lang="en-US" b="1" dirty="0" err="1"/>
+              <a:t>Adr</a:t>
+            </a:r>
+            <a:r>
+              <a:rPr lang="en-US" b="1" dirty="0"/>
+              <a:t> 1</a:t>
+            </a:r>
+          </a:p>
+        </p:txBody>
+      </p:sp>
+      <p:sp>
+        <p:nvSpPr>
+          <p:cNvPr id="95" name="TextBox 94">
+            <a:extLst>
+              <a:ext uri="{FF2B5EF4-FFF2-40B4-BE49-F238E27FC236}">
+                <a16:creationId xmlns:a16="http://schemas.microsoft.com/office/drawing/2014/main" id="{30F19F5F-3887-429D-88CA-C37A91D9CDE1}"/>
+              </a:ext>
+            </a:extLst>
+          </p:cNvPr>
+          <p:cNvSpPr txBox="1"/>
+          <p:nvPr/>
+        </p:nvSpPr>
+        <p:spPr>
+          <a:xfrm>
+            <a:off x="10798225" y="1881522"/>
+            <a:ext cx="1071883" cy="369332"/>
+          </a:xfrm>
+          <a:prstGeom prst="rect">
+            <a:avLst/>
+          </a:prstGeom>
+        </p:spPr>
+        <p:style>
+          <a:lnRef idx="0">
+            <a:schemeClr val="accent2"/>
+          </a:lnRef>
+          <a:fillRef idx="3">
+            <a:schemeClr val="accent2"/>
+          </a:fillRef>
+          <a:effectRef idx="3">
+            <a:schemeClr val="accent2"/>
+          </a:effectRef>
+          <a:fontRef idx="minor">
+            <a:schemeClr val="lt1"/>
+          </a:fontRef>
+        </p:style>
+        <p:txBody>
+          <a:bodyPr wrap="square" rtlCol="0">
+            <a:noAutofit/>
+          </a:bodyPr>
+          <a:lstStyle/>
+          <a:p>
+            <a:pPr algn="ctr"/>
+            <a:r>
+              <a:rPr lang="en-US" b="1" dirty="0" err="1"/>
+              <a:t>Adr</a:t>
+            </a:r>
+            <a:r>
+              <a:rPr lang="en-US" b="1" dirty="0"/>
+              <a:t> ..n</a:t>
+            </a:r>
+          </a:p>
+        </p:txBody>
+      </p:sp>
+      <p:sp>
+        <p:nvSpPr>
+          <p:cNvPr id="96" name="TextBox 95">
+            <a:extLst>
+              <a:ext uri="{FF2B5EF4-FFF2-40B4-BE49-F238E27FC236}">
+                <a16:creationId xmlns:a16="http://schemas.microsoft.com/office/drawing/2014/main" id="{C721FBBD-9412-4F18-A766-B1CCA551B4ED}"/>
+              </a:ext>
+            </a:extLst>
+          </p:cNvPr>
+          <p:cNvSpPr txBox="1"/>
+          <p:nvPr/>
+        </p:nvSpPr>
+        <p:spPr>
+          <a:xfrm>
+            <a:off x="8021712" y="2671831"/>
+            <a:ext cx="1071883" cy="369332"/>
+          </a:xfrm>
+          <a:prstGeom prst="rect">
+            <a:avLst/>
+          </a:prstGeom>
+        </p:spPr>
+        <p:style>
+          <a:lnRef idx="0">
+            <a:schemeClr val="accent2"/>
+          </a:lnRef>
+          <a:fillRef idx="3">
+            <a:schemeClr val="accent2"/>
+          </a:fillRef>
+          <a:effectRef idx="3">
+            <a:schemeClr val="accent2"/>
+          </a:effectRef>
+          <a:fontRef idx="minor">
+            <a:schemeClr val="lt1"/>
+          </a:fontRef>
+        </p:style>
+        <p:txBody>
+          <a:bodyPr wrap="square" rtlCol="0">
+            <a:noAutofit/>
+          </a:bodyPr>
+          <a:lstStyle/>
+          <a:p>
+            <a:pPr algn="ctr"/>
+            <a:r>
+              <a:rPr lang="en-US" b="1" dirty="0" err="1"/>
+              <a:t>Adr</a:t>
+            </a:r>
+            <a:r>
+              <a:rPr lang="en-US" b="1" dirty="0"/>
+              <a:t> 0</a:t>
+            </a:r>
+          </a:p>
+        </p:txBody>
+      </p:sp>
+      <p:sp>
+        <p:nvSpPr>
+          <p:cNvPr id="97" name="TextBox 96">
+            <a:extLst>
+              <a:ext uri="{FF2B5EF4-FFF2-40B4-BE49-F238E27FC236}">
+                <a16:creationId xmlns:a16="http://schemas.microsoft.com/office/drawing/2014/main" id="{6CDE8824-A699-42E1-9E18-8DFF5A09E483}"/>
+              </a:ext>
+            </a:extLst>
+          </p:cNvPr>
+          <p:cNvSpPr txBox="1"/>
+          <p:nvPr/>
+        </p:nvSpPr>
+        <p:spPr>
+          <a:xfrm>
+            <a:off x="9349049" y="2671831"/>
+            <a:ext cx="1071883" cy="369332"/>
+          </a:xfrm>
+          <a:prstGeom prst="rect">
+            <a:avLst/>
+          </a:prstGeom>
+        </p:spPr>
+        <p:style>
+          <a:lnRef idx="0">
+            <a:schemeClr val="accent2"/>
+          </a:lnRef>
+          <a:fillRef idx="3">
+            <a:schemeClr val="accent2"/>
+          </a:fillRef>
+          <a:effectRef idx="3">
+            <a:schemeClr val="accent2"/>
+          </a:effectRef>
+          <a:fontRef idx="minor">
+            <a:schemeClr val="lt1"/>
+          </a:fontRef>
+        </p:style>
+        <p:txBody>
+          <a:bodyPr wrap="square" rtlCol="0">
+            <a:noAutofit/>
+          </a:bodyPr>
+          <a:lstStyle/>
+          <a:p>
+            <a:pPr algn="ctr"/>
+            <a:r>
+              <a:rPr lang="en-US" b="1" dirty="0" err="1"/>
+              <a:t>Adr</a:t>
+            </a:r>
+            <a:r>
+              <a:rPr lang="en-US" b="1" dirty="0"/>
+              <a:t> 1</a:t>
+            </a:r>
+          </a:p>
+        </p:txBody>
+      </p:sp>
+      <p:sp>
+        <p:nvSpPr>
+          <p:cNvPr id="98" name="TextBox 97">
+            <a:extLst>
+              <a:ext uri="{FF2B5EF4-FFF2-40B4-BE49-F238E27FC236}">
+                <a16:creationId xmlns:a16="http://schemas.microsoft.com/office/drawing/2014/main" id="{BF7036A0-BB43-4072-BDDF-7C0CFE495A6D}"/>
+              </a:ext>
+            </a:extLst>
+          </p:cNvPr>
+          <p:cNvSpPr txBox="1"/>
+          <p:nvPr/>
+        </p:nvSpPr>
+        <p:spPr>
+          <a:xfrm>
+            <a:off x="10798225" y="2671831"/>
+            <a:ext cx="1071883" cy="369332"/>
+          </a:xfrm>
+          <a:prstGeom prst="rect">
+            <a:avLst/>
+          </a:prstGeom>
+        </p:spPr>
+        <p:style>
+          <a:lnRef idx="0">
+            <a:schemeClr val="accent2"/>
+          </a:lnRef>
+          <a:fillRef idx="3">
+            <a:schemeClr val="accent2"/>
+          </a:fillRef>
+          <a:effectRef idx="3">
+            <a:schemeClr val="accent2"/>
+          </a:effectRef>
+          <a:fontRef idx="minor">
+            <a:schemeClr val="lt1"/>
+          </a:fontRef>
+        </p:style>
+        <p:txBody>
+          <a:bodyPr wrap="square" rtlCol="0">
+            <a:noAutofit/>
+          </a:bodyPr>
+          <a:lstStyle/>
+          <a:p>
+            <a:pPr algn="ctr"/>
+            <a:r>
+              <a:rPr lang="en-US" b="1" dirty="0" err="1"/>
+              <a:t>Adr</a:t>
+            </a:r>
+            <a:r>
+              <a:rPr lang="en-US" b="1" dirty="0"/>
+              <a:t> ..n</a:t>
+            </a:r>
+          </a:p>
+        </p:txBody>
+      </p:sp>
+      <p:sp>
+        <p:nvSpPr>
+          <p:cNvPr id="101" name="Rectangle 100">
+            <a:extLst>
+              <a:ext uri="{FF2B5EF4-FFF2-40B4-BE49-F238E27FC236}">
+                <a16:creationId xmlns:a16="http://schemas.microsoft.com/office/drawing/2014/main" id="{E2D8CDBA-39B7-49F8-8A08-76AE3D903DAB}"/>
+              </a:ext>
+            </a:extLst>
+          </p:cNvPr>
+          <p:cNvSpPr/>
+          <p:nvPr/>
+        </p:nvSpPr>
+        <p:spPr>
+          <a:xfrm>
+            <a:off x="5341121" y="1741935"/>
+            <a:ext cx="6605900" cy="605612"/>
+          </a:xfrm>
+          <a:prstGeom prst="rect">
+            <a:avLst/>
+          </a:prstGeom>
+          <a:noFill/>
+          <a:ln w="19050" cap="flat" cmpd="sng" algn="ctr">
+            <a:solidFill>
+              <a:schemeClr val="bg1">
+                <a:lumMod val="85000"/>
+              </a:schemeClr>
+            </a:solidFill>
+            <a:prstDash val="sysDot"/>
+            <a:round/>
+            <a:headEnd type="none" w="med" len="med"/>
+            <a:tailEnd type="none" w="med" len="med"/>
+          </a:ln>
+        </p:spPr>
+        <p:style>
+          <a:lnRef idx="0">
+            <a:scrgbClr r="0" g="0" b="0"/>
+          </a:lnRef>
+          <a:fillRef idx="0">
+            <a:scrgbClr r="0" g="0" b="0"/>
+          </a:fillRef>
+          <a:effectRef idx="0">
+            <a:scrgbClr r="0" g="0" b="0"/>
+          </a:effectRef>
+          <a:fontRef idx="minor">
+            <a:schemeClr val="accent6"/>
+          </a:fontRef>
+        </p:style>
+        <p:txBody>
+          <a:bodyPr rtlCol="0" anchor="ctr"/>
+          <a:lstStyle/>
+          <a:p>
+            <a:pPr algn="ctr"/>
+            <a:endParaRPr lang="en-US"/>
+          </a:p>
+        </p:txBody>
+      </p:sp>
+      <p:sp>
+        <p:nvSpPr>
+          <p:cNvPr id="102" name="Rectangle 101">
+            <a:extLst>
+              <a:ext uri="{FF2B5EF4-FFF2-40B4-BE49-F238E27FC236}">
+                <a16:creationId xmlns:a16="http://schemas.microsoft.com/office/drawing/2014/main" id="{A3B99487-1381-406E-8E8A-651C09EF5453}"/>
+              </a:ext>
+            </a:extLst>
+          </p:cNvPr>
+          <p:cNvSpPr/>
+          <p:nvPr/>
+        </p:nvSpPr>
+        <p:spPr>
+          <a:xfrm>
+            <a:off x="5341121" y="2526525"/>
+            <a:ext cx="6605900" cy="605612"/>
+          </a:xfrm>
+          <a:prstGeom prst="rect">
+            <a:avLst/>
+          </a:prstGeom>
+          <a:noFill/>
+          <a:ln w="19050" cap="flat" cmpd="sng" algn="ctr">
+            <a:solidFill>
+              <a:schemeClr val="bg1">
+                <a:lumMod val="85000"/>
+              </a:schemeClr>
+            </a:solidFill>
+            <a:prstDash val="sysDot"/>
+            <a:round/>
+            <a:headEnd type="none" w="med" len="med"/>
+            <a:tailEnd type="none" w="med" len="med"/>
+          </a:ln>
+        </p:spPr>
+        <p:style>
+          <a:lnRef idx="0">
+            <a:scrgbClr r="0" g="0" b="0"/>
+          </a:lnRef>
+          <a:fillRef idx="0">
+            <a:scrgbClr r="0" g="0" b="0"/>
+          </a:fillRef>
+          <a:effectRef idx="0">
+            <a:scrgbClr r="0" g="0" b="0"/>
+          </a:effectRef>
+          <a:fontRef idx="minor">
+            <a:schemeClr val="accent6"/>
+          </a:fontRef>
+        </p:style>
+        <p:txBody>
+          <a:bodyPr rtlCol="0" anchor="ctr"/>
+          <a:lstStyle/>
+          <a:p>
+            <a:pPr algn="ctr"/>
+            <a:endParaRPr lang="en-US"/>
+          </a:p>
+        </p:txBody>
+      </p:sp>
+      <p:sp>
+        <p:nvSpPr>
+          <p:cNvPr id="103" name="TextBox 102">
+            <a:extLst>
+              <a:ext uri="{FF2B5EF4-FFF2-40B4-BE49-F238E27FC236}">
+                <a16:creationId xmlns:a16="http://schemas.microsoft.com/office/drawing/2014/main" id="{53397D7C-924A-4E80-BABE-5F4A33743459}"/>
+              </a:ext>
+            </a:extLst>
+          </p:cNvPr>
+          <p:cNvSpPr txBox="1"/>
+          <p:nvPr/>
+        </p:nvSpPr>
+        <p:spPr>
+          <a:xfrm>
+            <a:off x="5389153" y="1601092"/>
+            <a:ext cx="1935145" cy="261610"/>
+          </a:xfrm>
+          <a:prstGeom prst="rect">
+            <a:avLst/>
+          </a:prstGeom>
+          <a:solidFill>
+            <a:schemeClr val="bg1"/>
+          </a:solidFill>
+        </p:spPr>
+        <p:txBody>
+          <a:bodyPr wrap="none" rtlCol="0">
+            <a:spAutoFit/>
+          </a:bodyPr>
+          <a:lstStyle/>
+          <a:p>
+            <a:r>
+              <a:rPr lang="en-US" sz="1100" i="1" dirty="0">
+                <a:solidFill>
+                  <a:schemeClr val="accent6">
+                    <a:lumMod val="75000"/>
+                  </a:schemeClr>
+                </a:solidFill>
+              </a:rPr>
+              <a:t>Independent address/key pool</a:t>
+            </a:r>
+          </a:p>
+        </p:txBody>
+      </p:sp>
+      <p:sp>
+        <p:nvSpPr>
+          <p:cNvPr id="104" name="TextBox 103">
+            <a:extLst>
+              <a:ext uri="{FF2B5EF4-FFF2-40B4-BE49-F238E27FC236}">
+                <a16:creationId xmlns:a16="http://schemas.microsoft.com/office/drawing/2014/main" id="{A85EFB45-B636-4947-A1A2-0AC76A0D617C}"/>
+              </a:ext>
+            </a:extLst>
+          </p:cNvPr>
+          <p:cNvSpPr txBox="1"/>
+          <p:nvPr/>
+        </p:nvSpPr>
+        <p:spPr>
+          <a:xfrm>
+            <a:off x="5389153" y="2395089"/>
+            <a:ext cx="1935145" cy="261610"/>
+          </a:xfrm>
+          <a:prstGeom prst="rect">
+            <a:avLst/>
+          </a:prstGeom>
+          <a:solidFill>
+            <a:schemeClr val="bg1"/>
+          </a:solidFill>
+        </p:spPr>
+        <p:txBody>
+          <a:bodyPr wrap="none" rtlCol="0">
+            <a:spAutoFit/>
+          </a:bodyPr>
+          <a:lstStyle/>
+          <a:p>
+            <a:r>
+              <a:rPr lang="en-US" sz="1100" i="1" dirty="0">
+                <a:solidFill>
+                  <a:schemeClr val="accent6">
+                    <a:lumMod val="75000"/>
+                  </a:schemeClr>
+                </a:solidFill>
+              </a:rPr>
+              <a:t>Independent address/key pool</a:t>
+            </a:r>
+          </a:p>
+        </p:txBody>
+      </p:sp>
+      <p:sp>
+        <p:nvSpPr>
+          <p:cNvPr id="105" name="TextBox 104">
+            <a:extLst>
+              <a:ext uri="{FF2B5EF4-FFF2-40B4-BE49-F238E27FC236}">
+                <a16:creationId xmlns:a16="http://schemas.microsoft.com/office/drawing/2014/main" id="{E8961D3D-BBE1-49CC-8386-CE8BFF1C3B19}"/>
+              </a:ext>
+            </a:extLst>
+          </p:cNvPr>
+          <p:cNvSpPr txBox="1"/>
+          <p:nvPr/>
+        </p:nvSpPr>
+        <p:spPr>
+          <a:xfrm>
+            <a:off x="139286" y="728305"/>
+            <a:ext cx="1974702" cy="369332"/>
+          </a:xfrm>
+          <a:prstGeom prst="rect">
+            <a:avLst/>
+          </a:prstGeom>
+        </p:spPr>
+        <p:style>
+          <a:lnRef idx="0">
+            <a:schemeClr val="accent4"/>
+          </a:lnRef>
+          <a:fillRef idx="3">
+            <a:schemeClr val="accent4"/>
+          </a:fillRef>
+          <a:effectRef idx="3">
+            <a:schemeClr val="accent4"/>
+          </a:effectRef>
+          <a:fontRef idx="minor">
+            <a:schemeClr val="lt1"/>
+          </a:fontRef>
+        </p:style>
+        <p:txBody>
+          <a:bodyPr wrap="square" rtlCol="0">
+            <a:noAutofit/>
+          </a:bodyPr>
+          <a:lstStyle/>
+          <a:p>
+            <a:pPr algn="ctr"/>
+            <a:r>
+              <a:rPr lang="en-US" b="1" dirty="0"/>
+              <a:t>Root </a:t>
+            </a:r>
+            <a:r>
+              <a:rPr lang="en-US" sz="1600" b="1" dirty="0"/>
+              <a:t>(seed-based)</a:t>
+            </a:r>
+            <a:endParaRPr lang="en-US" b="1" dirty="0"/>
+          </a:p>
+        </p:txBody>
+      </p:sp>
+      <p:sp>
+        <p:nvSpPr>
+          <p:cNvPr id="106" name="TextBox 105">
+            <a:extLst>
+              <a:ext uri="{FF2B5EF4-FFF2-40B4-BE49-F238E27FC236}">
+                <a16:creationId xmlns:a16="http://schemas.microsoft.com/office/drawing/2014/main" id="{FC3464E8-1CDA-4FBD-92E4-58B63D07AD0F}"/>
+              </a:ext>
+            </a:extLst>
+          </p:cNvPr>
+          <p:cNvSpPr txBox="1"/>
+          <p:nvPr/>
+        </p:nvSpPr>
+        <p:spPr>
+          <a:xfrm>
+            <a:off x="8021712" y="3980474"/>
+            <a:ext cx="1071883" cy="369332"/>
+          </a:xfrm>
+          <a:prstGeom prst="rect">
+            <a:avLst/>
+          </a:prstGeom>
+        </p:spPr>
+        <p:style>
+          <a:lnRef idx="0">
+            <a:schemeClr val="accent2"/>
+          </a:lnRef>
+          <a:fillRef idx="3">
+            <a:schemeClr val="accent2"/>
+          </a:fillRef>
+          <a:effectRef idx="3">
+            <a:schemeClr val="accent2"/>
+          </a:effectRef>
+          <a:fontRef idx="minor">
+            <a:schemeClr val="lt1"/>
+          </a:fontRef>
+        </p:style>
+        <p:txBody>
+          <a:bodyPr wrap="square" rtlCol="0">
+            <a:noAutofit/>
+          </a:bodyPr>
+          <a:lstStyle/>
+          <a:p>
+            <a:pPr algn="ctr"/>
+            <a:r>
+              <a:rPr lang="en-US" b="1" dirty="0" err="1"/>
+              <a:t>Adr</a:t>
+            </a:r>
+            <a:r>
+              <a:rPr lang="en-US" b="1" dirty="0"/>
+              <a:t> 0</a:t>
+            </a:r>
+          </a:p>
+        </p:txBody>
+      </p:sp>
+      <p:sp>
+        <p:nvSpPr>
+          <p:cNvPr id="107" name="Rectangle 106">
+            <a:extLst>
+              <a:ext uri="{FF2B5EF4-FFF2-40B4-BE49-F238E27FC236}">
+                <a16:creationId xmlns:a16="http://schemas.microsoft.com/office/drawing/2014/main" id="{88979301-52FD-458E-9807-6D7CCE2B1EAF}"/>
+              </a:ext>
+            </a:extLst>
+          </p:cNvPr>
+          <p:cNvSpPr/>
+          <p:nvPr/>
+        </p:nvSpPr>
+        <p:spPr>
+          <a:xfrm>
+            <a:off x="2521009" y="3690889"/>
+            <a:ext cx="9531705" cy="1687067"/>
+          </a:xfrm>
+          <a:prstGeom prst="rect">
+            <a:avLst/>
+          </a:prstGeom>
+          <a:noFill/>
+          <a:ln w="28575" cap="flat" cmpd="sng" algn="ctr">
+            <a:solidFill>
+              <a:schemeClr val="accent6"/>
+            </a:solidFill>
+            <a:prstDash val="dash"/>
+            <a:round/>
+            <a:headEnd type="none" w="med" len="med"/>
+            <a:tailEnd type="none" w="med" len="med"/>
+          </a:ln>
+        </p:spPr>
+        <p:style>
+          <a:lnRef idx="0">
+            <a:scrgbClr r="0" g="0" b="0"/>
+          </a:lnRef>
+          <a:fillRef idx="0">
+            <a:scrgbClr r="0" g="0" b="0"/>
+          </a:fillRef>
+          <a:effectRef idx="0">
+            <a:scrgbClr r="0" g="0" b="0"/>
+          </a:effectRef>
+          <a:fontRef idx="minor">
+            <a:schemeClr val="accent6"/>
+          </a:fontRef>
+        </p:style>
+        <p:txBody>
+          <a:bodyPr rtlCol="0" anchor="ctr"/>
+          <a:lstStyle/>
+          <a:p>
+            <a:pPr algn="ctr"/>
+            <a:endParaRPr lang="en-US"/>
+          </a:p>
+        </p:txBody>
+      </p:sp>
+      <p:sp>
+        <p:nvSpPr>
+          <p:cNvPr id="109" name="TextBox 108">
+            <a:extLst>
+              <a:ext uri="{FF2B5EF4-FFF2-40B4-BE49-F238E27FC236}">
+                <a16:creationId xmlns:a16="http://schemas.microsoft.com/office/drawing/2014/main" id="{F03A0AD3-3300-43B9-8A0C-77D4A6480C34}"/>
+              </a:ext>
+            </a:extLst>
+          </p:cNvPr>
+          <p:cNvSpPr txBox="1"/>
+          <p:nvPr/>
+        </p:nvSpPr>
+        <p:spPr>
+          <a:xfrm>
+            <a:off x="2670837" y="3980660"/>
+            <a:ext cx="2350233" cy="369332"/>
+          </a:xfrm>
+          <a:prstGeom prst="rect">
+            <a:avLst/>
+          </a:prstGeom>
+        </p:spPr>
+        <p:style>
+          <a:lnRef idx="0">
+            <a:schemeClr val="accent5"/>
+          </a:lnRef>
+          <a:fillRef idx="3">
+            <a:schemeClr val="accent5"/>
+          </a:fillRef>
+          <a:effectRef idx="3">
+            <a:schemeClr val="accent5"/>
+          </a:effectRef>
+          <a:fontRef idx="minor">
+            <a:schemeClr val="lt1"/>
+          </a:fontRef>
+        </p:style>
+        <p:txBody>
+          <a:bodyPr wrap="square" rtlCol="0">
+            <a:noAutofit/>
+          </a:bodyPr>
+          <a:lstStyle/>
+          <a:p>
+            <a:pPr algn="ctr"/>
+            <a:r>
+              <a:rPr lang="en-US" b="1" dirty="0"/>
+              <a:t>Account ..n</a:t>
+            </a:r>
+          </a:p>
+        </p:txBody>
+      </p:sp>
+      <p:sp>
+        <p:nvSpPr>
+          <p:cNvPr id="110" name="TextBox 109">
+            <a:extLst>
+              <a:ext uri="{FF2B5EF4-FFF2-40B4-BE49-F238E27FC236}">
+                <a16:creationId xmlns:a16="http://schemas.microsoft.com/office/drawing/2014/main" id="{53EBA342-79E4-488B-9D01-F1F5A473FFC7}"/>
+              </a:ext>
+            </a:extLst>
+          </p:cNvPr>
+          <p:cNvSpPr txBox="1"/>
+          <p:nvPr/>
+        </p:nvSpPr>
+        <p:spPr>
+          <a:xfrm>
+            <a:off x="5443960" y="3980660"/>
+            <a:ext cx="2020903" cy="369332"/>
+          </a:xfrm>
+          <a:prstGeom prst="rect">
+            <a:avLst/>
+          </a:prstGeom>
+          <a:ln/>
+        </p:spPr>
+        <p:style>
+          <a:lnRef idx="0">
+            <a:schemeClr val="accent3"/>
+          </a:lnRef>
+          <a:fillRef idx="3">
+            <a:schemeClr val="accent3"/>
+          </a:fillRef>
+          <a:effectRef idx="3">
+            <a:schemeClr val="accent3"/>
+          </a:effectRef>
+          <a:fontRef idx="minor">
+            <a:schemeClr val="lt1"/>
+          </a:fontRef>
+        </p:style>
+        <p:txBody>
+          <a:bodyPr wrap="square" rtlCol="0">
+            <a:noAutofit/>
+          </a:bodyPr>
+          <a:lstStyle/>
+          <a:p>
+            <a:pPr algn="ctr"/>
+            <a:r>
+              <a:rPr lang="en-US" b="1" dirty="0"/>
+              <a:t>Chain = 0</a:t>
+            </a:r>
+          </a:p>
+        </p:txBody>
+      </p:sp>
+      <p:sp>
+        <p:nvSpPr>
+          <p:cNvPr id="111" name="TextBox 110">
+            <a:extLst>
+              <a:ext uri="{FF2B5EF4-FFF2-40B4-BE49-F238E27FC236}">
+                <a16:creationId xmlns:a16="http://schemas.microsoft.com/office/drawing/2014/main" id="{1F407225-A64E-41EA-892F-D2B8F6A661E4}"/>
+              </a:ext>
+            </a:extLst>
+          </p:cNvPr>
+          <p:cNvSpPr txBox="1"/>
+          <p:nvPr/>
+        </p:nvSpPr>
+        <p:spPr>
+          <a:xfrm>
+            <a:off x="5443961" y="4770783"/>
+            <a:ext cx="2020902" cy="369332"/>
+          </a:xfrm>
+          <a:prstGeom prst="rect">
+            <a:avLst/>
+          </a:prstGeom>
+          <a:ln/>
+        </p:spPr>
+        <p:style>
+          <a:lnRef idx="0">
+            <a:schemeClr val="accent3"/>
+          </a:lnRef>
+          <a:fillRef idx="3">
+            <a:schemeClr val="accent3"/>
+          </a:fillRef>
+          <a:effectRef idx="3">
+            <a:schemeClr val="accent3"/>
+          </a:effectRef>
+          <a:fontRef idx="minor">
+            <a:schemeClr val="lt1"/>
+          </a:fontRef>
+        </p:style>
+        <p:txBody>
+          <a:bodyPr wrap="square" rtlCol="0">
+            <a:noAutofit/>
+          </a:bodyPr>
+          <a:lstStyle/>
+          <a:p>
+            <a:pPr algn="ctr"/>
+            <a:r>
+              <a:rPr lang="en-US" b="1" dirty="0"/>
+              <a:t>Chain = 1</a:t>
+            </a:r>
+          </a:p>
+        </p:txBody>
+      </p:sp>
+      <p:sp>
+        <p:nvSpPr>
+          <p:cNvPr id="112" name="TextBox 111">
+            <a:extLst>
+              <a:ext uri="{FF2B5EF4-FFF2-40B4-BE49-F238E27FC236}">
+                <a16:creationId xmlns:a16="http://schemas.microsoft.com/office/drawing/2014/main" id="{049EE8F1-4AB9-4CA5-BA24-B1A55982ADC3}"/>
+              </a:ext>
+            </a:extLst>
+          </p:cNvPr>
+          <p:cNvSpPr txBox="1"/>
+          <p:nvPr/>
+        </p:nvSpPr>
+        <p:spPr>
+          <a:xfrm>
+            <a:off x="9349049" y="3980474"/>
+            <a:ext cx="1071883" cy="369332"/>
+          </a:xfrm>
+          <a:prstGeom prst="rect">
+            <a:avLst/>
+          </a:prstGeom>
+        </p:spPr>
+        <p:style>
+          <a:lnRef idx="0">
+            <a:schemeClr val="accent2"/>
+          </a:lnRef>
+          <a:fillRef idx="3">
+            <a:schemeClr val="accent2"/>
+          </a:fillRef>
+          <a:effectRef idx="3">
+            <a:schemeClr val="accent2"/>
+          </a:effectRef>
+          <a:fontRef idx="minor">
+            <a:schemeClr val="lt1"/>
+          </a:fontRef>
+        </p:style>
+        <p:txBody>
+          <a:bodyPr wrap="square" rtlCol="0">
+            <a:noAutofit/>
+          </a:bodyPr>
+          <a:lstStyle/>
+          <a:p>
+            <a:pPr algn="ctr"/>
+            <a:r>
+              <a:rPr lang="en-US" b="1" dirty="0" err="1"/>
+              <a:t>Adr</a:t>
+            </a:r>
+            <a:r>
+              <a:rPr lang="en-US" b="1" dirty="0"/>
+              <a:t> 1</a:t>
+            </a:r>
+          </a:p>
+        </p:txBody>
+      </p:sp>
+      <p:sp>
+        <p:nvSpPr>
+          <p:cNvPr id="113" name="TextBox 112">
+            <a:extLst>
+              <a:ext uri="{FF2B5EF4-FFF2-40B4-BE49-F238E27FC236}">
+                <a16:creationId xmlns:a16="http://schemas.microsoft.com/office/drawing/2014/main" id="{0E3DE2B6-5288-4B00-AEC4-A4C3721FE5A6}"/>
+              </a:ext>
+            </a:extLst>
+          </p:cNvPr>
+          <p:cNvSpPr txBox="1"/>
+          <p:nvPr/>
+        </p:nvSpPr>
+        <p:spPr>
+          <a:xfrm>
+            <a:off x="10798225" y="3980474"/>
+            <a:ext cx="1071883" cy="369332"/>
+          </a:xfrm>
+          <a:prstGeom prst="rect">
+            <a:avLst/>
+          </a:prstGeom>
+        </p:spPr>
+        <p:style>
+          <a:lnRef idx="0">
+            <a:schemeClr val="accent2"/>
+          </a:lnRef>
+          <a:fillRef idx="3">
+            <a:schemeClr val="accent2"/>
+          </a:fillRef>
+          <a:effectRef idx="3">
+            <a:schemeClr val="accent2"/>
+          </a:effectRef>
+          <a:fontRef idx="minor">
+            <a:schemeClr val="lt1"/>
+          </a:fontRef>
+        </p:style>
+        <p:txBody>
+          <a:bodyPr wrap="square" rtlCol="0">
+            <a:noAutofit/>
+          </a:bodyPr>
+          <a:lstStyle/>
+          <a:p>
+            <a:pPr algn="ctr"/>
+            <a:r>
+              <a:rPr lang="en-US" b="1" dirty="0" err="1"/>
+              <a:t>Adr</a:t>
+            </a:r>
+            <a:r>
+              <a:rPr lang="en-US" b="1" dirty="0"/>
+              <a:t> ..n</a:t>
+            </a:r>
+          </a:p>
+        </p:txBody>
+      </p:sp>
+      <p:sp>
+        <p:nvSpPr>
+          <p:cNvPr id="114" name="TextBox 113">
+            <a:extLst>
+              <a:ext uri="{FF2B5EF4-FFF2-40B4-BE49-F238E27FC236}">
+                <a16:creationId xmlns:a16="http://schemas.microsoft.com/office/drawing/2014/main" id="{F9A65B70-2618-433A-9D85-29C08F65AAF5}"/>
+              </a:ext>
+            </a:extLst>
+          </p:cNvPr>
+          <p:cNvSpPr txBox="1"/>
+          <p:nvPr/>
+        </p:nvSpPr>
+        <p:spPr>
+          <a:xfrm>
+            <a:off x="8021712" y="4770783"/>
+            <a:ext cx="1071883" cy="369332"/>
+          </a:xfrm>
+          <a:prstGeom prst="rect">
+            <a:avLst/>
+          </a:prstGeom>
+        </p:spPr>
+        <p:style>
+          <a:lnRef idx="0">
+            <a:schemeClr val="accent2"/>
+          </a:lnRef>
+          <a:fillRef idx="3">
+            <a:schemeClr val="accent2"/>
+          </a:fillRef>
+          <a:effectRef idx="3">
+            <a:schemeClr val="accent2"/>
+          </a:effectRef>
+          <a:fontRef idx="minor">
+            <a:schemeClr val="lt1"/>
+          </a:fontRef>
+        </p:style>
+        <p:txBody>
+          <a:bodyPr wrap="square" rtlCol="0">
+            <a:noAutofit/>
+          </a:bodyPr>
+          <a:lstStyle/>
+          <a:p>
+            <a:pPr algn="ctr"/>
+            <a:r>
+              <a:rPr lang="en-US" b="1" dirty="0" err="1"/>
+              <a:t>Adr</a:t>
+            </a:r>
+            <a:r>
+              <a:rPr lang="en-US" b="1" dirty="0"/>
+              <a:t> 0</a:t>
+            </a:r>
+          </a:p>
+        </p:txBody>
+      </p:sp>
+      <p:sp>
+        <p:nvSpPr>
+          <p:cNvPr id="115" name="TextBox 114">
+            <a:extLst>
+              <a:ext uri="{FF2B5EF4-FFF2-40B4-BE49-F238E27FC236}">
+                <a16:creationId xmlns:a16="http://schemas.microsoft.com/office/drawing/2014/main" id="{CE8A5BB9-C6D0-401A-AAC7-A2BD5935BB84}"/>
+              </a:ext>
+            </a:extLst>
+          </p:cNvPr>
+          <p:cNvSpPr txBox="1"/>
+          <p:nvPr/>
+        </p:nvSpPr>
+        <p:spPr>
+          <a:xfrm>
+            <a:off x="9349049" y="4770783"/>
+            <a:ext cx="1071883" cy="369332"/>
+          </a:xfrm>
+          <a:prstGeom prst="rect">
+            <a:avLst/>
+          </a:prstGeom>
+        </p:spPr>
+        <p:style>
+          <a:lnRef idx="0">
+            <a:schemeClr val="accent2"/>
+          </a:lnRef>
+          <a:fillRef idx="3">
+            <a:schemeClr val="accent2"/>
+          </a:fillRef>
+          <a:effectRef idx="3">
+            <a:schemeClr val="accent2"/>
+          </a:effectRef>
+          <a:fontRef idx="minor">
+            <a:schemeClr val="lt1"/>
+          </a:fontRef>
+        </p:style>
+        <p:txBody>
+          <a:bodyPr wrap="square" rtlCol="0">
+            <a:noAutofit/>
+          </a:bodyPr>
+          <a:lstStyle/>
+          <a:p>
+            <a:pPr algn="ctr"/>
+            <a:r>
+              <a:rPr lang="en-US" b="1" dirty="0" err="1"/>
+              <a:t>Adr</a:t>
+            </a:r>
+            <a:r>
+              <a:rPr lang="en-US" b="1" dirty="0"/>
+              <a:t> 1</a:t>
+            </a:r>
+          </a:p>
+        </p:txBody>
+      </p:sp>
+      <p:sp>
+        <p:nvSpPr>
+          <p:cNvPr id="116" name="TextBox 115">
+            <a:extLst>
+              <a:ext uri="{FF2B5EF4-FFF2-40B4-BE49-F238E27FC236}">
+                <a16:creationId xmlns:a16="http://schemas.microsoft.com/office/drawing/2014/main" id="{095439CB-F2B2-4995-923F-756C5083C8E1}"/>
+              </a:ext>
+            </a:extLst>
+          </p:cNvPr>
+          <p:cNvSpPr txBox="1"/>
+          <p:nvPr/>
+        </p:nvSpPr>
+        <p:spPr>
+          <a:xfrm>
+            <a:off x="10798225" y="4770783"/>
+            <a:ext cx="1071883" cy="369332"/>
+          </a:xfrm>
+          <a:prstGeom prst="rect">
+            <a:avLst/>
+          </a:prstGeom>
+        </p:spPr>
+        <p:style>
+          <a:lnRef idx="0">
+            <a:schemeClr val="accent2"/>
+          </a:lnRef>
+          <a:fillRef idx="3">
+            <a:schemeClr val="accent2"/>
+          </a:fillRef>
+          <a:effectRef idx="3">
+            <a:schemeClr val="accent2"/>
+          </a:effectRef>
+          <a:fontRef idx="minor">
+            <a:schemeClr val="lt1"/>
+          </a:fontRef>
+        </p:style>
+        <p:txBody>
+          <a:bodyPr wrap="square" rtlCol="0">
+            <a:noAutofit/>
+          </a:bodyPr>
+          <a:lstStyle/>
+          <a:p>
+            <a:pPr algn="ctr"/>
+            <a:r>
+              <a:rPr lang="en-US" b="1" dirty="0" err="1"/>
+              <a:t>Adr</a:t>
+            </a:r>
+            <a:r>
+              <a:rPr lang="en-US" b="1" dirty="0"/>
+              <a:t> ..n</a:t>
+            </a:r>
+          </a:p>
+        </p:txBody>
+      </p:sp>
+      <p:sp>
+        <p:nvSpPr>
+          <p:cNvPr id="117" name="Rectangle 116">
+            <a:extLst>
+              <a:ext uri="{FF2B5EF4-FFF2-40B4-BE49-F238E27FC236}">
+                <a16:creationId xmlns:a16="http://schemas.microsoft.com/office/drawing/2014/main" id="{C6A07843-C34B-4FD6-A6D1-4F380574B74C}"/>
+              </a:ext>
+            </a:extLst>
+          </p:cNvPr>
+          <p:cNvSpPr/>
+          <p:nvPr/>
+        </p:nvSpPr>
+        <p:spPr>
+          <a:xfrm>
+            <a:off x="5341121" y="3840887"/>
+            <a:ext cx="6605900" cy="605612"/>
+          </a:xfrm>
+          <a:prstGeom prst="rect">
+            <a:avLst/>
+          </a:prstGeom>
+          <a:noFill/>
+          <a:ln w="19050" cap="flat" cmpd="sng" algn="ctr">
+            <a:solidFill>
+              <a:schemeClr val="bg1">
+                <a:lumMod val="85000"/>
+              </a:schemeClr>
+            </a:solidFill>
+            <a:prstDash val="sysDot"/>
+            <a:round/>
+            <a:headEnd type="none" w="med" len="med"/>
+            <a:tailEnd type="none" w="med" len="med"/>
+          </a:ln>
+        </p:spPr>
+        <p:style>
+          <a:lnRef idx="0">
+            <a:scrgbClr r="0" g="0" b="0"/>
+          </a:lnRef>
+          <a:fillRef idx="0">
+            <a:scrgbClr r="0" g="0" b="0"/>
+          </a:fillRef>
+          <a:effectRef idx="0">
+            <a:scrgbClr r="0" g="0" b="0"/>
+          </a:effectRef>
+          <a:fontRef idx="minor">
+            <a:schemeClr val="accent6"/>
+          </a:fontRef>
+        </p:style>
+        <p:txBody>
+          <a:bodyPr rtlCol="0" anchor="ctr"/>
+          <a:lstStyle/>
+          <a:p>
+            <a:pPr algn="ctr"/>
+            <a:endParaRPr lang="en-US"/>
+          </a:p>
+        </p:txBody>
+      </p:sp>
+      <p:sp>
+        <p:nvSpPr>
+          <p:cNvPr id="118" name="Rectangle 117">
+            <a:extLst>
+              <a:ext uri="{FF2B5EF4-FFF2-40B4-BE49-F238E27FC236}">
+                <a16:creationId xmlns:a16="http://schemas.microsoft.com/office/drawing/2014/main" id="{19C251CD-B02F-4A0C-9419-79195C4520CE}"/>
+              </a:ext>
+            </a:extLst>
+          </p:cNvPr>
+          <p:cNvSpPr/>
+          <p:nvPr/>
+        </p:nvSpPr>
+        <p:spPr>
+          <a:xfrm>
+            <a:off x="5341121" y="4625477"/>
+            <a:ext cx="6605900" cy="605612"/>
+          </a:xfrm>
+          <a:prstGeom prst="rect">
+            <a:avLst/>
+          </a:prstGeom>
+          <a:noFill/>
+          <a:ln w="19050" cap="flat" cmpd="sng" algn="ctr">
+            <a:solidFill>
+              <a:schemeClr val="bg1">
+                <a:lumMod val="85000"/>
+              </a:schemeClr>
+            </a:solidFill>
+            <a:prstDash val="sysDot"/>
+            <a:round/>
+            <a:headEnd type="none" w="med" len="med"/>
+            <a:tailEnd type="none" w="med" len="med"/>
+          </a:ln>
+        </p:spPr>
+        <p:style>
+          <a:lnRef idx="0">
+            <a:scrgbClr r="0" g="0" b="0"/>
+          </a:lnRef>
+          <a:fillRef idx="0">
+            <a:scrgbClr r="0" g="0" b="0"/>
+          </a:fillRef>
+          <a:effectRef idx="0">
+            <a:scrgbClr r="0" g="0" b="0"/>
+          </a:effectRef>
+          <a:fontRef idx="minor">
+            <a:schemeClr val="accent6"/>
+          </a:fontRef>
+        </p:style>
+        <p:txBody>
+          <a:bodyPr rtlCol="0" anchor="ctr"/>
+          <a:lstStyle/>
+          <a:p>
+            <a:pPr algn="ctr"/>
+            <a:endParaRPr lang="en-US"/>
+          </a:p>
+        </p:txBody>
+      </p:sp>
+      <p:sp>
+        <p:nvSpPr>
+          <p:cNvPr id="124" name="Rectangle 123">
+            <a:extLst>
+              <a:ext uri="{FF2B5EF4-FFF2-40B4-BE49-F238E27FC236}">
+                <a16:creationId xmlns:a16="http://schemas.microsoft.com/office/drawing/2014/main" id="{D79B0A2A-ECFA-42B4-AACD-18B02ACA2AB2}"/>
+              </a:ext>
+            </a:extLst>
+          </p:cNvPr>
+          <p:cNvSpPr/>
+          <p:nvPr/>
+        </p:nvSpPr>
+        <p:spPr>
+          <a:xfrm>
+            <a:off x="2278757" y="3601269"/>
+            <a:ext cx="9913243" cy="1899194"/>
+          </a:xfrm>
+          <a:prstGeom prst="rect">
+            <a:avLst/>
+          </a:prstGeom>
+          <a:solidFill>
+            <a:schemeClr val="bg1">
+              <a:alpha val="75000"/>
+            </a:schemeClr>
+          </a:solidFill>
+          <a:ln>
+            <a:noFill/>
+          </a:ln>
+        </p:spPr>
+        <p:style>
+          <a:lnRef idx="2">
+            <a:schemeClr val="accent1">
+              <a:shade val="50000"/>
+            </a:schemeClr>
+          </a:lnRef>
+          <a:fillRef idx="1">
+            <a:schemeClr val="accent1"/>
+          </a:fillRef>
+          <a:effectRef idx="0">
+            <a:schemeClr val="accent1"/>
+          </a:effectRef>
+          <a:fontRef idx="minor">
+            <a:schemeClr val="lt1"/>
+          </a:fontRef>
+        </p:style>
+        <p:txBody>
+          <a:bodyPr rtlCol="0" anchor="ctr"/>
+          <a:lstStyle/>
+          <a:p>
+            <a:pPr algn="ctr"/>
+            <a:endParaRPr lang="en-US"/>
+          </a:p>
+        </p:txBody>
+      </p:sp>
+      <p:cxnSp>
+        <p:nvCxnSpPr>
+          <p:cNvPr id="131" name="Straight Arrow Connector 130">
+            <a:extLst>
+              <a:ext uri="{FF2B5EF4-FFF2-40B4-BE49-F238E27FC236}">
+                <a16:creationId xmlns:a16="http://schemas.microsoft.com/office/drawing/2014/main" id="{53C89FF9-5ED5-4D67-9AE5-A945D79A5EB4}"/>
+              </a:ext>
+            </a:extLst>
+          </p:cNvPr>
+          <p:cNvCxnSpPr>
+            <a:cxnSpLocks/>
+            <a:stCxn id="4" idx="3"/>
+            <a:endCxn id="109" idx="1"/>
+          </p:cNvCxnSpPr>
+          <p:nvPr/>
+        </p:nvCxnSpPr>
+        <p:spPr>
+          <a:xfrm>
+            <a:off x="2110598" y="2066189"/>
+            <a:ext cx="560239" cy="2099137"/>
+          </a:xfrm>
+          <a:prstGeom prst="bentConnector3">
+            <a:avLst>
+              <a:gd name="adj1" fmla="val 50000"/>
+            </a:avLst>
+          </a:prstGeom>
+          <a:ln w="19050">
+            <a:solidFill>
+              <a:schemeClr val="bg1">
+                <a:lumMod val="75000"/>
+              </a:schemeClr>
+            </a:solidFill>
+            <a:prstDash val="solid"/>
+            <a:tailEnd type="triangle"/>
+          </a:ln>
+        </p:spPr>
+        <p:style>
+          <a:lnRef idx="1">
+            <a:schemeClr val="accent1"/>
+          </a:lnRef>
+          <a:fillRef idx="0">
+            <a:schemeClr val="accent1"/>
+          </a:fillRef>
+          <a:effectRef idx="0">
+            <a:schemeClr val="accent1"/>
+          </a:effectRef>
+          <a:fontRef idx="minor">
+            <a:schemeClr val="tx1"/>
+          </a:fontRef>
+        </p:style>
+      </p:cxnSp>
+      <p:cxnSp>
+        <p:nvCxnSpPr>
+          <p:cNvPr id="134" name="Straight Arrow Connector 133">
+            <a:extLst>
+              <a:ext uri="{FF2B5EF4-FFF2-40B4-BE49-F238E27FC236}">
+                <a16:creationId xmlns:a16="http://schemas.microsoft.com/office/drawing/2014/main" id="{17C96197-098E-4EFB-A960-16987018E558}"/>
+              </a:ext>
+            </a:extLst>
+          </p:cNvPr>
+          <p:cNvCxnSpPr>
+            <a:cxnSpLocks/>
+            <a:stCxn id="89" idx="3"/>
+            <a:endCxn id="92" idx="1"/>
+          </p:cNvCxnSpPr>
+          <p:nvPr/>
+        </p:nvCxnSpPr>
+        <p:spPr>
+          <a:xfrm>
+            <a:off x="5021070" y="2066374"/>
+            <a:ext cx="422890" cy="0"/>
+          </a:xfrm>
+          <a:prstGeom prst="straightConnector1">
+            <a:avLst/>
+          </a:prstGeom>
+          <a:ln w="19050">
+            <a:solidFill>
+              <a:schemeClr val="bg1">
+                <a:lumMod val="75000"/>
+              </a:schemeClr>
+            </a:solidFill>
+            <a:prstDash val="solid"/>
+            <a:tailEnd type="triangle"/>
+          </a:ln>
+        </p:spPr>
+        <p:style>
+          <a:lnRef idx="1">
+            <a:schemeClr val="accent1"/>
+          </a:lnRef>
+          <a:fillRef idx="0">
+            <a:schemeClr val="accent1"/>
+          </a:fillRef>
+          <a:effectRef idx="0">
+            <a:schemeClr val="accent1"/>
+          </a:effectRef>
+          <a:fontRef idx="minor">
+            <a:schemeClr val="tx1"/>
+          </a:fontRef>
+        </p:style>
+      </p:cxnSp>
+      <p:cxnSp>
+        <p:nvCxnSpPr>
+          <p:cNvPr id="138" name="Straight Arrow Connector 137">
+            <a:extLst>
+              <a:ext uri="{FF2B5EF4-FFF2-40B4-BE49-F238E27FC236}">
+                <a16:creationId xmlns:a16="http://schemas.microsoft.com/office/drawing/2014/main" id="{95C4DEE5-99EF-4B7F-9F7D-4A025AECE0B7}"/>
+              </a:ext>
+            </a:extLst>
+          </p:cNvPr>
+          <p:cNvCxnSpPr>
+            <a:cxnSpLocks/>
+            <a:stCxn id="109" idx="3"/>
+            <a:endCxn id="110" idx="1"/>
+          </p:cNvCxnSpPr>
+          <p:nvPr/>
+        </p:nvCxnSpPr>
+        <p:spPr>
+          <a:xfrm>
+            <a:off x="5021070" y="4165326"/>
+            <a:ext cx="422890" cy="0"/>
+          </a:xfrm>
+          <a:prstGeom prst="straightConnector1">
+            <a:avLst/>
+          </a:prstGeom>
+          <a:ln w="19050">
+            <a:solidFill>
+              <a:schemeClr val="bg1">
+                <a:lumMod val="75000"/>
+              </a:schemeClr>
+            </a:solidFill>
+            <a:prstDash val="solid"/>
+            <a:tailEnd type="triangle"/>
+          </a:ln>
+        </p:spPr>
+        <p:style>
+          <a:lnRef idx="1">
+            <a:schemeClr val="accent1"/>
+          </a:lnRef>
+          <a:fillRef idx="0">
+            <a:schemeClr val="accent1"/>
+          </a:fillRef>
+          <a:effectRef idx="0">
+            <a:schemeClr val="accent1"/>
+          </a:effectRef>
+          <a:fontRef idx="minor">
+            <a:schemeClr val="tx1"/>
+          </a:fontRef>
+        </p:style>
+      </p:cxnSp>
+      <p:cxnSp>
+        <p:nvCxnSpPr>
+          <p:cNvPr id="141" name="Straight Arrow Connector 140">
+            <a:extLst>
+              <a:ext uri="{FF2B5EF4-FFF2-40B4-BE49-F238E27FC236}">
+                <a16:creationId xmlns:a16="http://schemas.microsoft.com/office/drawing/2014/main" id="{F98BD1C2-515E-4845-9BF2-45F6E5024BCC}"/>
+              </a:ext>
+            </a:extLst>
+          </p:cNvPr>
+          <p:cNvCxnSpPr>
+            <a:cxnSpLocks/>
+            <a:stCxn id="109" idx="3"/>
+            <a:endCxn id="111" idx="1"/>
+          </p:cNvCxnSpPr>
+          <p:nvPr/>
+        </p:nvCxnSpPr>
+        <p:spPr>
+          <a:xfrm>
+            <a:off x="5021070" y="4165326"/>
+            <a:ext cx="422891" cy="790123"/>
+          </a:xfrm>
+          <a:prstGeom prst="bentConnector3">
+            <a:avLst>
+              <a:gd name="adj1" fmla="val 50000"/>
+            </a:avLst>
+          </a:prstGeom>
+          <a:ln w="19050">
+            <a:solidFill>
+              <a:schemeClr val="bg1">
+                <a:lumMod val="75000"/>
+              </a:schemeClr>
+            </a:solidFill>
+            <a:prstDash val="solid"/>
+            <a:tailEnd type="triangle"/>
+          </a:ln>
+        </p:spPr>
+        <p:style>
+          <a:lnRef idx="1">
+            <a:schemeClr val="accent1"/>
+          </a:lnRef>
+          <a:fillRef idx="0">
+            <a:schemeClr val="accent1"/>
+          </a:fillRef>
+          <a:effectRef idx="0">
+            <a:schemeClr val="accent1"/>
+          </a:effectRef>
+          <a:fontRef idx="minor">
+            <a:schemeClr val="tx1"/>
+          </a:fontRef>
+        </p:style>
+      </p:cxnSp>
+      <p:cxnSp>
+        <p:nvCxnSpPr>
+          <p:cNvPr id="144" name="Straight Arrow Connector 143">
+            <a:extLst>
+              <a:ext uri="{FF2B5EF4-FFF2-40B4-BE49-F238E27FC236}">
+                <a16:creationId xmlns:a16="http://schemas.microsoft.com/office/drawing/2014/main" id="{0577376D-2EEE-45EE-AD19-56FF4ECB327F}"/>
+              </a:ext>
+            </a:extLst>
+          </p:cNvPr>
+          <p:cNvCxnSpPr>
+            <a:cxnSpLocks/>
+            <a:stCxn id="89" idx="3"/>
+            <a:endCxn id="93" idx="1"/>
+          </p:cNvCxnSpPr>
+          <p:nvPr/>
+        </p:nvCxnSpPr>
+        <p:spPr>
+          <a:xfrm>
+            <a:off x="5021070" y="2066374"/>
+            <a:ext cx="422891" cy="790123"/>
+          </a:xfrm>
+          <a:prstGeom prst="bentConnector3">
+            <a:avLst>
+              <a:gd name="adj1" fmla="val 50000"/>
+            </a:avLst>
+          </a:prstGeom>
+          <a:ln w="19050">
+            <a:solidFill>
+              <a:schemeClr val="bg1">
+                <a:lumMod val="75000"/>
+              </a:schemeClr>
+            </a:solidFill>
+            <a:prstDash val="solid"/>
+            <a:tailEnd type="triangle"/>
+          </a:ln>
+        </p:spPr>
+        <p:style>
+          <a:lnRef idx="1">
+            <a:schemeClr val="accent1"/>
+          </a:lnRef>
+          <a:fillRef idx="0">
+            <a:schemeClr val="accent1"/>
+          </a:fillRef>
+          <a:effectRef idx="0">
+            <a:schemeClr val="accent1"/>
+          </a:effectRef>
+          <a:fontRef idx="minor">
+            <a:schemeClr val="tx1"/>
+          </a:fontRef>
+        </p:style>
+      </p:cxnSp>
+      <p:cxnSp>
+        <p:nvCxnSpPr>
+          <p:cNvPr id="147" name="Straight Arrow Connector 146">
+            <a:extLst>
+              <a:ext uri="{FF2B5EF4-FFF2-40B4-BE49-F238E27FC236}">
+                <a16:creationId xmlns:a16="http://schemas.microsoft.com/office/drawing/2014/main" id="{FDBA46D3-0E51-4791-8649-979FDE71EC50}"/>
+              </a:ext>
+            </a:extLst>
+          </p:cNvPr>
+          <p:cNvCxnSpPr>
+            <a:cxnSpLocks/>
+            <a:stCxn id="92" idx="2"/>
+            <a:endCxn id="14" idx="2"/>
+          </p:cNvCxnSpPr>
+          <p:nvPr/>
+        </p:nvCxnSpPr>
+        <p:spPr>
+          <a:xfrm rot="5400000" flipH="1" flipV="1">
+            <a:off x="7505940" y="1199326"/>
+            <a:ext cx="186" cy="2103242"/>
+          </a:xfrm>
+          <a:prstGeom prst="curvedConnector3">
+            <a:avLst>
+              <a:gd name="adj1" fmla="val -63174731"/>
+            </a:avLst>
+          </a:prstGeom>
+          <a:ln w="19050">
+            <a:solidFill>
+              <a:schemeClr val="bg1">
+                <a:lumMod val="75000"/>
+              </a:schemeClr>
+            </a:solidFill>
+            <a:prstDash val="solid"/>
+            <a:tailEnd type="triangle"/>
+          </a:ln>
+        </p:spPr>
+        <p:style>
+          <a:lnRef idx="1">
+            <a:schemeClr val="accent1"/>
+          </a:lnRef>
+          <a:fillRef idx="0">
+            <a:schemeClr val="accent1"/>
+          </a:fillRef>
+          <a:effectRef idx="0">
+            <a:schemeClr val="accent1"/>
+          </a:effectRef>
+          <a:fontRef idx="minor">
+            <a:schemeClr val="tx1"/>
+          </a:fontRef>
+        </p:style>
+      </p:cxnSp>
+      <p:cxnSp>
+        <p:nvCxnSpPr>
+          <p:cNvPr id="152" name="Straight Arrow Connector 146">
+            <a:extLst>
+              <a:ext uri="{FF2B5EF4-FFF2-40B4-BE49-F238E27FC236}">
+                <a16:creationId xmlns:a16="http://schemas.microsoft.com/office/drawing/2014/main" id="{F089E87A-73D4-4BE8-92D5-F4C1AC5ADCA5}"/>
+              </a:ext>
+            </a:extLst>
+          </p:cNvPr>
+          <p:cNvCxnSpPr>
+            <a:cxnSpLocks/>
+            <a:stCxn id="92" idx="2"/>
+            <a:endCxn id="94" idx="2"/>
+          </p:cNvCxnSpPr>
+          <p:nvPr/>
+        </p:nvCxnSpPr>
+        <p:spPr>
+          <a:xfrm rot="5400000" flipH="1" flipV="1">
+            <a:off x="8169608" y="535657"/>
+            <a:ext cx="186" cy="3430579"/>
+          </a:xfrm>
+          <a:prstGeom prst="curvedConnector3">
+            <a:avLst>
+              <a:gd name="adj1" fmla="val -95336022"/>
+            </a:avLst>
+          </a:prstGeom>
+          <a:ln w="19050">
+            <a:solidFill>
+              <a:schemeClr val="bg1">
+                <a:lumMod val="75000"/>
+              </a:schemeClr>
+            </a:solidFill>
+            <a:prstDash val="solid"/>
+            <a:tailEnd type="triangle"/>
+          </a:ln>
+        </p:spPr>
+        <p:style>
+          <a:lnRef idx="1">
+            <a:schemeClr val="accent1"/>
+          </a:lnRef>
+          <a:fillRef idx="0">
+            <a:schemeClr val="accent1"/>
+          </a:fillRef>
+          <a:effectRef idx="0">
+            <a:schemeClr val="accent1"/>
+          </a:effectRef>
+          <a:fontRef idx="minor">
+            <a:schemeClr val="tx1"/>
+          </a:fontRef>
+        </p:style>
+      </p:cxnSp>
+      <p:cxnSp>
+        <p:nvCxnSpPr>
+          <p:cNvPr id="155" name="Straight Arrow Connector 146">
+            <a:extLst>
+              <a:ext uri="{FF2B5EF4-FFF2-40B4-BE49-F238E27FC236}">
+                <a16:creationId xmlns:a16="http://schemas.microsoft.com/office/drawing/2014/main" id="{67D59EB7-10D8-45BC-9FF0-05B04D33CCCB}"/>
+              </a:ext>
+            </a:extLst>
+          </p:cNvPr>
+          <p:cNvCxnSpPr>
+            <a:cxnSpLocks/>
+            <a:stCxn id="92" idx="2"/>
+            <a:endCxn id="95" idx="2"/>
+          </p:cNvCxnSpPr>
+          <p:nvPr/>
+        </p:nvCxnSpPr>
+        <p:spPr>
+          <a:xfrm rot="5400000" flipH="1" flipV="1">
+            <a:off x="8894196" y="-188931"/>
+            <a:ext cx="186" cy="4879755"/>
+          </a:xfrm>
+          <a:prstGeom prst="curvedConnector3">
+            <a:avLst>
+              <a:gd name="adj1" fmla="val -118310215"/>
+            </a:avLst>
+          </a:prstGeom>
+          <a:ln w="19050">
+            <a:solidFill>
+              <a:schemeClr val="bg1">
+                <a:lumMod val="75000"/>
+              </a:schemeClr>
+            </a:solidFill>
+            <a:prstDash val="solid"/>
+            <a:tailEnd type="triangle"/>
+          </a:ln>
+        </p:spPr>
+        <p:style>
+          <a:lnRef idx="1">
+            <a:schemeClr val="accent1"/>
+          </a:lnRef>
+          <a:fillRef idx="0">
+            <a:schemeClr val="accent1"/>
+          </a:fillRef>
+          <a:effectRef idx="0">
+            <a:schemeClr val="accent1"/>
+          </a:effectRef>
+          <a:fontRef idx="minor">
+            <a:schemeClr val="tx1"/>
+          </a:fontRef>
+        </p:style>
+      </p:cxnSp>
+      <p:cxnSp>
+        <p:nvCxnSpPr>
+          <p:cNvPr id="174" name="Straight Arrow Connector 146">
+            <a:extLst>
+              <a:ext uri="{FF2B5EF4-FFF2-40B4-BE49-F238E27FC236}">
+                <a16:creationId xmlns:a16="http://schemas.microsoft.com/office/drawing/2014/main" id="{9D704740-7B75-4892-B1C1-7FE3A2C34755}"/>
+              </a:ext>
+            </a:extLst>
+          </p:cNvPr>
+          <p:cNvCxnSpPr>
+            <a:cxnSpLocks/>
+            <a:stCxn id="93" idx="2"/>
+            <a:endCxn id="96" idx="2"/>
+          </p:cNvCxnSpPr>
+          <p:nvPr/>
+        </p:nvCxnSpPr>
+        <p:spPr>
+          <a:xfrm rot="16200000" flipH="1">
+            <a:off x="7506033" y="1989542"/>
+            <a:ext cx="12700" cy="2103242"/>
+          </a:xfrm>
+          <a:prstGeom prst="curvedConnector3">
+            <a:avLst>
+              <a:gd name="adj1" fmla="val 992528"/>
+            </a:avLst>
+          </a:prstGeom>
+          <a:ln w="19050">
+            <a:solidFill>
+              <a:schemeClr val="bg1">
+                <a:lumMod val="75000"/>
+              </a:schemeClr>
+            </a:solidFill>
+            <a:prstDash val="solid"/>
+            <a:tailEnd type="triangle"/>
+          </a:ln>
+        </p:spPr>
+        <p:style>
+          <a:lnRef idx="1">
+            <a:schemeClr val="accent1"/>
+          </a:lnRef>
+          <a:fillRef idx="0">
+            <a:schemeClr val="accent1"/>
+          </a:fillRef>
+          <a:effectRef idx="0">
+            <a:schemeClr val="accent1"/>
+          </a:effectRef>
+          <a:fontRef idx="minor">
+            <a:schemeClr val="tx1"/>
+          </a:fontRef>
+        </p:style>
+      </p:cxnSp>
+      <p:cxnSp>
+        <p:nvCxnSpPr>
+          <p:cNvPr id="175" name="Straight Arrow Connector 146">
+            <a:extLst>
+              <a:ext uri="{FF2B5EF4-FFF2-40B4-BE49-F238E27FC236}">
+                <a16:creationId xmlns:a16="http://schemas.microsoft.com/office/drawing/2014/main" id="{ABA49349-E0B5-4562-9893-9362F31E0E19}"/>
+              </a:ext>
+            </a:extLst>
+          </p:cNvPr>
+          <p:cNvCxnSpPr>
+            <a:cxnSpLocks/>
+            <a:stCxn id="93" idx="2"/>
+            <a:endCxn id="97" idx="2"/>
+          </p:cNvCxnSpPr>
+          <p:nvPr/>
+        </p:nvCxnSpPr>
+        <p:spPr>
+          <a:xfrm rot="16200000" flipH="1">
+            <a:off x="8169701" y="1325873"/>
+            <a:ext cx="12700" cy="3430579"/>
+          </a:xfrm>
+          <a:prstGeom prst="curvedConnector3">
+            <a:avLst>
+              <a:gd name="adj1" fmla="val 1396244"/>
+            </a:avLst>
+          </a:prstGeom>
+          <a:ln w="19050">
+            <a:solidFill>
+              <a:schemeClr val="bg1">
+                <a:lumMod val="75000"/>
+              </a:schemeClr>
+            </a:solidFill>
+            <a:prstDash val="solid"/>
+            <a:tailEnd type="triangle"/>
+          </a:ln>
+        </p:spPr>
+        <p:style>
+          <a:lnRef idx="1">
+            <a:schemeClr val="accent1"/>
+          </a:lnRef>
+          <a:fillRef idx="0">
+            <a:schemeClr val="accent1"/>
+          </a:fillRef>
+          <a:effectRef idx="0">
+            <a:schemeClr val="accent1"/>
+          </a:effectRef>
+          <a:fontRef idx="minor">
+            <a:schemeClr val="tx1"/>
+          </a:fontRef>
+        </p:style>
+      </p:cxnSp>
+      <p:cxnSp>
+        <p:nvCxnSpPr>
+          <p:cNvPr id="176" name="Straight Arrow Connector 146">
+            <a:extLst>
+              <a:ext uri="{FF2B5EF4-FFF2-40B4-BE49-F238E27FC236}">
+                <a16:creationId xmlns:a16="http://schemas.microsoft.com/office/drawing/2014/main" id="{79DBC545-639E-4B64-B601-C0ED10E01AF3}"/>
+              </a:ext>
+            </a:extLst>
+          </p:cNvPr>
+          <p:cNvCxnSpPr>
+            <a:cxnSpLocks/>
+            <a:stCxn id="93" idx="2"/>
+            <a:endCxn id="98" idx="2"/>
+          </p:cNvCxnSpPr>
+          <p:nvPr/>
+        </p:nvCxnSpPr>
+        <p:spPr>
+          <a:xfrm rot="16200000" flipH="1">
+            <a:off x="8894289" y="601285"/>
+            <a:ext cx="12700" cy="4879755"/>
+          </a:xfrm>
+          <a:prstGeom prst="curvedConnector3">
+            <a:avLst>
+              <a:gd name="adj1" fmla="val 1800000"/>
+            </a:avLst>
+          </a:prstGeom>
+          <a:ln w="19050">
+            <a:solidFill>
+              <a:schemeClr val="bg1">
+                <a:lumMod val="75000"/>
+              </a:schemeClr>
+            </a:solidFill>
+            <a:prstDash val="solid"/>
+            <a:tailEnd type="triangle"/>
+          </a:ln>
+        </p:spPr>
+        <p:style>
+          <a:lnRef idx="1">
+            <a:schemeClr val="accent1"/>
+          </a:lnRef>
+          <a:fillRef idx="0">
+            <a:schemeClr val="accent1"/>
+          </a:fillRef>
+          <a:effectRef idx="0">
+            <a:schemeClr val="accent1"/>
+          </a:effectRef>
+          <a:fontRef idx="minor">
+            <a:schemeClr val="tx1"/>
+          </a:fontRef>
+        </p:style>
+      </p:cxnSp>
+      <p:cxnSp>
+        <p:nvCxnSpPr>
+          <p:cNvPr id="177" name="Straight Arrow Connector 146">
+            <a:extLst>
+              <a:ext uri="{FF2B5EF4-FFF2-40B4-BE49-F238E27FC236}">
+                <a16:creationId xmlns:a16="http://schemas.microsoft.com/office/drawing/2014/main" id="{1082DDAE-9EC6-4933-BCB8-8A4AA46962CB}"/>
+              </a:ext>
+            </a:extLst>
+          </p:cNvPr>
+          <p:cNvCxnSpPr>
+            <a:cxnSpLocks/>
+            <a:stCxn id="110" idx="2"/>
+            <a:endCxn id="106" idx="2"/>
+          </p:cNvCxnSpPr>
+          <p:nvPr/>
+        </p:nvCxnSpPr>
+        <p:spPr>
+          <a:xfrm rot="5400000" flipH="1" flipV="1">
+            <a:off x="7505940" y="3298278"/>
+            <a:ext cx="186" cy="2103242"/>
+          </a:xfrm>
+          <a:prstGeom prst="curvedConnector3">
+            <a:avLst>
+              <a:gd name="adj1" fmla="val -63174194"/>
+            </a:avLst>
+          </a:prstGeom>
+          <a:ln w="19050">
+            <a:solidFill>
+              <a:schemeClr val="bg1">
+                <a:lumMod val="75000"/>
+              </a:schemeClr>
+            </a:solidFill>
+            <a:prstDash val="solid"/>
+            <a:tailEnd type="triangle"/>
+          </a:ln>
+        </p:spPr>
+        <p:style>
+          <a:lnRef idx="1">
+            <a:schemeClr val="accent1"/>
+          </a:lnRef>
+          <a:fillRef idx="0">
+            <a:schemeClr val="accent1"/>
+          </a:fillRef>
+          <a:effectRef idx="0">
+            <a:schemeClr val="accent1"/>
+          </a:effectRef>
+          <a:fontRef idx="minor">
+            <a:schemeClr val="tx1"/>
+          </a:fontRef>
+        </p:style>
+      </p:cxnSp>
+      <p:cxnSp>
+        <p:nvCxnSpPr>
+          <p:cNvPr id="178" name="Straight Arrow Connector 146">
+            <a:extLst>
+              <a:ext uri="{FF2B5EF4-FFF2-40B4-BE49-F238E27FC236}">
+                <a16:creationId xmlns:a16="http://schemas.microsoft.com/office/drawing/2014/main" id="{F1B16165-4F5B-4DDA-8AEE-D9D243031512}"/>
+              </a:ext>
+            </a:extLst>
+          </p:cNvPr>
+          <p:cNvCxnSpPr>
+            <a:cxnSpLocks/>
+            <a:stCxn id="110" idx="2"/>
+            <a:endCxn id="113" idx="2"/>
+          </p:cNvCxnSpPr>
+          <p:nvPr/>
+        </p:nvCxnSpPr>
+        <p:spPr>
+          <a:xfrm rot="5400000" flipH="1" flipV="1">
+            <a:off x="8894196" y="1910021"/>
+            <a:ext cx="186" cy="4879755"/>
+          </a:xfrm>
+          <a:prstGeom prst="curvedConnector3">
+            <a:avLst>
+              <a:gd name="adj1" fmla="val -104525269"/>
+            </a:avLst>
+          </a:prstGeom>
+          <a:ln w="19050">
+            <a:solidFill>
+              <a:schemeClr val="bg1">
+                <a:lumMod val="75000"/>
+              </a:schemeClr>
+            </a:solidFill>
+            <a:prstDash val="solid"/>
+            <a:tailEnd type="triangle"/>
+          </a:ln>
+        </p:spPr>
+        <p:style>
+          <a:lnRef idx="1">
+            <a:schemeClr val="accent1"/>
+          </a:lnRef>
+          <a:fillRef idx="0">
+            <a:schemeClr val="accent1"/>
+          </a:fillRef>
+          <a:effectRef idx="0">
+            <a:schemeClr val="accent1"/>
+          </a:effectRef>
+          <a:fontRef idx="minor">
+            <a:schemeClr val="tx1"/>
+          </a:fontRef>
+        </p:style>
+      </p:cxnSp>
+      <p:cxnSp>
+        <p:nvCxnSpPr>
+          <p:cNvPr id="179" name="Straight Arrow Connector 146">
+            <a:extLst>
+              <a:ext uri="{FF2B5EF4-FFF2-40B4-BE49-F238E27FC236}">
+                <a16:creationId xmlns:a16="http://schemas.microsoft.com/office/drawing/2014/main" id="{8B524A5D-8420-4916-A21D-7B6B85D58D50}"/>
+              </a:ext>
+            </a:extLst>
+          </p:cNvPr>
+          <p:cNvCxnSpPr>
+            <a:cxnSpLocks/>
+            <a:stCxn id="110" idx="2"/>
+            <a:endCxn id="112" idx="2"/>
+          </p:cNvCxnSpPr>
+          <p:nvPr/>
+        </p:nvCxnSpPr>
+        <p:spPr>
+          <a:xfrm rot="5400000" flipH="1" flipV="1">
+            <a:off x="8169608" y="2634609"/>
+            <a:ext cx="186" cy="3430579"/>
+          </a:xfrm>
+          <a:prstGeom prst="curvedConnector3">
+            <a:avLst>
+              <a:gd name="adj1" fmla="val -76958065"/>
+            </a:avLst>
+          </a:prstGeom>
+          <a:ln w="19050">
+            <a:solidFill>
+              <a:schemeClr val="bg1">
+                <a:lumMod val="75000"/>
+              </a:schemeClr>
+            </a:solidFill>
+            <a:prstDash val="solid"/>
+            <a:tailEnd type="triangle"/>
+          </a:ln>
+        </p:spPr>
+        <p:style>
+          <a:lnRef idx="1">
+            <a:schemeClr val="accent1"/>
+          </a:lnRef>
+          <a:fillRef idx="0">
+            <a:schemeClr val="accent1"/>
+          </a:fillRef>
+          <a:effectRef idx="0">
+            <a:schemeClr val="accent1"/>
+          </a:effectRef>
+          <a:fontRef idx="minor">
+            <a:schemeClr val="tx1"/>
+          </a:fontRef>
+        </p:style>
+      </p:cxnSp>
+      <p:cxnSp>
+        <p:nvCxnSpPr>
+          <p:cNvPr id="180" name="Straight Arrow Connector 146">
+            <a:extLst>
+              <a:ext uri="{FF2B5EF4-FFF2-40B4-BE49-F238E27FC236}">
+                <a16:creationId xmlns:a16="http://schemas.microsoft.com/office/drawing/2014/main" id="{7D02B58D-5737-4F1F-980B-415412F10E15}"/>
+              </a:ext>
+            </a:extLst>
+          </p:cNvPr>
+          <p:cNvCxnSpPr>
+            <a:cxnSpLocks/>
+            <a:stCxn id="111" idx="2"/>
+            <a:endCxn id="115" idx="2"/>
+          </p:cNvCxnSpPr>
+          <p:nvPr/>
+        </p:nvCxnSpPr>
+        <p:spPr>
+          <a:xfrm rot="16200000" flipH="1">
+            <a:off x="8169701" y="3424825"/>
+            <a:ext cx="12700" cy="3430579"/>
+          </a:xfrm>
+          <a:prstGeom prst="curvedConnector3">
+            <a:avLst>
+              <a:gd name="adj1" fmla="val 1127102"/>
+            </a:avLst>
+          </a:prstGeom>
+          <a:ln w="19050">
+            <a:solidFill>
+              <a:schemeClr val="bg1">
+                <a:lumMod val="75000"/>
+              </a:schemeClr>
+            </a:solidFill>
+            <a:prstDash val="solid"/>
+            <a:tailEnd type="triangle"/>
+          </a:ln>
+        </p:spPr>
+        <p:style>
+          <a:lnRef idx="1">
+            <a:schemeClr val="accent1"/>
+          </a:lnRef>
+          <a:fillRef idx="0">
+            <a:schemeClr val="accent1"/>
+          </a:fillRef>
+          <a:effectRef idx="0">
+            <a:schemeClr val="accent1"/>
+          </a:effectRef>
+          <a:fontRef idx="minor">
+            <a:schemeClr val="tx1"/>
+          </a:fontRef>
+        </p:style>
+      </p:cxnSp>
+      <p:cxnSp>
+        <p:nvCxnSpPr>
+          <p:cNvPr id="181" name="Straight Arrow Connector 146">
+            <a:extLst>
+              <a:ext uri="{FF2B5EF4-FFF2-40B4-BE49-F238E27FC236}">
+                <a16:creationId xmlns:a16="http://schemas.microsoft.com/office/drawing/2014/main" id="{F7767208-9CBD-4E66-9FF5-3F749E1020A7}"/>
+              </a:ext>
+            </a:extLst>
+          </p:cNvPr>
+          <p:cNvCxnSpPr>
+            <a:cxnSpLocks/>
+            <a:stCxn id="111" idx="2"/>
+            <a:endCxn id="114" idx="2"/>
+          </p:cNvCxnSpPr>
+          <p:nvPr/>
+        </p:nvCxnSpPr>
+        <p:spPr>
+          <a:xfrm rot="16200000" flipH="1">
+            <a:off x="7506033" y="4088494"/>
+            <a:ext cx="12700" cy="2103242"/>
+          </a:xfrm>
+          <a:prstGeom prst="curvedConnector3">
+            <a:avLst>
+              <a:gd name="adj1" fmla="val 925236"/>
+            </a:avLst>
+          </a:prstGeom>
+          <a:ln w="19050">
+            <a:solidFill>
+              <a:schemeClr val="bg1">
+                <a:lumMod val="75000"/>
+              </a:schemeClr>
+            </a:solidFill>
+            <a:prstDash val="solid"/>
+            <a:tailEnd type="triangle"/>
+          </a:ln>
+        </p:spPr>
+        <p:style>
+          <a:lnRef idx="1">
+            <a:schemeClr val="accent1"/>
+          </a:lnRef>
+          <a:fillRef idx="0">
+            <a:schemeClr val="accent1"/>
+          </a:fillRef>
+          <a:effectRef idx="0">
+            <a:schemeClr val="accent1"/>
+          </a:effectRef>
+          <a:fontRef idx="minor">
+            <a:schemeClr val="tx1"/>
+          </a:fontRef>
+        </p:style>
+      </p:cxnSp>
+      <p:cxnSp>
+        <p:nvCxnSpPr>
+          <p:cNvPr id="182" name="Straight Arrow Connector 146">
+            <a:extLst>
+              <a:ext uri="{FF2B5EF4-FFF2-40B4-BE49-F238E27FC236}">
+                <a16:creationId xmlns:a16="http://schemas.microsoft.com/office/drawing/2014/main" id="{EB5A8602-870C-4889-8055-653AD0F8AC28}"/>
+              </a:ext>
+            </a:extLst>
+          </p:cNvPr>
+          <p:cNvCxnSpPr>
+            <a:cxnSpLocks/>
+            <a:stCxn id="111" idx="2"/>
+            <a:endCxn id="116" idx="2"/>
+          </p:cNvCxnSpPr>
+          <p:nvPr/>
+        </p:nvCxnSpPr>
+        <p:spPr>
+          <a:xfrm rot="16200000" flipH="1">
+            <a:off x="8894289" y="2700237"/>
+            <a:ext cx="12700" cy="4879755"/>
+          </a:xfrm>
+          <a:prstGeom prst="curvedConnector3">
+            <a:avLst>
+              <a:gd name="adj1" fmla="val 1665409"/>
+            </a:avLst>
+          </a:prstGeom>
+          <a:ln w="19050">
+            <a:solidFill>
+              <a:schemeClr val="bg1">
+                <a:lumMod val="75000"/>
+              </a:schemeClr>
+            </a:solidFill>
+            <a:prstDash val="solid"/>
+            <a:tailEnd type="triangle"/>
+          </a:ln>
+        </p:spPr>
+        <p:style>
+          <a:lnRef idx="1">
+            <a:schemeClr val="accent1"/>
+          </a:lnRef>
+          <a:fillRef idx="0">
+            <a:schemeClr val="accent1"/>
+          </a:fillRef>
+          <a:effectRef idx="0">
+            <a:schemeClr val="accent1"/>
+          </a:effectRef>
+          <a:fontRef idx="minor">
+            <a:schemeClr val="tx1"/>
+          </a:fontRef>
+        </p:style>
+      </p:cxnSp>
+      <p:sp>
+        <p:nvSpPr>
+          <p:cNvPr id="211" name="TextBox 210">
+            <a:extLst>
+              <a:ext uri="{FF2B5EF4-FFF2-40B4-BE49-F238E27FC236}">
+                <a16:creationId xmlns:a16="http://schemas.microsoft.com/office/drawing/2014/main" id="{773FA2D6-136C-4A9D-A5CA-217F04E95319}"/>
+              </a:ext>
+            </a:extLst>
+          </p:cNvPr>
+          <p:cNvSpPr txBox="1"/>
+          <p:nvPr/>
+        </p:nvSpPr>
+        <p:spPr>
+          <a:xfrm>
+            <a:off x="9843408" y="6581001"/>
+            <a:ext cx="2348592" cy="276999"/>
+          </a:xfrm>
+          <a:prstGeom prst="rect">
+            <a:avLst/>
+          </a:prstGeom>
+          <a:noFill/>
+        </p:spPr>
+        <p:txBody>
+          <a:bodyPr wrap="none" rtlCol="0">
+            <a:spAutoFit/>
+          </a:bodyPr>
+          <a:lstStyle/>
+          <a:p>
+            <a:pPr algn="r"/>
+            <a:r>
+              <a:rPr lang="en-US" sz="1200" i="1" dirty="0"/>
+              <a:t>Source: BIP32; simplified by author</a:t>
+            </a:r>
+          </a:p>
+        </p:txBody>
+      </p:sp>
+      <p:sp>
+        <p:nvSpPr>
+          <p:cNvPr id="212" name="TextBox 211">
+            <a:extLst>
+              <a:ext uri="{FF2B5EF4-FFF2-40B4-BE49-F238E27FC236}">
+                <a16:creationId xmlns:a16="http://schemas.microsoft.com/office/drawing/2014/main" id="{315B78F0-E657-4AF3-BC66-41C3DDC829DB}"/>
+              </a:ext>
+            </a:extLst>
+          </p:cNvPr>
+          <p:cNvSpPr txBox="1"/>
+          <p:nvPr/>
+        </p:nvSpPr>
+        <p:spPr>
+          <a:xfrm>
+            <a:off x="2670836" y="90409"/>
+            <a:ext cx="2350233" cy="276999"/>
+          </a:xfrm>
+          <a:prstGeom prst="rect">
+            <a:avLst/>
+          </a:prstGeom>
+          <a:noFill/>
+        </p:spPr>
+        <p:txBody>
+          <a:bodyPr wrap="square" rtlCol="0">
+            <a:spAutoFit/>
+          </a:bodyPr>
+          <a:lstStyle/>
+          <a:p>
+            <a:pPr algn="ctr"/>
+            <a:r>
+              <a:rPr lang="en-US" sz="1200" i="1" dirty="0">
+                <a:solidFill>
+                  <a:schemeClr val="bg1">
+                    <a:lumMod val="65000"/>
+                  </a:schemeClr>
+                </a:solidFill>
+              </a:rPr>
+              <a:t>Child Key Derivation Function</a:t>
+            </a:r>
+          </a:p>
+        </p:txBody>
+      </p:sp>
+      <p:sp>
+        <p:nvSpPr>
+          <p:cNvPr id="213" name="TextBox 212">
+            <a:extLst>
+              <a:ext uri="{FF2B5EF4-FFF2-40B4-BE49-F238E27FC236}">
+                <a16:creationId xmlns:a16="http://schemas.microsoft.com/office/drawing/2014/main" id="{811F3581-23F0-4256-B92C-752C2A64ED83}"/>
+              </a:ext>
+            </a:extLst>
+          </p:cNvPr>
+          <p:cNvSpPr txBox="1"/>
+          <p:nvPr/>
+        </p:nvSpPr>
+        <p:spPr>
+          <a:xfrm>
+            <a:off x="5443960" y="90409"/>
+            <a:ext cx="2020903" cy="276999"/>
+          </a:xfrm>
+          <a:prstGeom prst="rect">
+            <a:avLst/>
+          </a:prstGeom>
+          <a:noFill/>
+        </p:spPr>
+        <p:txBody>
+          <a:bodyPr wrap="square" rtlCol="0">
+            <a:spAutoFit/>
+          </a:bodyPr>
+          <a:lstStyle/>
+          <a:p>
+            <a:pPr algn="ctr"/>
+            <a:r>
+              <a:rPr lang="en-US" sz="1200" i="1" dirty="0">
+                <a:solidFill>
+                  <a:schemeClr val="bg1">
+                    <a:lumMod val="65000"/>
+                  </a:schemeClr>
+                </a:solidFill>
+              </a:rPr>
+              <a:t>Child Key Derivation Function</a:t>
+            </a:r>
+          </a:p>
+        </p:txBody>
+      </p:sp>
+      <p:cxnSp>
+        <p:nvCxnSpPr>
+          <p:cNvPr id="215" name="Straight Arrow Connector 214">
+            <a:extLst>
+              <a:ext uri="{FF2B5EF4-FFF2-40B4-BE49-F238E27FC236}">
+                <a16:creationId xmlns:a16="http://schemas.microsoft.com/office/drawing/2014/main" id="{D9F6DC24-C086-49E8-9879-F9FB47AA7B9D}"/>
+              </a:ext>
+            </a:extLst>
+          </p:cNvPr>
+          <p:cNvCxnSpPr/>
+          <p:nvPr/>
+        </p:nvCxnSpPr>
+        <p:spPr>
+          <a:xfrm>
+            <a:off x="1761688" y="226503"/>
+            <a:ext cx="1057013" cy="0"/>
+          </a:xfrm>
+          <a:prstGeom prst="straightConnector1">
+            <a:avLst/>
+          </a:prstGeom>
+          <a:ln w="19050">
+            <a:solidFill>
+              <a:schemeClr val="bg1">
+                <a:lumMod val="75000"/>
+              </a:schemeClr>
+            </a:solidFill>
+            <a:prstDash val="solid"/>
+            <a:tailEnd type="triangle"/>
+          </a:ln>
+        </p:spPr>
+        <p:style>
+          <a:lnRef idx="1">
+            <a:schemeClr val="accent1"/>
+          </a:lnRef>
+          <a:fillRef idx="0">
+            <a:schemeClr val="accent1"/>
+          </a:fillRef>
+          <a:effectRef idx="0">
+            <a:schemeClr val="accent1"/>
+          </a:effectRef>
+          <a:fontRef idx="minor">
+            <a:schemeClr val="tx1"/>
+          </a:fontRef>
+        </p:style>
+      </p:cxnSp>
+      <p:cxnSp>
+        <p:nvCxnSpPr>
+          <p:cNvPr id="216" name="Straight Arrow Connector 215">
+            <a:extLst>
+              <a:ext uri="{FF2B5EF4-FFF2-40B4-BE49-F238E27FC236}">
+                <a16:creationId xmlns:a16="http://schemas.microsoft.com/office/drawing/2014/main" id="{91FEC5FD-2B96-45B5-B1F0-BFB079CCF498}"/>
+              </a:ext>
+            </a:extLst>
+          </p:cNvPr>
+          <p:cNvCxnSpPr>
+            <a:cxnSpLocks/>
+            <a:endCxn id="213" idx="1"/>
+          </p:cNvCxnSpPr>
+          <p:nvPr/>
+        </p:nvCxnSpPr>
+        <p:spPr>
+          <a:xfrm>
+            <a:off x="4860646" y="226503"/>
+            <a:ext cx="583314" cy="2406"/>
+          </a:xfrm>
+          <a:prstGeom prst="straightConnector1">
+            <a:avLst/>
+          </a:prstGeom>
+          <a:ln w="19050">
+            <a:solidFill>
+              <a:schemeClr val="bg1">
+                <a:lumMod val="75000"/>
+              </a:schemeClr>
+            </a:solidFill>
+            <a:prstDash val="solid"/>
+            <a:tailEnd type="triangle"/>
+          </a:ln>
+        </p:spPr>
+        <p:style>
+          <a:lnRef idx="1">
+            <a:schemeClr val="accent1"/>
+          </a:lnRef>
+          <a:fillRef idx="0">
+            <a:schemeClr val="accent1"/>
+          </a:fillRef>
+          <a:effectRef idx="0">
+            <a:schemeClr val="accent1"/>
+          </a:effectRef>
+          <a:fontRef idx="minor">
+            <a:schemeClr val="tx1"/>
+          </a:fontRef>
+        </p:style>
+      </p:cxnSp>
+      <p:sp>
+        <p:nvSpPr>
+          <p:cNvPr id="219" name="TextBox 218">
+            <a:extLst>
+              <a:ext uri="{FF2B5EF4-FFF2-40B4-BE49-F238E27FC236}">
+                <a16:creationId xmlns:a16="http://schemas.microsoft.com/office/drawing/2014/main" id="{32A6B1C0-0C18-427D-91E1-B0FDCE938FED}"/>
+              </a:ext>
+            </a:extLst>
+          </p:cNvPr>
+          <p:cNvSpPr txBox="1"/>
+          <p:nvPr/>
+        </p:nvSpPr>
+        <p:spPr>
+          <a:xfrm>
+            <a:off x="2670836" y="274890"/>
+            <a:ext cx="2350233" cy="276999"/>
+          </a:xfrm>
+          <a:prstGeom prst="rect">
+            <a:avLst/>
+          </a:prstGeom>
+          <a:noFill/>
+        </p:spPr>
+        <p:txBody>
+          <a:bodyPr wrap="square" rtlCol="0">
+            <a:spAutoFit/>
+          </a:bodyPr>
+          <a:lstStyle/>
+          <a:p>
+            <a:pPr algn="ctr"/>
+            <a:r>
+              <a:rPr lang="en-US" sz="1200" i="1" dirty="0">
+                <a:solidFill>
+                  <a:schemeClr val="bg1">
+                    <a:lumMod val="65000"/>
+                  </a:schemeClr>
+                </a:solidFill>
+              </a:rPr>
+              <a:t>BIP32 hardened</a:t>
+            </a:r>
+          </a:p>
+        </p:txBody>
+      </p:sp>
+    </p:spTree>
+    <p:extLst>
+      <p:ext uri="{BB962C8B-B14F-4D97-AF65-F5344CB8AC3E}">
+        <p14:creationId xmlns:p14="http://schemas.microsoft.com/office/powerpoint/2010/main" val="4051614260"/>
+      </p:ext>
+    </p:extLst>
+  </p:cSld>
+  <p:clrMapOvr>
+    <a:masterClrMapping/>
+  </p:clrMapOvr>
+</p:sld>
+</file>
+
 <file path=ppt/theme/theme1.xml><?xml version="1.0" encoding="utf-8"?>
 <a:theme xmlns:a="http://schemas.openxmlformats.org/drawingml/2006/main" name="Office Theme">
   <a:themeElements>

--- a/docs/charts.pptx
+++ b/docs/charts.pptx
@@ -260,7 +260,7 @@
           <a:p>
             <a:fld id="{58537782-5515-4277-8890-BE805010C87F}" type="datetimeFigureOut">
               <a:rPr lang="en-US" smtClean="0"/>
-              <a:t>3/28/2021</a:t>
+              <a:t>3/29/2021</a:t>
             </a:fld>
             <a:endParaRPr lang="en-US"/>
           </a:p>
@@ -458,7 +458,7 @@
           <a:p>
             <a:fld id="{58537782-5515-4277-8890-BE805010C87F}" type="datetimeFigureOut">
               <a:rPr lang="en-US" smtClean="0"/>
-              <a:t>3/28/2021</a:t>
+              <a:t>3/29/2021</a:t>
             </a:fld>
             <a:endParaRPr lang="en-US"/>
           </a:p>
@@ -666,7 +666,7 @@
           <a:p>
             <a:fld id="{58537782-5515-4277-8890-BE805010C87F}" type="datetimeFigureOut">
               <a:rPr lang="en-US" smtClean="0"/>
-              <a:t>3/28/2021</a:t>
+              <a:t>3/29/2021</a:t>
             </a:fld>
             <a:endParaRPr lang="en-US"/>
           </a:p>
@@ -864,7 +864,7 @@
           <a:p>
             <a:fld id="{58537782-5515-4277-8890-BE805010C87F}" type="datetimeFigureOut">
               <a:rPr lang="en-US" smtClean="0"/>
-              <a:t>3/28/2021</a:t>
+              <a:t>3/29/2021</a:t>
             </a:fld>
             <a:endParaRPr lang="en-US"/>
           </a:p>
@@ -1139,7 +1139,7 @@
           <a:p>
             <a:fld id="{58537782-5515-4277-8890-BE805010C87F}" type="datetimeFigureOut">
               <a:rPr lang="en-US" smtClean="0"/>
-              <a:t>3/28/2021</a:t>
+              <a:t>3/29/2021</a:t>
             </a:fld>
             <a:endParaRPr lang="en-US"/>
           </a:p>
@@ -1404,7 +1404,7 @@
           <a:p>
             <a:fld id="{58537782-5515-4277-8890-BE805010C87F}" type="datetimeFigureOut">
               <a:rPr lang="en-US" smtClean="0"/>
-              <a:t>3/28/2021</a:t>
+              <a:t>3/29/2021</a:t>
             </a:fld>
             <a:endParaRPr lang="en-US"/>
           </a:p>
@@ -1816,7 +1816,7 @@
           <a:p>
             <a:fld id="{58537782-5515-4277-8890-BE805010C87F}" type="datetimeFigureOut">
               <a:rPr lang="en-US" smtClean="0"/>
-              <a:t>3/28/2021</a:t>
+              <a:t>3/29/2021</a:t>
             </a:fld>
             <a:endParaRPr lang="en-US"/>
           </a:p>
@@ -1957,7 +1957,7 @@
           <a:p>
             <a:fld id="{58537782-5515-4277-8890-BE805010C87F}" type="datetimeFigureOut">
               <a:rPr lang="en-US" smtClean="0"/>
-              <a:t>3/28/2021</a:t>
+              <a:t>3/29/2021</a:t>
             </a:fld>
             <a:endParaRPr lang="en-US"/>
           </a:p>
@@ -2070,7 +2070,7 @@
           <a:p>
             <a:fld id="{58537782-5515-4277-8890-BE805010C87F}" type="datetimeFigureOut">
               <a:rPr lang="en-US" smtClean="0"/>
-              <a:t>3/28/2021</a:t>
+              <a:t>3/29/2021</a:t>
             </a:fld>
             <a:endParaRPr lang="en-US"/>
           </a:p>
@@ -2381,7 +2381,7 @@
           <a:p>
             <a:fld id="{58537782-5515-4277-8890-BE805010C87F}" type="datetimeFigureOut">
               <a:rPr lang="en-US" smtClean="0"/>
-              <a:t>3/28/2021</a:t>
+              <a:t>3/29/2021</a:t>
             </a:fld>
             <a:endParaRPr lang="en-US"/>
           </a:p>
@@ -2669,7 +2669,7 @@
           <a:p>
             <a:fld id="{58537782-5515-4277-8890-BE805010C87F}" type="datetimeFigureOut">
               <a:rPr lang="en-US" smtClean="0"/>
-              <a:t>3/28/2021</a:t>
+              <a:t>3/29/2021</a:t>
             </a:fld>
             <a:endParaRPr lang="en-US"/>
           </a:p>
@@ -2910,7 +2910,7 @@
           <a:p>
             <a:fld id="{58537782-5515-4277-8890-BE805010C87F}" type="datetimeFigureOut">
               <a:rPr lang="en-US" smtClean="0"/>
-              <a:t>3/28/2021</a:t>
+              <a:t>3/29/2021</a:t>
             </a:fld>
             <a:endParaRPr lang="en-US"/>
           </a:p>
@@ -4882,7 +4882,7 @@
           <a:ln w="19050" cap="flat" cmpd="sng" algn="ctr">
             <a:solidFill>
               <a:schemeClr val="bg1">
-                <a:lumMod val="85000"/>
+                <a:lumMod val="65000"/>
               </a:schemeClr>
             </a:solidFill>
             <a:prstDash val="sysDot"/>
@@ -4938,7 +4938,7 @@
           <a:ln w="19050" cap="flat" cmpd="sng" algn="ctr">
             <a:solidFill>
               <a:schemeClr val="bg1">
-                <a:lumMod val="85000"/>
+                <a:lumMod val="65000"/>
               </a:schemeClr>
             </a:solidFill>
             <a:prstDash val="sysDot"/>
@@ -5757,8 +5757,8 @@
         </p:nvSpPr>
         <p:spPr>
           <a:xfrm>
-            <a:off x="2278757" y="3601269"/>
-            <a:ext cx="9913243" cy="1899194"/>
+            <a:off x="2457974" y="3605681"/>
+            <a:ext cx="9691936" cy="1899194"/>
           </a:xfrm>
           <a:prstGeom prst="rect">
             <a:avLst/>
@@ -5924,7 +5924,7 @@
           <a:ln w="19050">
             <a:solidFill>
               <a:schemeClr val="bg1">
-                <a:lumMod val="75000"/>
+                <a:lumMod val="85000"/>
               </a:schemeClr>
             </a:solidFill>
             <a:prstDash val="solid"/>
@@ -5975,7 +5975,7 @@
           <a:ln w="19050">
             <a:solidFill>
               <a:schemeClr val="bg1">
-                <a:lumMod val="75000"/>
+                <a:lumMod val="85000"/>
               </a:schemeClr>
             </a:solidFill>
             <a:prstDash val="solid"/>
@@ -6383,7 +6383,7 @@
           <a:ln w="19050">
             <a:solidFill>
               <a:schemeClr val="bg1">
-                <a:lumMod val="75000"/>
+                <a:lumMod val="85000"/>
               </a:schemeClr>
             </a:solidFill>
             <a:prstDash val="solid"/>
@@ -6434,7 +6434,7 @@
           <a:ln w="19050">
             <a:solidFill>
               <a:schemeClr val="bg1">
-                <a:lumMod val="75000"/>
+                <a:lumMod val="85000"/>
               </a:schemeClr>
             </a:solidFill>
             <a:prstDash val="solid"/>
@@ -6485,7 +6485,7 @@
           <a:ln w="19050">
             <a:solidFill>
               <a:schemeClr val="bg1">
-                <a:lumMod val="75000"/>
+                <a:lumMod val="85000"/>
               </a:schemeClr>
             </a:solidFill>
             <a:prstDash val="solid"/>
@@ -6536,7 +6536,7 @@
           <a:ln w="19050">
             <a:solidFill>
               <a:schemeClr val="bg1">
-                <a:lumMod val="75000"/>
+                <a:lumMod val="85000"/>
               </a:schemeClr>
             </a:solidFill>
             <a:prstDash val="solid"/>
@@ -6587,7 +6587,7 @@
           <a:ln w="19050">
             <a:solidFill>
               <a:schemeClr val="bg1">
-                <a:lumMod val="75000"/>
+                <a:lumMod val="85000"/>
               </a:schemeClr>
             </a:solidFill>
             <a:prstDash val="solid"/>
@@ -6638,7 +6638,7 @@
           <a:ln w="19050">
             <a:solidFill>
               <a:schemeClr val="bg1">
-                <a:lumMod val="75000"/>
+                <a:lumMod val="85000"/>
               </a:schemeClr>
             </a:solidFill>
             <a:prstDash val="solid"/>

--- a/docs/charts.pptx
+++ b/docs/charts.pptx
@@ -7,6 +7,7 @@
   <p:sldIdLst>
     <p:sldId id="256" r:id="rId2"/>
     <p:sldId id="257" r:id="rId3"/>
+    <p:sldId id="258" r:id="rId4"/>
   </p:sldIdLst>
   <p:sldSz cx="12192000" cy="6858000"/>
   <p:notesSz cx="6858000" cy="9144000"/>
@@ -260,7 +261,7 @@
           <a:p>
             <a:fld id="{58537782-5515-4277-8890-BE805010C87F}" type="datetimeFigureOut">
               <a:rPr lang="en-US" smtClean="0"/>
-              <a:t>3/29/2021</a:t>
+              <a:t>3/30/2021</a:t>
             </a:fld>
             <a:endParaRPr lang="en-US"/>
           </a:p>
@@ -458,7 +459,7 @@
           <a:p>
             <a:fld id="{58537782-5515-4277-8890-BE805010C87F}" type="datetimeFigureOut">
               <a:rPr lang="en-US" smtClean="0"/>
-              <a:t>3/29/2021</a:t>
+              <a:t>3/30/2021</a:t>
             </a:fld>
             <a:endParaRPr lang="en-US"/>
           </a:p>
@@ -666,7 +667,7 @@
           <a:p>
             <a:fld id="{58537782-5515-4277-8890-BE805010C87F}" type="datetimeFigureOut">
               <a:rPr lang="en-US" smtClean="0"/>
-              <a:t>3/29/2021</a:t>
+              <a:t>3/30/2021</a:t>
             </a:fld>
             <a:endParaRPr lang="en-US"/>
           </a:p>
@@ -864,7 +865,7 @@
           <a:p>
             <a:fld id="{58537782-5515-4277-8890-BE805010C87F}" type="datetimeFigureOut">
               <a:rPr lang="en-US" smtClean="0"/>
-              <a:t>3/29/2021</a:t>
+              <a:t>3/30/2021</a:t>
             </a:fld>
             <a:endParaRPr lang="en-US"/>
           </a:p>
@@ -1139,7 +1140,7 @@
           <a:p>
             <a:fld id="{58537782-5515-4277-8890-BE805010C87F}" type="datetimeFigureOut">
               <a:rPr lang="en-US" smtClean="0"/>
-              <a:t>3/29/2021</a:t>
+              <a:t>3/30/2021</a:t>
             </a:fld>
             <a:endParaRPr lang="en-US"/>
           </a:p>
@@ -1404,7 +1405,7 @@
           <a:p>
             <a:fld id="{58537782-5515-4277-8890-BE805010C87F}" type="datetimeFigureOut">
               <a:rPr lang="en-US" smtClean="0"/>
-              <a:t>3/29/2021</a:t>
+              <a:t>3/30/2021</a:t>
             </a:fld>
             <a:endParaRPr lang="en-US"/>
           </a:p>
@@ -1816,7 +1817,7 @@
           <a:p>
             <a:fld id="{58537782-5515-4277-8890-BE805010C87F}" type="datetimeFigureOut">
               <a:rPr lang="en-US" smtClean="0"/>
-              <a:t>3/29/2021</a:t>
+              <a:t>3/30/2021</a:t>
             </a:fld>
             <a:endParaRPr lang="en-US"/>
           </a:p>
@@ -1957,7 +1958,7 @@
           <a:p>
             <a:fld id="{58537782-5515-4277-8890-BE805010C87F}" type="datetimeFigureOut">
               <a:rPr lang="en-US" smtClean="0"/>
-              <a:t>3/29/2021</a:t>
+              <a:t>3/30/2021</a:t>
             </a:fld>
             <a:endParaRPr lang="en-US"/>
           </a:p>
@@ -2070,7 +2071,7 @@
           <a:p>
             <a:fld id="{58537782-5515-4277-8890-BE805010C87F}" type="datetimeFigureOut">
               <a:rPr lang="en-US" smtClean="0"/>
-              <a:t>3/29/2021</a:t>
+              <a:t>3/30/2021</a:t>
             </a:fld>
             <a:endParaRPr lang="en-US"/>
           </a:p>
@@ -2381,7 +2382,7 @@
           <a:p>
             <a:fld id="{58537782-5515-4277-8890-BE805010C87F}" type="datetimeFigureOut">
               <a:rPr lang="en-US" smtClean="0"/>
-              <a:t>3/29/2021</a:t>
+              <a:t>3/30/2021</a:t>
             </a:fld>
             <a:endParaRPr lang="en-US"/>
           </a:p>
@@ -2669,7 +2670,7 @@
           <a:p>
             <a:fld id="{58537782-5515-4277-8890-BE805010C87F}" type="datetimeFigureOut">
               <a:rPr lang="en-US" smtClean="0"/>
-              <a:t>3/29/2021</a:t>
+              <a:t>3/30/2021</a:t>
             </a:fld>
             <a:endParaRPr lang="en-US"/>
           </a:p>
@@ -2910,7 +2911,7 @@
           <a:p>
             <a:fld id="{58537782-5515-4277-8890-BE805010C87F}" type="datetimeFigureOut">
               <a:rPr lang="en-US" smtClean="0"/>
-              <a:t>3/29/2021</a:t>
+              <a:t>3/30/2021</a:t>
             </a:fld>
             <a:endParaRPr lang="en-US"/>
           </a:p>
@@ -6928,6 +6929,1749 @@
 </p:sld>
 </file>
 
+<file path=ppt/slides/slide3.xml><?xml version="1.0" encoding="utf-8"?>
+<p:sld xmlns:a="http://schemas.openxmlformats.org/drawingml/2006/main" xmlns:r="http://schemas.openxmlformats.org/officeDocument/2006/relationships" xmlns:p="http://schemas.openxmlformats.org/presentationml/2006/main">
+  <p:cSld>
+    <p:spTree>
+      <p:nvGrpSpPr>
+        <p:cNvPr id="1" name=""/>
+        <p:cNvGrpSpPr/>
+        <p:nvPr/>
+      </p:nvGrpSpPr>
+      <p:grpSpPr>
+        <a:xfrm>
+          <a:off x="0" y="0"/>
+          <a:ext cx="0" cy="0"/>
+          <a:chOff x="0" y="0"/>
+          <a:chExt cx="0" cy="0"/>
+        </a:xfrm>
+      </p:grpSpPr>
+      <p:sp>
+        <p:nvSpPr>
+          <p:cNvPr id="4" name="Rectangle 3">
+            <a:extLst>
+              <a:ext uri="{FF2B5EF4-FFF2-40B4-BE49-F238E27FC236}">
+                <a16:creationId xmlns:a16="http://schemas.microsoft.com/office/drawing/2014/main" id="{85C4FF7A-70DD-4001-83AC-B96CD9612197}"/>
+              </a:ext>
+            </a:extLst>
+          </p:cNvPr>
+          <p:cNvSpPr/>
+          <p:nvPr/>
+        </p:nvSpPr>
+        <p:spPr>
+          <a:xfrm>
+            <a:off x="6841340" y="282049"/>
+            <a:ext cx="3040892" cy="3649502"/>
+          </a:xfrm>
+          <a:prstGeom prst="rect">
+            <a:avLst/>
+          </a:prstGeom>
+          <a:noFill/>
+          <a:ln w="28575" cap="flat" cmpd="sng" algn="ctr">
+            <a:solidFill>
+              <a:schemeClr val="accent6"/>
+            </a:solidFill>
+            <a:prstDash val="dash"/>
+            <a:round/>
+            <a:headEnd type="none" w="med" len="med"/>
+            <a:tailEnd type="none" w="med" len="med"/>
+          </a:ln>
+        </p:spPr>
+        <p:style>
+          <a:lnRef idx="0">
+            <a:scrgbClr r="0" g="0" b="0"/>
+          </a:lnRef>
+          <a:fillRef idx="0">
+            <a:scrgbClr r="0" g="0" b="0"/>
+          </a:fillRef>
+          <a:effectRef idx="0">
+            <a:scrgbClr r="0" g="0" b="0"/>
+          </a:effectRef>
+          <a:fontRef idx="minor">
+            <a:schemeClr val="accent6"/>
+          </a:fontRef>
+        </p:style>
+        <p:txBody>
+          <a:bodyPr rtlCol="0" anchor="ctr"/>
+          <a:lstStyle/>
+          <a:p>
+            <a:pPr algn="ctr"/>
+            <a:endParaRPr lang="en-US"/>
+          </a:p>
+        </p:txBody>
+      </p:sp>
+      <p:sp>
+        <p:nvSpPr>
+          <p:cNvPr id="5" name="TextBox 4">
+            <a:extLst>
+              <a:ext uri="{FF2B5EF4-FFF2-40B4-BE49-F238E27FC236}">
+                <a16:creationId xmlns:a16="http://schemas.microsoft.com/office/drawing/2014/main" id="{FD6BF227-A054-4CE0-A4FC-12A9CE2F5E58}"/>
+              </a:ext>
+            </a:extLst>
+          </p:cNvPr>
+          <p:cNvSpPr txBox="1"/>
+          <p:nvPr/>
+        </p:nvSpPr>
+        <p:spPr>
+          <a:xfrm>
+            <a:off x="7023422" y="117775"/>
+            <a:ext cx="829201" cy="307777"/>
+          </a:xfrm>
+          <a:prstGeom prst="rect">
+            <a:avLst/>
+          </a:prstGeom>
+          <a:solidFill>
+            <a:schemeClr val="bg1"/>
+          </a:solidFill>
+        </p:spPr>
+        <p:txBody>
+          <a:bodyPr wrap="none" rtlCol="0">
+            <a:spAutoFit/>
+          </a:bodyPr>
+          <a:lstStyle/>
+          <a:p>
+            <a:r>
+              <a:rPr lang="en-US" sz="1400" b="1" dirty="0">
+                <a:solidFill>
+                  <a:schemeClr val="accent6">
+                    <a:lumMod val="75000"/>
+                  </a:schemeClr>
+                </a:solidFill>
+              </a:rPr>
+              <a:t>Message</a:t>
+            </a:r>
+          </a:p>
+        </p:txBody>
+      </p:sp>
+      <p:sp>
+        <p:nvSpPr>
+          <p:cNvPr id="7" name="Rectangle 6">
+            <a:extLst>
+              <a:ext uri="{FF2B5EF4-FFF2-40B4-BE49-F238E27FC236}">
+                <a16:creationId xmlns:a16="http://schemas.microsoft.com/office/drawing/2014/main" id="{8BBA1D9C-AA6C-4850-BDC0-3F8AF9A4D3C2}"/>
+              </a:ext>
+            </a:extLst>
+          </p:cNvPr>
+          <p:cNvSpPr/>
+          <p:nvPr/>
+        </p:nvSpPr>
+        <p:spPr>
+          <a:xfrm>
+            <a:off x="7187082" y="1605014"/>
+            <a:ext cx="2326417" cy="2110418"/>
+          </a:xfrm>
+          <a:prstGeom prst="rect">
+            <a:avLst/>
+          </a:prstGeom>
+          <a:noFill/>
+          <a:ln w="19050" cap="flat" cmpd="sng" algn="ctr">
+            <a:solidFill>
+              <a:schemeClr val="bg1">
+                <a:lumMod val="65000"/>
+              </a:schemeClr>
+            </a:solidFill>
+            <a:prstDash val="sysDot"/>
+            <a:round/>
+            <a:headEnd type="none" w="med" len="med"/>
+            <a:tailEnd type="none" w="med" len="med"/>
+          </a:ln>
+        </p:spPr>
+        <p:style>
+          <a:lnRef idx="0">
+            <a:scrgbClr r="0" g="0" b="0"/>
+          </a:lnRef>
+          <a:fillRef idx="0">
+            <a:scrgbClr r="0" g="0" b="0"/>
+          </a:fillRef>
+          <a:effectRef idx="0">
+            <a:scrgbClr r="0" g="0" b="0"/>
+          </a:effectRef>
+          <a:fontRef idx="minor">
+            <a:schemeClr val="accent6"/>
+          </a:fontRef>
+        </p:style>
+        <p:txBody>
+          <a:bodyPr rtlCol="0" anchor="ctr"/>
+          <a:lstStyle/>
+          <a:p>
+            <a:pPr algn="ctr"/>
+            <a:endParaRPr lang="en-US"/>
+          </a:p>
+        </p:txBody>
+      </p:sp>
+      <p:sp>
+        <p:nvSpPr>
+          <p:cNvPr id="8" name="TextBox 7">
+            <a:extLst>
+              <a:ext uri="{FF2B5EF4-FFF2-40B4-BE49-F238E27FC236}">
+                <a16:creationId xmlns:a16="http://schemas.microsoft.com/office/drawing/2014/main" id="{8B80964C-3EC1-4851-8397-38CB5390B3FF}"/>
+              </a:ext>
+            </a:extLst>
+          </p:cNvPr>
+          <p:cNvSpPr txBox="1"/>
+          <p:nvPr/>
+        </p:nvSpPr>
+        <p:spPr>
+          <a:xfrm>
+            <a:off x="7267788" y="1471755"/>
+            <a:ext cx="694421" cy="261610"/>
+          </a:xfrm>
+          <a:prstGeom prst="rect">
+            <a:avLst/>
+          </a:prstGeom>
+          <a:solidFill>
+            <a:schemeClr val="bg1"/>
+          </a:solidFill>
+        </p:spPr>
+        <p:txBody>
+          <a:bodyPr wrap="none" rtlCol="0">
+            <a:spAutoFit/>
+          </a:bodyPr>
+          <a:lstStyle/>
+          <a:p>
+            <a:r>
+              <a:rPr lang="en-US" sz="1100" i="1" dirty="0">
+                <a:solidFill>
+                  <a:schemeClr val="accent6">
+                    <a:lumMod val="75000"/>
+                  </a:schemeClr>
+                </a:solidFill>
+              </a:rPr>
+              <a:t>Payloads</a:t>
+            </a:r>
+          </a:p>
+        </p:txBody>
+      </p:sp>
+      <p:sp>
+        <p:nvSpPr>
+          <p:cNvPr id="9" name="TextBox 8">
+            <a:extLst>
+              <a:ext uri="{FF2B5EF4-FFF2-40B4-BE49-F238E27FC236}">
+                <a16:creationId xmlns:a16="http://schemas.microsoft.com/office/drawing/2014/main" id="{67672F05-3EA0-418B-81AF-2A29370E1E83}"/>
+              </a:ext>
+            </a:extLst>
+          </p:cNvPr>
+          <p:cNvSpPr txBox="1"/>
+          <p:nvPr/>
+        </p:nvSpPr>
+        <p:spPr>
+          <a:xfrm>
+            <a:off x="7023422" y="492182"/>
+            <a:ext cx="845451" cy="307777"/>
+          </a:xfrm>
+          <a:prstGeom prst="rect">
+            <a:avLst/>
+          </a:prstGeom>
+        </p:spPr>
+        <p:style>
+          <a:lnRef idx="2">
+            <a:schemeClr val="accent2"/>
+          </a:lnRef>
+          <a:fillRef idx="1">
+            <a:schemeClr val="lt1"/>
+          </a:fillRef>
+          <a:effectRef idx="0">
+            <a:schemeClr val="accent2"/>
+          </a:effectRef>
+          <a:fontRef idx="minor">
+            <a:schemeClr val="dk1"/>
+          </a:fontRef>
+        </p:style>
+        <p:txBody>
+          <a:bodyPr wrap="square" rtlCol="0">
+            <a:noAutofit/>
+          </a:bodyPr>
+          <a:lstStyle/>
+          <a:p>
+            <a:pPr algn="ctr"/>
+            <a:r>
+              <a:rPr lang="en-US" sz="1400" dirty="0"/>
+              <a:t>id</a:t>
+            </a:r>
+          </a:p>
+        </p:txBody>
+      </p:sp>
+      <p:sp>
+        <p:nvSpPr>
+          <p:cNvPr id="11" name="TextBox 10">
+            <a:extLst>
+              <a:ext uri="{FF2B5EF4-FFF2-40B4-BE49-F238E27FC236}">
+                <a16:creationId xmlns:a16="http://schemas.microsoft.com/office/drawing/2014/main" id="{07A9DA02-C948-4EB4-94EE-FAD19C97AB7A}"/>
+              </a:ext>
+            </a:extLst>
+          </p:cNvPr>
+          <p:cNvSpPr txBox="1"/>
+          <p:nvPr/>
+        </p:nvSpPr>
+        <p:spPr>
+          <a:xfrm>
+            <a:off x="8129539" y="492181"/>
+            <a:ext cx="1244848" cy="307777"/>
+          </a:xfrm>
+          <a:prstGeom prst="rect">
+            <a:avLst/>
+          </a:prstGeom>
+        </p:spPr>
+        <p:style>
+          <a:lnRef idx="2">
+            <a:schemeClr val="accent2"/>
+          </a:lnRef>
+          <a:fillRef idx="1">
+            <a:schemeClr val="lt1"/>
+          </a:fillRef>
+          <a:effectRef idx="0">
+            <a:schemeClr val="accent2"/>
+          </a:effectRef>
+          <a:fontRef idx="minor">
+            <a:schemeClr val="dk1"/>
+          </a:fontRef>
+        </p:style>
+        <p:txBody>
+          <a:bodyPr wrap="square" rtlCol="0">
+            <a:noAutofit/>
+          </a:bodyPr>
+          <a:lstStyle/>
+          <a:p>
+            <a:pPr algn="ctr"/>
+            <a:r>
+              <a:rPr lang="en-US" sz="1400" dirty="0"/>
+              <a:t>Nonce (POW)</a:t>
+            </a:r>
+          </a:p>
+        </p:txBody>
+      </p:sp>
+      <p:sp>
+        <p:nvSpPr>
+          <p:cNvPr id="12" name="TextBox 11">
+            <a:extLst>
+              <a:ext uri="{FF2B5EF4-FFF2-40B4-BE49-F238E27FC236}">
+                <a16:creationId xmlns:a16="http://schemas.microsoft.com/office/drawing/2014/main" id="{42F80B3E-AEB9-4510-A485-054A38B55204}"/>
+              </a:ext>
+            </a:extLst>
+          </p:cNvPr>
+          <p:cNvSpPr txBox="1"/>
+          <p:nvPr/>
+        </p:nvSpPr>
+        <p:spPr>
+          <a:xfrm>
+            <a:off x="7458627" y="1770330"/>
+            <a:ext cx="1840644" cy="369332"/>
+          </a:xfrm>
+          <a:prstGeom prst="rect">
+            <a:avLst/>
+          </a:prstGeom>
+        </p:spPr>
+        <p:style>
+          <a:lnRef idx="0">
+            <a:schemeClr val="accent5"/>
+          </a:lnRef>
+          <a:fillRef idx="3">
+            <a:schemeClr val="accent5"/>
+          </a:fillRef>
+          <a:effectRef idx="3">
+            <a:schemeClr val="accent5"/>
+          </a:effectRef>
+          <a:fontRef idx="minor">
+            <a:schemeClr val="lt1"/>
+          </a:fontRef>
+        </p:style>
+        <p:txBody>
+          <a:bodyPr wrap="square" rtlCol="0">
+            <a:noAutofit/>
+          </a:bodyPr>
+          <a:lstStyle/>
+          <a:p>
+            <a:pPr algn="ctr"/>
+            <a:r>
+              <a:rPr lang="en-US" sz="1600" dirty="0"/>
+              <a:t>Transaction (UTXO)</a:t>
+            </a:r>
+          </a:p>
+        </p:txBody>
+      </p:sp>
+      <p:sp>
+        <p:nvSpPr>
+          <p:cNvPr id="13" name="TextBox 12">
+            <a:extLst>
+              <a:ext uri="{FF2B5EF4-FFF2-40B4-BE49-F238E27FC236}">
+                <a16:creationId xmlns:a16="http://schemas.microsoft.com/office/drawing/2014/main" id="{DF88665C-CEE9-4AEC-A6C7-AB4E6E12CF40}"/>
+              </a:ext>
+            </a:extLst>
+          </p:cNvPr>
+          <p:cNvSpPr txBox="1"/>
+          <p:nvPr/>
+        </p:nvSpPr>
+        <p:spPr>
+          <a:xfrm>
+            <a:off x="7458627" y="2246320"/>
+            <a:ext cx="1840644" cy="369332"/>
+          </a:xfrm>
+          <a:prstGeom prst="rect">
+            <a:avLst/>
+          </a:prstGeom>
+        </p:spPr>
+        <p:style>
+          <a:lnRef idx="0">
+            <a:schemeClr val="accent3"/>
+          </a:lnRef>
+          <a:fillRef idx="3">
+            <a:schemeClr val="accent3"/>
+          </a:fillRef>
+          <a:effectRef idx="3">
+            <a:schemeClr val="accent3"/>
+          </a:effectRef>
+          <a:fontRef idx="minor">
+            <a:schemeClr val="lt1"/>
+          </a:fontRef>
+        </p:style>
+        <p:txBody>
+          <a:bodyPr wrap="square" rtlCol="0">
+            <a:noAutofit/>
+          </a:bodyPr>
+          <a:lstStyle/>
+          <a:p>
+            <a:pPr algn="ctr"/>
+            <a:r>
+              <a:rPr lang="en-US" sz="1600" dirty="0"/>
+              <a:t>Milestone</a:t>
+            </a:r>
+          </a:p>
+        </p:txBody>
+      </p:sp>
+      <p:sp>
+        <p:nvSpPr>
+          <p:cNvPr id="14" name="TextBox 13">
+            <a:extLst>
+              <a:ext uri="{FF2B5EF4-FFF2-40B4-BE49-F238E27FC236}">
+                <a16:creationId xmlns:a16="http://schemas.microsoft.com/office/drawing/2014/main" id="{E338CCF3-C0B1-45C5-ADE4-24A70243B462}"/>
+              </a:ext>
+            </a:extLst>
+          </p:cNvPr>
+          <p:cNvSpPr txBox="1"/>
+          <p:nvPr/>
+        </p:nvSpPr>
+        <p:spPr>
+          <a:xfrm>
+            <a:off x="7458627" y="2722311"/>
+            <a:ext cx="1840644" cy="369332"/>
+          </a:xfrm>
+          <a:prstGeom prst="rect">
+            <a:avLst/>
+          </a:prstGeom>
+        </p:spPr>
+        <p:style>
+          <a:lnRef idx="0">
+            <a:schemeClr val="accent2"/>
+          </a:lnRef>
+          <a:fillRef idx="3">
+            <a:schemeClr val="accent2"/>
+          </a:fillRef>
+          <a:effectRef idx="3">
+            <a:schemeClr val="accent2"/>
+          </a:effectRef>
+          <a:fontRef idx="minor">
+            <a:schemeClr val="lt1"/>
+          </a:fontRef>
+        </p:style>
+        <p:txBody>
+          <a:bodyPr wrap="square" rtlCol="0">
+            <a:noAutofit/>
+          </a:bodyPr>
+          <a:lstStyle/>
+          <a:p>
+            <a:pPr algn="ctr"/>
+            <a:r>
+              <a:rPr lang="en-US" sz="1600" dirty="0"/>
+              <a:t>Indexed Data</a:t>
+            </a:r>
+          </a:p>
+        </p:txBody>
+      </p:sp>
+      <p:sp>
+        <p:nvSpPr>
+          <p:cNvPr id="15" name="TextBox 14">
+            <a:extLst>
+              <a:ext uri="{FF2B5EF4-FFF2-40B4-BE49-F238E27FC236}">
+                <a16:creationId xmlns:a16="http://schemas.microsoft.com/office/drawing/2014/main" id="{AD9F57C6-B206-4D7D-AAB2-FED3248EF263}"/>
+              </a:ext>
+            </a:extLst>
+          </p:cNvPr>
+          <p:cNvSpPr txBox="1"/>
+          <p:nvPr/>
+        </p:nvSpPr>
+        <p:spPr>
+          <a:xfrm>
+            <a:off x="7023422" y="953846"/>
+            <a:ext cx="1244848" cy="307777"/>
+          </a:xfrm>
+          <a:prstGeom prst="rect">
+            <a:avLst/>
+          </a:prstGeom>
+        </p:spPr>
+        <p:style>
+          <a:lnRef idx="2">
+            <a:schemeClr val="accent2"/>
+          </a:lnRef>
+          <a:fillRef idx="1">
+            <a:schemeClr val="lt1"/>
+          </a:fillRef>
+          <a:effectRef idx="0">
+            <a:schemeClr val="accent2"/>
+          </a:effectRef>
+          <a:fontRef idx="minor">
+            <a:schemeClr val="dk1"/>
+          </a:fontRef>
+        </p:style>
+        <p:txBody>
+          <a:bodyPr wrap="square" rtlCol="0">
+            <a:noAutofit/>
+          </a:bodyPr>
+          <a:lstStyle/>
+          <a:p>
+            <a:pPr algn="ctr"/>
+            <a:r>
+              <a:rPr lang="en-US" sz="1400" dirty="0"/>
+              <a:t>inclusion state</a:t>
+            </a:r>
+          </a:p>
+        </p:txBody>
+      </p:sp>
+      <p:sp>
+        <p:nvSpPr>
+          <p:cNvPr id="16" name="TextBox 15">
+            <a:extLst>
+              <a:ext uri="{FF2B5EF4-FFF2-40B4-BE49-F238E27FC236}">
+                <a16:creationId xmlns:a16="http://schemas.microsoft.com/office/drawing/2014/main" id="{DA5EB000-0685-4EC9-95C3-E6F60CC8D497}"/>
+              </a:ext>
+            </a:extLst>
+          </p:cNvPr>
+          <p:cNvSpPr txBox="1"/>
+          <p:nvPr/>
+        </p:nvSpPr>
+        <p:spPr>
+          <a:xfrm>
+            <a:off x="8467737" y="953846"/>
+            <a:ext cx="1244848" cy="307777"/>
+          </a:xfrm>
+          <a:prstGeom prst="rect">
+            <a:avLst/>
+          </a:prstGeom>
+        </p:spPr>
+        <p:style>
+          <a:lnRef idx="2">
+            <a:schemeClr val="accent2"/>
+          </a:lnRef>
+          <a:fillRef idx="1">
+            <a:schemeClr val="lt1"/>
+          </a:fillRef>
+          <a:effectRef idx="0">
+            <a:schemeClr val="accent2"/>
+          </a:effectRef>
+          <a:fontRef idx="minor">
+            <a:schemeClr val="dk1"/>
+          </a:fontRef>
+        </p:style>
+        <p:txBody>
+          <a:bodyPr wrap="square" rtlCol="0">
+            <a:noAutofit/>
+          </a:bodyPr>
+          <a:lstStyle/>
+          <a:p>
+            <a:pPr algn="ctr"/>
+            <a:r>
+              <a:rPr lang="en-US" sz="1400" dirty="0"/>
+              <a:t>parents</a:t>
+            </a:r>
+          </a:p>
+        </p:txBody>
+      </p:sp>
+      <p:sp>
+        <p:nvSpPr>
+          <p:cNvPr id="17" name="TextBox 16">
+            <a:extLst>
+              <a:ext uri="{FF2B5EF4-FFF2-40B4-BE49-F238E27FC236}">
+                <a16:creationId xmlns:a16="http://schemas.microsoft.com/office/drawing/2014/main" id="{96941E3D-D38B-42B1-9831-1DE5C1F272B2}"/>
+              </a:ext>
+            </a:extLst>
+          </p:cNvPr>
+          <p:cNvSpPr txBox="1"/>
+          <p:nvPr/>
+        </p:nvSpPr>
+        <p:spPr>
+          <a:xfrm>
+            <a:off x="7458627" y="3198302"/>
+            <a:ext cx="1840644" cy="369332"/>
+          </a:xfrm>
+          <a:prstGeom prst="rect">
+            <a:avLst/>
+          </a:prstGeom>
+        </p:spPr>
+        <p:style>
+          <a:lnRef idx="0">
+            <a:schemeClr val="accent6"/>
+          </a:lnRef>
+          <a:fillRef idx="3">
+            <a:schemeClr val="accent6"/>
+          </a:fillRef>
+          <a:effectRef idx="3">
+            <a:schemeClr val="accent6"/>
+          </a:effectRef>
+          <a:fontRef idx="minor">
+            <a:schemeClr val="lt1"/>
+          </a:fontRef>
+        </p:style>
+        <p:txBody>
+          <a:bodyPr wrap="square" rtlCol="0">
+            <a:noAutofit/>
+          </a:bodyPr>
+          <a:lstStyle/>
+          <a:p>
+            <a:pPr algn="ctr"/>
+            <a:r>
+              <a:rPr lang="en-US" sz="1600" i="1" dirty="0"/>
+              <a:t>…payload “XYZ”</a:t>
+            </a:r>
+          </a:p>
+        </p:txBody>
+      </p:sp>
+      <p:sp>
+        <p:nvSpPr>
+          <p:cNvPr id="19" name="Oval 18">
+            <a:extLst>
+              <a:ext uri="{FF2B5EF4-FFF2-40B4-BE49-F238E27FC236}">
+                <a16:creationId xmlns:a16="http://schemas.microsoft.com/office/drawing/2014/main" id="{886521FD-D235-48DD-B49A-E1C499AB8FC3}"/>
+              </a:ext>
+            </a:extLst>
+          </p:cNvPr>
+          <p:cNvSpPr/>
+          <p:nvPr/>
+        </p:nvSpPr>
+        <p:spPr>
+          <a:xfrm>
+            <a:off x="3532389" y="1079612"/>
+            <a:ext cx="364021" cy="364021"/>
+          </a:xfrm>
+          <a:prstGeom prst="ellipse">
+            <a:avLst/>
+          </a:prstGeom>
+        </p:spPr>
+        <p:style>
+          <a:lnRef idx="0">
+            <a:schemeClr val="accent4"/>
+          </a:lnRef>
+          <a:fillRef idx="3">
+            <a:schemeClr val="accent4"/>
+          </a:fillRef>
+          <a:effectRef idx="3">
+            <a:schemeClr val="accent4"/>
+          </a:effectRef>
+          <a:fontRef idx="minor">
+            <a:schemeClr val="lt1"/>
+          </a:fontRef>
+        </p:style>
+        <p:txBody>
+          <a:bodyPr rtlCol="0" anchor="ctr"/>
+          <a:lstStyle/>
+          <a:p>
+            <a:pPr algn="ctr"/>
+            <a:endParaRPr lang="en-US"/>
+          </a:p>
+        </p:txBody>
+      </p:sp>
+      <p:sp>
+        <p:nvSpPr>
+          <p:cNvPr id="20" name="Oval 19">
+            <a:extLst>
+              <a:ext uri="{FF2B5EF4-FFF2-40B4-BE49-F238E27FC236}">
+                <a16:creationId xmlns:a16="http://schemas.microsoft.com/office/drawing/2014/main" id="{B2919F0B-7B98-40F4-B604-12B843F0F552}"/>
+              </a:ext>
+            </a:extLst>
+          </p:cNvPr>
+          <p:cNvSpPr/>
+          <p:nvPr/>
+        </p:nvSpPr>
+        <p:spPr>
+          <a:xfrm>
+            <a:off x="2540571" y="2186022"/>
+            <a:ext cx="364021" cy="364021"/>
+          </a:xfrm>
+          <a:prstGeom prst="ellipse">
+            <a:avLst/>
+          </a:prstGeom>
+        </p:spPr>
+        <p:style>
+          <a:lnRef idx="0">
+            <a:schemeClr val="accent4"/>
+          </a:lnRef>
+          <a:fillRef idx="3">
+            <a:schemeClr val="accent4"/>
+          </a:fillRef>
+          <a:effectRef idx="3">
+            <a:schemeClr val="accent4"/>
+          </a:effectRef>
+          <a:fontRef idx="minor">
+            <a:schemeClr val="lt1"/>
+          </a:fontRef>
+        </p:style>
+        <p:txBody>
+          <a:bodyPr rtlCol="0" anchor="ctr"/>
+          <a:lstStyle/>
+          <a:p>
+            <a:pPr algn="ctr"/>
+            <a:endParaRPr lang="en-US"/>
+          </a:p>
+        </p:txBody>
+      </p:sp>
+      <p:sp>
+        <p:nvSpPr>
+          <p:cNvPr id="21" name="Oval 20">
+            <a:extLst>
+              <a:ext uri="{FF2B5EF4-FFF2-40B4-BE49-F238E27FC236}">
+                <a16:creationId xmlns:a16="http://schemas.microsoft.com/office/drawing/2014/main" id="{AE186EEC-2C64-41B7-8C6C-4835D17F2783}"/>
+              </a:ext>
+            </a:extLst>
+          </p:cNvPr>
+          <p:cNvSpPr/>
+          <p:nvPr/>
+        </p:nvSpPr>
+        <p:spPr>
+          <a:xfrm>
+            <a:off x="4400599" y="3043587"/>
+            <a:ext cx="364021" cy="364021"/>
+          </a:xfrm>
+          <a:prstGeom prst="ellipse">
+            <a:avLst/>
+          </a:prstGeom>
+        </p:spPr>
+        <p:style>
+          <a:lnRef idx="0">
+            <a:schemeClr val="accent4"/>
+          </a:lnRef>
+          <a:fillRef idx="3">
+            <a:schemeClr val="accent4"/>
+          </a:fillRef>
+          <a:effectRef idx="3">
+            <a:schemeClr val="accent4"/>
+          </a:effectRef>
+          <a:fontRef idx="minor">
+            <a:schemeClr val="lt1"/>
+          </a:fontRef>
+        </p:style>
+        <p:txBody>
+          <a:bodyPr rtlCol="0" anchor="ctr"/>
+          <a:lstStyle/>
+          <a:p>
+            <a:pPr algn="ctr"/>
+            <a:endParaRPr lang="en-US"/>
+          </a:p>
+        </p:txBody>
+      </p:sp>
+      <p:sp>
+        <p:nvSpPr>
+          <p:cNvPr id="24" name="Oval 23">
+            <a:extLst>
+              <a:ext uri="{FF2B5EF4-FFF2-40B4-BE49-F238E27FC236}">
+                <a16:creationId xmlns:a16="http://schemas.microsoft.com/office/drawing/2014/main" id="{70FF51F9-4CBB-4DE1-8E33-32722F588331}"/>
+              </a:ext>
+            </a:extLst>
+          </p:cNvPr>
+          <p:cNvSpPr/>
+          <p:nvPr/>
+        </p:nvSpPr>
+        <p:spPr>
+          <a:xfrm>
+            <a:off x="1621489" y="1355990"/>
+            <a:ext cx="364021" cy="364021"/>
+          </a:xfrm>
+          <a:prstGeom prst="ellipse">
+            <a:avLst/>
+          </a:prstGeom>
+        </p:spPr>
+        <p:style>
+          <a:lnRef idx="0">
+            <a:schemeClr val="accent4"/>
+          </a:lnRef>
+          <a:fillRef idx="3">
+            <a:schemeClr val="accent4"/>
+          </a:fillRef>
+          <a:effectRef idx="3">
+            <a:schemeClr val="accent4"/>
+          </a:effectRef>
+          <a:fontRef idx="minor">
+            <a:schemeClr val="lt1"/>
+          </a:fontRef>
+        </p:style>
+        <p:txBody>
+          <a:bodyPr rtlCol="0" anchor="ctr"/>
+          <a:lstStyle/>
+          <a:p>
+            <a:pPr algn="ctr"/>
+            <a:endParaRPr lang="en-US"/>
+          </a:p>
+        </p:txBody>
+      </p:sp>
+      <p:sp>
+        <p:nvSpPr>
+          <p:cNvPr id="25" name="Oval 24">
+            <a:extLst>
+              <a:ext uri="{FF2B5EF4-FFF2-40B4-BE49-F238E27FC236}">
+                <a16:creationId xmlns:a16="http://schemas.microsoft.com/office/drawing/2014/main" id="{43182CDC-FF64-4692-BBD2-8E1DA801DC7F}"/>
+              </a:ext>
+            </a:extLst>
+          </p:cNvPr>
+          <p:cNvSpPr/>
+          <p:nvPr/>
+        </p:nvSpPr>
+        <p:spPr>
+          <a:xfrm>
+            <a:off x="2702110" y="617947"/>
+            <a:ext cx="364021" cy="364021"/>
+          </a:xfrm>
+          <a:prstGeom prst="ellipse">
+            <a:avLst/>
+          </a:prstGeom>
+        </p:spPr>
+        <p:style>
+          <a:lnRef idx="0">
+            <a:schemeClr val="accent4"/>
+          </a:lnRef>
+          <a:fillRef idx="3">
+            <a:schemeClr val="accent4"/>
+          </a:fillRef>
+          <a:effectRef idx="3">
+            <a:schemeClr val="accent4"/>
+          </a:effectRef>
+          <a:fontRef idx="minor">
+            <a:schemeClr val="lt1"/>
+          </a:fontRef>
+        </p:style>
+        <p:txBody>
+          <a:bodyPr rtlCol="0" anchor="ctr"/>
+          <a:lstStyle/>
+          <a:p>
+            <a:pPr algn="ctr"/>
+            <a:endParaRPr lang="en-US"/>
+          </a:p>
+        </p:txBody>
+      </p:sp>
+      <p:sp>
+        <p:nvSpPr>
+          <p:cNvPr id="26" name="Oval 25">
+            <a:extLst>
+              <a:ext uri="{FF2B5EF4-FFF2-40B4-BE49-F238E27FC236}">
+                <a16:creationId xmlns:a16="http://schemas.microsoft.com/office/drawing/2014/main" id="{4D87985C-475F-460E-B190-7CB60FED12EE}"/>
+              </a:ext>
+            </a:extLst>
+          </p:cNvPr>
+          <p:cNvSpPr/>
+          <p:nvPr/>
+        </p:nvSpPr>
+        <p:spPr>
+          <a:xfrm>
+            <a:off x="5295658" y="964803"/>
+            <a:ext cx="364021" cy="364021"/>
+          </a:xfrm>
+          <a:prstGeom prst="ellipse">
+            <a:avLst/>
+          </a:prstGeom>
+        </p:spPr>
+        <p:style>
+          <a:lnRef idx="0">
+            <a:schemeClr val="accent4"/>
+          </a:lnRef>
+          <a:fillRef idx="3">
+            <a:schemeClr val="accent4"/>
+          </a:fillRef>
+          <a:effectRef idx="3">
+            <a:schemeClr val="accent4"/>
+          </a:effectRef>
+          <a:fontRef idx="minor">
+            <a:schemeClr val="lt1"/>
+          </a:fontRef>
+        </p:style>
+        <p:txBody>
+          <a:bodyPr rtlCol="0" anchor="ctr"/>
+          <a:lstStyle/>
+          <a:p>
+            <a:pPr algn="ctr"/>
+            <a:endParaRPr lang="en-US"/>
+          </a:p>
+        </p:txBody>
+      </p:sp>
+      <p:sp>
+        <p:nvSpPr>
+          <p:cNvPr id="27" name="Oval 26">
+            <a:extLst>
+              <a:ext uri="{FF2B5EF4-FFF2-40B4-BE49-F238E27FC236}">
+                <a16:creationId xmlns:a16="http://schemas.microsoft.com/office/drawing/2014/main" id="{2D0ABE38-F027-4025-9443-606DD5EA2C8C}"/>
+              </a:ext>
+            </a:extLst>
+          </p:cNvPr>
+          <p:cNvSpPr/>
+          <p:nvPr/>
+        </p:nvSpPr>
+        <p:spPr>
+          <a:xfrm>
+            <a:off x="4407212" y="275910"/>
+            <a:ext cx="364021" cy="364021"/>
+          </a:xfrm>
+          <a:prstGeom prst="ellipse">
+            <a:avLst/>
+          </a:prstGeom>
+        </p:spPr>
+        <p:style>
+          <a:lnRef idx="0">
+            <a:schemeClr val="accent4"/>
+          </a:lnRef>
+          <a:fillRef idx="3">
+            <a:schemeClr val="accent4"/>
+          </a:fillRef>
+          <a:effectRef idx="3">
+            <a:schemeClr val="accent4"/>
+          </a:effectRef>
+          <a:fontRef idx="minor">
+            <a:schemeClr val="lt1"/>
+          </a:fontRef>
+        </p:style>
+        <p:txBody>
+          <a:bodyPr rtlCol="0" anchor="ctr"/>
+          <a:lstStyle/>
+          <a:p>
+            <a:pPr algn="ctr"/>
+            <a:endParaRPr lang="en-US"/>
+          </a:p>
+        </p:txBody>
+      </p:sp>
+      <p:sp>
+        <p:nvSpPr>
+          <p:cNvPr id="28" name="Oval 27">
+            <a:extLst>
+              <a:ext uri="{FF2B5EF4-FFF2-40B4-BE49-F238E27FC236}">
+                <a16:creationId xmlns:a16="http://schemas.microsoft.com/office/drawing/2014/main" id="{E8431F32-E1B3-4DB7-8131-EA527A79D4B2}"/>
+              </a:ext>
+            </a:extLst>
+          </p:cNvPr>
+          <p:cNvSpPr/>
+          <p:nvPr/>
+        </p:nvSpPr>
+        <p:spPr>
+          <a:xfrm>
+            <a:off x="4403339" y="1829190"/>
+            <a:ext cx="364021" cy="364021"/>
+          </a:xfrm>
+          <a:prstGeom prst="ellipse">
+            <a:avLst/>
+          </a:prstGeom>
+        </p:spPr>
+        <p:style>
+          <a:lnRef idx="0">
+            <a:schemeClr val="accent4"/>
+          </a:lnRef>
+          <a:fillRef idx="3">
+            <a:schemeClr val="accent4"/>
+          </a:fillRef>
+          <a:effectRef idx="3">
+            <a:schemeClr val="accent4"/>
+          </a:effectRef>
+          <a:fontRef idx="minor">
+            <a:schemeClr val="lt1"/>
+          </a:fontRef>
+        </p:style>
+        <p:txBody>
+          <a:bodyPr rtlCol="0" anchor="ctr"/>
+          <a:lstStyle/>
+          <a:p>
+            <a:pPr algn="ctr"/>
+            <a:endParaRPr lang="en-US"/>
+          </a:p>
+        </p:txBody>
+      </p:sp>
+      <p:cxnSp>
+        <p:nvCxnSpPr>
+          <p:cNvPr id="30" name="Straight Connector 29">
+            <a:extLst>
+              <a:ext uri="{FF2B5EF4-FFF2-40B4-BE49-F238E27FC236}">
+                <a16:creationId xmlns:a16="http://schemas.microsoft.com/office/drawing/2014/main" id="{DC88ED41-BCEE-41E6-B865-87B714E44724}"/>
+              </a:ext>
+            </a:extLst>
+          </p:cNvPr>
+          <p:cNvCxnSpPr>
+            <a:cxnSpLocks/>
+            <a:stCxn id="26" idx="0"/>
+          </p:cNvCxnSpPr>
+          <p:nvPr/>
+        </p:nvCxnSpPr>
+        <p:spPr>
+          <a:xfrm flipV="1">
+            <a:off x="5477669" y="275910"/>
+            <a:ext cx="1360931" cy="688893"/>
+          </a:xfrm>
+          <a:prstGeom prst="line">
+            <a:avLst/>
+          </a:prstGeom>
+          <a:ln>
+            <a:solidFill>
+              <a:schemeClr val="bg1">
+                <a:lumMod val="65000"/>
+              </a:schemeClr>
+            </a:solidFill>
+            <a:prstDash val="dash"/>
+          </a:ln>
+        </p:spPr>
+        <p:style>
+          <a:lnRef idx="1">
+            <a:schemeClr val="accent1"/>
+          </a:lnRef>
+          <a:fillRef idx="0">
+            <a:schemeClr val="accent1"/>
+          </a:fillRef>
+          <a:effectRef idx="0">
+            <a:schemeClr val="accent1"/>
+          </a:effectRef>
+          <a:fontRef idx="minor">
+            <a:schemeClr val="tx1"/>
+          </a:fontRef>
+        </p:style>
+      </p:cxnSp>
+      <p:cxnSp>
+        <p:nvCxnSpPr>
+          <p:cNvPr id="32" name="Straight Connector 31">
+            <a:extLst>
+              <a:ext uri="{FF2B5EF4-FFF2-40B4-BE49-F238E27FC236}">
+                <a16:creationId xmlns:a16="http://schemas.microsoft.com/office/drawing/2014/main" id="{D4728279-9350-4464-9858-F56076876C7B}"/>
+              </a:ext>
+            </a:extLst>
+          </p:cNvPr>
+          <p:cNvCxnSpPr>
+            <a:cxnSpLocks/>
+            <a:stCxn id="26" idx="4"/>
+          </p:cNvCxnSpPr>
+          <p:nvPr/>
+        </p:nvCxnSpPr>
+        <p:spPr>
+          <a:xfrm>
+            <a:off x="5477669" y="1328824"/>
+            <a:ext cx="1360931" cy="2602727"/>
+          </a:xfrm>
+          <a:prstGeom prst="line">
+            <a:avLst/>
+          </a:prstGeom>
+          <a:ln>
+            <a:solidFill>
+              <a:schemeClr val="bg1">
+                <a:lumMod val="65000"/>
+              </a:schemeClr>
+            </a:solidFill>
+            <a:prstDash val="dash"/>
+          </a:ln>
+        </p:spPr>
+        <p:style>
+          <a:lnRef idx="1">
+            <a:schemeClr val="accent1"/>
+          </a:lnRef>
+          <a:fillRef idx="0">
+            <a:schemeClr val="accent1"/>
+          </a:fillRef>
+          <a:effectRef idx="0">
+            <a:schemeClr val="accent1"/>
+          </a:effectRef>
+          <a:fontRef idx="minor">
+            <a:schemeClr val="tx1"/>
+          </a:fontRef>
+        </p:style>
+      </p:cxnSp>
+      <p:cxnSp>
+        <p:nvCxnSpPr>
+          <p:cNvPr id="36" name="Straight Arrow Connector 35">
+            <a:extLst>
+              <a:ext uri="{FF2B5EF4-FFF2-40B4-BE49-F238E27FC236}">
+                <a16:creationId xmlns:a16="http://schemas.microsoft.com/office/drawing/2014/main" id="{778801A1-4B95-4C33-8959-06051B50E5D5}"/>
+              </a:ext>
+            </a:extLst>
+          </p:cNvPr>
+          <p:cNvCxnSpPr>
+            <a:cxnSpLocks/>
+            <a:stCxn id="25" idx="3"/>
+            <a:endCxn id="24" idx="7"/>
+          </p:cNvCxnSpPr>
+          <p:nvPr/>
+        </p:nvCxnSpPr>
+        <p:spPr>
+          <a:xfrm flipH="1">
+            <a:off x="1932200" y="928658"/>
+            <a:ext cx="823220" cy="480642"/>
+          </a:xfrm>
+          <a:prstGeom prst="straightConnector1">
+            <a:avLst/>
+          </a:prstGeom>
+          <a:ln>
+            <a:tailEnd type="triangle"/>
+          </a:ln>
+          <a:effectLst>
+            <a:outerShdw blurRad="50800" dist="38100" dir="2700000" algn="tl" rotWithShape="0">
+              <a:prstClr val="black">
+                <a:alpha val="40000"/>
+              </a:prstClr>
+            </a:outerShdw>
+          </a:effectLst>
+        </p:spPr>
+        <p:style>
+          <a:lnRef idx="3">
+            <a:schemeClr val="accent4"/>
+          </a:lnRef>
+          <a:fillRef idx="0">
+            <a:schemeClr val="accent4"/>
+          </a:fillRef>
+          <a:effectRef idx="2">
+            <a:schemeClr val="accent4"/>
+          </a:effectRef>
+          <a:fontRef idx="minor">
+            <a:schemeClr val="tx1"/>
+          </a:fontRef>
+        </p:style>
+      </p:cxnSp>
+      <p:cxnSp>
+        <p:nvCxnSpPr>
+          <p:cNvPr id="40" name="Straight Arrow Connector 39">
+            <a:extLst>
+              <a:ext uri="{FF2B5EF4-FFF2-40B4-BE49-F238E27FC236}">
+                <a16:creationId xmlns:a16="http://schemas.microsoft.com/office/drawing/2014/main" id="{DC7ED7E8-4347-4957-9E42-23BD40A68DCC}"/>
+              </a:ext>
+            </a:extLst>
+          </p:cNvPr>
+          <p:cNvCxnSpPr>
+            <a:cxnSpLocks/>
+            <a:stCxn id="20" idx="1"/>
+            <a:endCxn id="24" idx="5"/>
+          </p:cNvCxnSpPr>
+          <p:nvPr/>
+        </p:nvCxnSpPr>
+        <p:spPr>
+          <a:xfrm flipH="1" flipV="1">
+            <a:off x="1932200" y="1666701"/>
+            <a:ext cx="661681" cy="572631"/>
+          </a:xfrm>
+          <a:prstGeom prst="straightConnector1">
+            <a:avLst/>
+          </a:prstGeom>
+          <a:ln>
+            <a:tailEnd type="triangle"/>
+          </a:ln>
+          <a:effectLst>
+            <a:outerShdw blurRad="50800" dist="38100" dir="2700000" algn="tl" rotWithShape="0">
+              <a:prstClr val="black">
+                <a:alpha val="40000"/>
+              </a:prstClr>
+            </a:outerShdw>
+          </a:effectLst>
+        </p:spPr>
+        <p:style>
+          <a:lnRef idx="3">
+            <a:schemeClr val="accent4"/>
+          </a:lnRef>
+          <a:fillRef idx="0">
+            <a:schemeClr val="accent4"/>
+          </a:fillRef>
+          <a:effectRef idx="2">
+            <a:schemeClr val="accent4"/>
+          </a:effectRef>
+          <a:fontRef idx="minor">
+            <a:schemeClr val="tx1"/>
+          </a:fontRef>
+        </p:style>
+      </p:cxnSp>
+      <p:cxnSp>
+        <p:nvCxnSpPr>
+          <p:cNvPr id="50" name="Straight Arrow Connector 49">
+            <a:extLst>
+              <a:ext uri="{FF2B5EF4-FFF2-40B4-BE49-F238E27FC236}">
+                <a16:creationId xmlns:a16="http://schemas.microsoft.com/office/drawing/2014/main" id="{8E943AFD-24EA-4C2B-8924-337875B3280E}"/>
+              </a:ext>
+            </a:extLst>
+          </p:cNvPr>
+          <p:cNvCxnSpPr>
+            <a:cxnSpLocks/>
+            <a:stCxn id="19" idx="1"/>
+            <a:endCxn id="25" idx="6"/>
+          </p:cNvCxnSpPr>
+          <p:nvPr/>
+        </p:nvCxnSpPr>
+        <p:spPr>
+          <a:xfrm flipH="1" flipV="1">
+            <a:off x="3066131" y="799958"/>
+            <a:ext cx="519568" cy="332964"/>
+          </a:xfrm>
+          <a:prstGeom prst="straightConnector1">
+            <a:avLst/>
+          </a:prstGeom>
+          <a:ln>
+            <a:tailEnd type="triangle"/>
+          </a:ln>
+          <a:effectLst>
+            <a:outerShdw blurRad="50800" dist="38100" dir="2700000" algn="tl" rotWithShape="0">
+              <a:prstClr val="black">
+                <a:alpha val="40000"/>
+              </a:prstClr>
+            </a:outerShdw>
+          </a:effectLst>
+        </p:spPr>
+        <p:style>
+          <a:lnRef idx="3">
+            <a:schemeClr val="accent4"/>
+          </a:lnRef>
+          <a:fillRef idx="0">
+            <a:schemeClr val="accent4"/>
+          </a:fillRef>
+          <a:effectRef idx="2">
+            <a:schemeClr val="accent4"/>
+          </a:effectRef>
+          <a:fontRef idx="minor">
+            <a:schemeClr val="tx1"/>
+          </a:fontRef>
+        </p:style>
+      </p:cxnSp>
+      <p:cxnSp>
+        <p:nvCxnSpPr>
+          <p:cNvPr id="53" name="Straight Arrow Connector 52">
+            <a:extLst>
+              <a:ext uri="{FF2B5EF4-FFF2-40B4-BE49-F238E27FC236}">
+                <a16:creationId xmlns:a16="http://schemas.microsoft.com/office/drawing/2014/main" id="{B6354CBA-C3D2-4B8C-BEC3-1F27308C3F61}"/>
+              </a:ext>
+            </a:extLst>
+          </p:cNvPr>
+          <p:cNvCxnSpPr>
+            <a:cxnSpLocks/>
+            <a:stCxn id="19" idx="3"/>
+            <a:endCxn id="20" idx="7"/>
+          </p:cNvCxnSpPr>
+          <p:nvPr/>
+        </p:nvCxnSpPr>
+        <p:spPr>
+          <a:xfrm flipH="1">
+            <a:off x="2851282" y="1390323"/>
+            <a:ext cx="734417" cy="849009"/>
+          </a:xfrm>
+          <a:prstGeom prst="straightConnector1">
+            <a:avLst/>
+          </a:prstGeom>
+          <a:ln>
+            <a:tailEnd type="triangle"/>
+          </a:ln>
+          <a:effectLst>
+            <a:outerShdw blurRad="50800" dist="38100" dir="2700000" algn="tl" rotWithShape="0">
+              <a:prstClr val="black">
+                <a:alpha val="40000"/>
+              </a:prstClr>
+            </a:outerShdw>
+          </a:effectLst>
+        </p:spPr>
+        <p:style>
+          <a:lnRef idx="3">
+            <a:schemeClr val="accent4"/>
+          </a:lnRef>
+          <a:fillRef idx="0">
+            <a:schemeClr val="accent4"/>
+          </a:fillRef>
+          <a:effectRef idx="2">
+            <a:schemeClr val="accent4"/>
+          </a:effectRef>
+          <a:fontRef idx="minor">
+            <a:schemeClr val="tx1"/>
+          </a:fontRef>
+        </p:style>
+      </p:cxnSp>
+      <p:cxnSp>
+        <p:nvCxnSpPr>
+          <p:cNvPr id="58" name="Straight Arrow Connector 57">
+            <a:extLst>
+              <a:ext uri="{FF2B5EF4-FFF2-40B4-BE49-F238E27FC236}">
+                <a16:creationId xmlns:a16="http://schemas.microsoft.com/office/drawing/2014/main" id="{1C1295B0-C407-487A-B158-AC20B37256AF}"/>
+              </a:ext>
+            </a:extLst>
+          </p:cNvPr>
+          <p:cNvCxnSpPr>
+            <a:cxnSpLocks/>
+            <a:stCxn id="21" idx="2"/>
+            <a:endCxn id="20" idx="5"/>
+          </p:cNvCxnSpPr>
+          <p:nvPr/>
+        </p:nvCxnSpPr>
+        <p:spPr>
+          <a:xfrm flipH="1" flipV="1">
+            <a:off x="2851282" y="2496733"/>
+            <a:ext cx="1549317" cy="728865"/>
+          </a:xfrm>
+          <a:prstGeom prst="straightConnector1">
+            <a:avLst/>
+          </a:prstGeom>
+          <a:ln>
+            <a:tailEnd type="triangle"/>
+          </a:ln>
+          <a:effectLst>
+            <a:outerShdw blurRad="50800" dist="38100" dir="2700000" algn="tl" rotWithShape="0">
+              <a:prstClr val="black">
+                <a:alpha val="40000"/>
+              </a:prstClr>
+            </a:outerShdw>
+          </a:effectLst>
+        </p:spPr>
+        <p:style>
+          <a:lnRef idx="3">
+            <a:schemeClr val="accent4"/>
+          </a:lnRef>
+          <a:fillRef idx="0">
+            <a:schemeClr val="accent4"/>
+          </a:fillRef>
+          <a:effectRef idx="2">
+            <a:schemeClr val="accent4"/>
+          </a:effectRef>
+          <a:fontRef idx="minor">
+            <a:schemeClr val="tx1"/>
+          </a:fontRef>
+        </p:style>
+      </p:cxnSp>
+      <p:cxnSp>
+        <p:nvCxnSpPr>
+          <p:cNvPr id="64" name="Straight Arrow Connector 63">
+            <a:extLst>
+              <a:ext uri="{FF2B5EF4-FFF2-40B4-BE49-F238E27FC236}">
+                <a16:creationId xmlns:a16="http://schemas.microsoft.com/office/drawing/2014/main" id="{419FDC32-FDCC-4370-8D21-91E681CE98CD}"/>
+              </a:ext>
+            </a:extLst>
+          </p:cNvPr>
+          <p:cNvCxnSpPr>
+            <a:cxnSpLocks/>
+            <a:stCxn id="27" idx="3"/>
+            <a:endCxn id="19" idx="7"/>
+          </p:cNvCxnSpPr>
+          <p:nvPr/>
+        </p:nvCxnSpPr>
+        <p:spPr>
+          <a:xfrm flipH="1">
+            <a:off x="3843100" y="586621"/>
+            <a:ext cx="617422" cy="546301"/>
+          </a:xfrm>
+          <a:prstGeom prst="straightConnector1">
+            <a:avLst/>
+          </a:prstGeom>
+          <a:ln>
+            <a:tailEnd type="triangle"/>
+          </a:ln>
+          <a:effectLst>
+            <a:outerShdw blurRad="50800" dist="38100" dir="2700000" algn="tl" rotWithShape="0">
+              <a:prstClr val="black">
+                <a:alpha val="40000"/>
+              </a:prstClr>
+            </a:outerShdw>
+          </a:effectLst>
+        </p:spPr>
+        <p:style>
+          <a:lnRef idx="3">
+            <a:schemeClr val="accent4"/>
+          </a:lnRef>
+          <a:fillRef idx="0">
+            <a:schemeClr val="accent4"/>
+          </a:fillRef>
+          <a:effectRef idx="2">
+            <a:schemeClr val="accent4"/>
+          </a:effectRef>
+          <a:fontRef idx="minor">
+            <a:schemeClr val="tx1"/>
+          </a:fontRef>
+        </p:style>
+      </p:cxnSp>
+      <p:cxnSp>
+        <p:nvCxnSpPr>
+          <p:cNvPr id="67" name="Straight Arrow Connector 66">
+            <a:extLst>
+              <a:ext uri="{FF2B5EF4-FFF2-40B4-BE49-F238E27FC236}">
+                <a16:creationId xmlns:a16="http://schemas.microsoft.com/office/drawing/2014/main" id="{546BDB68-C3EA-4C30-9365-85336CF12E65}"/>
+              </a:ext>
+            </a:extLst>
+          </p:cNvPr>
+          <p:cNvCxnSpPr>
+            <a:cxnSpLocks/>
+            <a:stCxn id="28" idx="1"/>
+            <a:endCxn id="19" idx="5"/>
+          </p:cNvCxnSpPr>
+          <p:nvPr/>
+        </p:nvCxnSpPr>
+        <p:spPr>
+          <a:xfrm flipH="1" flipV="1">
+            <a:off x="3843100" y="1390323"/>
+            <a:ext cx="613549" cy="492177"/>
+          </a:xfrm>
+          <a:prstGeom prst="straightConnector1">
+            <a:avLst/>
+          </a:prstGeom>
+          <a:ln>
+            <a:tailEnd type="triangle"/>
+          </a:ln>
+          <a:effectLst>
+            <a:outerShdw blurRad="50800" dist="38100" dir="2700000" algn="tl" rotWithShape="0">
+              <a:prstClr val="black">
+                <a:alpha val="40000"/>
+              </a:prstClr>
+            </a:outerShdw>
+          </a:effectLst>
+        </p:spPr>
+        <p:style>
+          <a:lnRef idx="3">
+            <a:schemeClr val="accent4"/>
+          </a:lnRef>
+          <a:fillRef idx="0">
+            <a:schemeClr val="accent4"/>
+          </a:fillRef>
+          <a:effectRef idx="2">
+            <a:schemeClr val="accent4"/>
+          </a:effectRef>
+          <a:fontRef idx="minor">
+            <a:schemeClr val="tx1"/>
+          </a:fontRef>
+        </p:style>
+      </p:cxnSp>
+      <p:cxnSp>
+        <p:nvCxnSpPr>
+          <p:cNvPr id="70" name="Straight Arrow Connector 69">
+            <a:extLst>
+              <a:ext uri="{FF2B5EF4-FFF2-40B4-BE49-F238E27FC236}">
+                <a16:creationId xmlns:a16="http://schemas.microsoft.com/office/drawing/2014/main" id="{E1E16B85-CD02-4BED-B4B1-77ABC7B25FBB}"/>
+              </a:ext>
+            </a:extLst>
+          </p:cNvPr>
+          <p:cNvCxnSpPr>
+            <a:cxnSpLocks/>
+            <a:stCxn id="21" idx="0"/>
+            <a:endCxn id="28" idx="4"/>
+          </p:cNvCxnSpPr>
+          <p:nvPr/>
+        </p:nvCxnSpPr>
+        <p:spPr>
+          <a:xfrm flipV="1">
+            <a:off x="4582610" y="2193211"/>
+            <a:ext cx="2740" cy="850376"/>
+          </a:xfrm>
+          <a:prstGeom prst="straightConnector1">
+            <a:avLst/>
+          </a:prstGeom>
+          <a:ln>
+            <a:tailEnd type="triangle"/>
+          </a:ln>
+          <a:effectLst>
+            <a:outerShdw blurRad="50800" dist="38100" dir="2700000" algn="tl" rotWithShape="0">
+              <a:prstClr val="black">
+                <a:alpha val="40000"/>
+              </a:prstClr>
+            </a:outerShdw>
+          </a:effectLst>
+        </p:spPr>
+        <p:style>
+          <a:lnRef idx="3">
+            <a:schemeClr val="accent4"/>
+          </a:lnRef>
+          <a:fillRef idx="0">
+            <a:schemeClr val="accent4"/>
+          </a:fillRef>
+          <a:effectRef idx="2">
+            <a:schemeClr val="accent4"/>
+          </a:effectRef>
+          <a:fontRef idx="minor">
+            <a:schemeClr val="tx1"/>
+          </a:fontRef>
+        </p:style>
+      </p:cxnSp>
+      <p:cxnSp>
+        <p:nvCxnSpPr>
+          <p:cNvPr id="74" name="Straight Arrow Connector 73">
+            <a:extLst>
+              <a:ext uri="{FF2B5EF4-FFF2-40B4-BE49-F238E27FC236}">
+                <a16:creationId xmlns:a16="http://schemas.microsoft.com/office/drawing/2014/main" id="{E584BE98-6717-4F80-AC2C-592119EDB56E}"/>
+              </a:ext>
+            </a:extLst>
+          </p:cNvPr>
+          <p:cNvCxnSpPr>
+            <a:cxnSpLocks/>
+            <a:stCxn id="26" idx="3"/>
+            <a:endCxn id="28" idx="7"/>
+          </p:cNvCxnSpPr>
+          <p:nvPr/>
+        </p:nvCxnSpPr>
+        <p:spPr>
+          <a:xfrm flipH="1">
+            <a:off x="4714050" y="1275514"/>
+            <a:ext cx="634918" cy="606986"/>
+          </a:xfrm>
+          <a:prstGeom prst="straightConnector1">
+            <a:avLst/>
+          </a:prstGeom>
+          <a:ln>
+            <a:tailEnd type="triangle"/>
+          </a:ln>
+          <a:effectLst>
+            <a:outerShdw blurRad="50800" dist="38100" dir="2700000" algn="tl" rotWithShape="0">
+              <a:prstClr val="black">
+                <a:alpha val="40000"/>
+              </a:prstClr>
+            </a:outerShdw>
+          </a:effectLst>
+        </p:spPr>
+        <p:style>
+          <a:lnRef idx="3">
+            <a:schemeClr val="accent4"/>
+          </a:lnRef>
+          <a:fillRef idx="0">
+            <a:schemeClr val="accent4"/>
+          </a:fillRef>
+          <a:effectRef idx="2">
+            <a:schemeClr val="accent4"/>
+          </a:effectRef>
+          <a:fontRef idx="minor">
+            <a:schemeClr val="tx1"/>
+          </a:fontRef>
+        </p:style>
+      </p:cxnSp>
+      <p:cxnSp>
+        <p:nvCxnSpPr>
+          <p:cNvPr id="77" name="Straight Arrow Connector 76">
+            <a:extLst>
+              <a:ext uri="{FF2B5EF4-FFF2-40B4-BE49-F238E27FC236}">
+                <a16:creationId xmlns:a16="http://schemas.microsoft.com/office/drawing/2014/main" id="{D0D2ECF0-87A4-4D12-9D37-E27433B04828}"/>
+              </a:ext>
+            </a:extLst>
+          </p:cNvPr>
+          <p:cNvCxnSpPr>
+            <a:cxnSpLocks/>
+            <a:stCxn id="26" idx="1"/>
+            <a:endCxn id="27" idx="5"/>
+          </p:cNvCxnSpPr>
+          <p:nvPr/>
+        </p:nvCxnSpPr>
+        <p:spPr>
+          <a:xfrm flipH="1" flipV="1">
+            <a:off x="4717923" y="586621"/>
+            <a:ext cx="631045" cy="431492"/>
+          </a:xfrm>
+          <a:prstGeom prst="straightConnector1">
+            <a:avLst/>
+          </a:prstGeom>
+          <a:ln>
+            <a:tailEnd type="triangle"/>
+          </a:ln>
+          <a:effectLst>
+            <a:outerShdw blurRad="50800" dist="38100" dir="2700000" algn="tl" rotWithShape="0">
+              <a:prstClr val="black">
+                <a:alpha val="40000"/>
+              </a:prstClr>
+            </a:outerShdw>
+          </a:effectLst>
+        </p:spPr>
+        <p:style>
+          <a:lnRef idx="3">
+            <a:schemeClr val="accent4"/>
+          </a:lnRef>
+          <a:fillRef idx="0">
+            <a:schemeClr val="accent4"/>
+          </a:fillRef>
+          <a:effectRef idx="2">
+            <a:schemeClr val="accent4"/>
+          </a:effectRef>
+          <a:fontRef idx="minor">
+            <a:schemeClr val="tx1"/>
+          </a:fontRef>
+        </p:style>
+      </p:cxnSp>
+      <p:sp>
+        <p:nvSpPr>
+          <p:cNvPr id="84" name="Oval 83">
+            <a:extLst>
+              <a:ext uri="{FF2B5EF4-FFF2-40B4-BE49-F238E27FC236}">
+                <a16:creationId xmlns:a16="http://schemas.microsoft.com/office/drawing/2014/main" id="{A4958BB9-DE5E-4268-98F5-C2309591FBBB}"/>
+              </a:ext>
+            </a:extLst>
+          </p:cNvPr>
+          <p:cNvSpPr/>
+          <p:nvPr/>
+        </p:nvSpPr>
+        <p:spPr>
+          <a:xfrm>
+            <a:off x="5500385" y="2436388"/>
+            <a:ext cx="364021" cy="364021"/>
+          </a:xfrm>
+          <a:prstGeom prst="ellipse">
+            <a:avLst/>
+          </a:prstGeom>
+        </p:spPr>
+        <p:style>
+          <a:lnRef idx="0">
+            <a:schemeClr val="accent4"/>
+          </a:lnRef>
+          <a:fillRef idx="3">
+            <a:schemeClr val="accent4"/>
+          </a:fillRef>
+          <a:effectRef idx="3">
+            <a:schemeClr val="accent4"/>
+          </a:effectRef>
+          <a:fontRef idx="minor">
+            <a:schemeClr val="lt1"/>
+          </a:fontRef>
+        </p:style>
+        <p:txBody>
+          <a:bodyPr rtlCol="0" anchor="ctr"/>
+          <a:lstStyle/>
+          <a:p>
+            <a:pPr algn="ctr"/>
+            <a:endParaRPr lang="en-US"/>
+          </a:p>
+        </p:txBody>
+      </p:sp>
+      <p:cxnSp>
+        <p:nvCxnSpPr>
+          <p:cNvPr id="85" name="Straight Arrow Connector 84">
+            <a:extLst>
+              <a:ext uri="{FF2B5EF4-FFF2-40B4-BE49-F238E27FC236}">
+                <a16:creationId xmlns:a16="http://schemas.microsoft.com/office/drawing/2014/main" id="{573C3AA2-4E08-49B4-92A5-94529DFEC0BA}"/>
+              </a:ext>
+            </a:extLst>
+          </p:cNvPr>
+          <p:cNvCxnSpPr>
+            <a:cxnSpLocks/>
+            <a:stCxn id="84" idx="1"/>
+            <a:endCxn id="28" idx="6"/>
+          </p:cNvCxnSpPr>
+          <p:nvPr/>
+        </p:nvCxnSpPr>
+        <p:spPr>
+          <a:xfrm flipH="1" flipV="1">
+            <a:off x="4767360" y="2011201"/>
+            <a:ext cx="786335" cy="478497"/>
+          </a:xfrm>
+          <a:prstGeom prst="straightConnector1">
+            <a:avLst/>
+          </a:prstGeom>
+          <a:ln>
+            <a:tailEnd type="triangle"/>
+          </a:ln>
+          <a:effectLst>
+            <a:outerShdw blurRad="50800" dist="38100" dir="2700000" algn="tl" rotWithShape="0">
+              <a:prstClr val="black">
+                <a:alpha val="40000"/>
+              </a:prstClr>
+            </a:outerShdw>
+          </a:effectLst>
+        </p:spPr>
+        <p:style>
+          <a:lnRef idx="3">
+            <a:schemeClr val="accent4"/>
+          </a:lnRef>
+          <a:fillRef idx="0">
+            <a:schemeClr val="accent4"/>
+          </a:fillRef>
+          <a:effectRef idx="2">
+            <a:schemeClr val="accent4"/>
+          </a:effectRef>
+          <a:fontRef idx="minor">
+            <a:schemeClr val="tx1"/>
+          </a:fontRef>
+        </p:style>
+      </p:cxnSp>
+      <p:cxnSp>
+        <p:nvCxnSpPr>
+          <p:cNvPr id="88" name="Straight Arrow Connector 87">
+            <a:extLst>
+              <a:ext uri="{FF2B5EF4-FFF2-40B4-BE49-F238E27FC236}">
+                <a16:creationId xmlns:a16="http://schemas.microsoft.com/office/drawing/2014/main" id="{CC9B51AA-A543-479A-A506-F9552AA0BEF4}"/>
+              </a:ext>
+            </a:extLst>
+          </p:cNvPr>
+          <p:cNvCxnSpPr>
+            <a:cxnSpLocks/>
+            <a:stCxn id="84" idx="3"/>
+            <a:endCxn id="21" idx="6"/>
+          </p:cNvCxnSpPr>
+          <p:nvPr/>
+        </p:nvCxnSpPr>
+        <p:spPr>
+          <a:xfrm flipH="1">
+            <a:off x="4764620" y="2747099"/>
+            <a:ext cx="789075" cy="478499"/>
+          </a:xfrm>
+          <a:prstGeom prst="straightConnector1">
+            <a:avLst/>
+          </a:prstGeom>
+          <a:ln>
+            <a:tailEnd type="triangle"/>
+          </a:ln>
+          <a:effectLst>
+            <a:outerShdw blurRad="50800" dist="38100" dir="2700000" algn="tl" rotWithShape="0">
+              <a:prstClr val="black">
+                <a:alpha val="40000"/>
+              </a:prstClr>
+            </a:outerShdw>
+          </a:effectLst>
+        </p:spPr>
+        <p:style>
+          <a:lnRef idx="3">
+            <a:schemeClr val="accent4"/>
+          </a:lnRef>
+          <a:fillRef idx="0">
+            <a:schemeClr val="accent4"/>
+          </a:fillRef>
+          <a:effectRef idx="2">
+            <a:schemeClr val="accent4"/>
+          </a:effectRef>
+          <a:fontRef idx="minor">
+            <a:schemeClr val="tx1"/>
+          </a:fontRef>
+        </p:style>
+      </p:cxnSp>
+      <p:sp>
+        <p:nvSpPr>
+          <p:cNvPr id="91" name="TextBox 90">
+            <a:extLst>
+              <a:ext uri="{FF2B5EF4-FFF2-40B4-BE49-F238E27FC236}">
+                <a16:creationId xmlns:a16="http://schemas.microsoft.com/office/drawing/2014/main" id="{212B0F47-F7EE-4CFB-A1DB-A7E7992390A7}"/>
+              </a:ext>
+            </a:extLst>
+          </p:cNvPr>
+          <p:cNvSpPr txBox="1"/>
+          <p:nvPr/>
+        </p:nvSpPr>
+        <p:spPr>
+          <a:xfrm>
+            <a:off x="113323" y="2888926"/>
+            <a:ext cx="6359284" cy="523220"/>
+          </a:xfrm>
+          <a:prstGeom prst="rect">
+            <a:avLst/>
+          </a:prstGeom>
+          <a:noFill/>
+        </p:spPr>
+        <p:txBody>
+          <a:bodyPr wrap="square" rtlCol="0">
+            <a:spAutoFit/>
+          </a:bodyPr>
+          <a:lstStyle/>
+          <a:p>
+            <a:r>
+              <a:rPr lang="en-US" sz="2800" b="1" dirty="0"/>
+              <a:t>Messages in Tangle</a:t>
+            </a:r>
+          </a:p>
+        </p:txBody>
+      </p:sp>
+    </p:spTree>
+    <p:extLst>
+      <p:ext uri="{BB962C8B-B14F-4D97-AF65-F5344CB8AC3E}">
+        <p14:creationId xmlns:p14="http://schemas.microsoft.com/office/powerpoint/2010/main" val="1857622597"/>
+      </p:ext>
+    </p:extLst>
+  </p:cSld>
+  <p:clrMapOvr>
+    <a:masterClrMapping/>
+  </p:clrMapOvr>
+</p:sld>
+</file>
+
 <file path=ppt/theme/theme1.xml><?xml version="1.0" encoding="utf-8"?>
 <a:theme xmlns:a="http://schemas.openxmlformats.org/drawingml/2006/main" name="Office Theme">
   <a:themeElements>

--- a/docs/charts.pptx
+++ b/docs/charts.pptx
@@ -8,6 +8,7 @@
     <p:sldId id="256" r:id="rId2"/>
     <p:sldId id="257" r:id="rId3"/>
     <p:sldId id="258" r:id="rId4"/>
+    <p:sldId id="259" r:id="rId5"/>
   </p:sldIdLst>
   <p:sldSz cx="12192000" cy="6858000"/>
   <p:notesSz cx="6858000" cy="9144000"/>
@@ -8672,6 +8673,1380 @@
 </p:sld>
 </file>
 
+<file path=ppt/slides/slide4.xml><?xml version="1.0" encoding="utf-8"?>
+<p:sld xmlns:a="http://schemas.openxmlformats.org/drawingml/2006/main" xmlns:r="http://schemas.openxmlformats.org/officeDocument/2006/relationships" xmlns:p="http://schemas.openxmlformats.org/presentationml/2006/main">
+  <p:cSld>
+    <p:spTree>
+      <p:nvGrpSpPr>
+        <p:cNvPr id="1" name=""/>
+        <p:cNvGrpSpPr/>
+        <p:nvPr/>
+      </p:nvGrpSpPr>
+      <p:grpSpPr>
+        <a:xfrm>
+          <a:off x="0" y="0"/>
+          <a:ext cx="0" cy="0"/>
+          <a:chOff x="0" y="0"/>
+          <a:chExt cx="0" cy="0"/>
+        </a:xfrm>
+      </p:grpSpPr>
+      <p:sp>
+        <p:nvSpPr>
+          <p:cNvPr id="4" name="TextBox 3">
+            <a:extLst>
+              <a:ext uri="{FF2B5EF4-FFF2-40B4-BE49-F238E27FC236}">
+                <a16:creationId xmlns:a16="http://schemas.microsoft.com/office/drawing/2014/main" id="{23939946-3CD2-4083-83B8-80F3D045250B}"/>
+              </a:ext>
+            </a:extLst>
+          </p:cNvPr>
+          <p:cNvSpPr txBox="1"/>
+          <p:nvPr/>
+        </p:nvSpPr>
+        <p:spPr>
+          <a:xfrm>
+            <a:off x="5107242" y="289503"/>
+            <a:ext cx="1840644" cy="369332"/>
+          </a:xfrm>
+          <a:prstGeom prst="rect">
+            <a:avLst/>
+          </a:prstGeom>
+        </p:spPr>
+        <p:style>
+          <a:lnRef idx="0">
+            <a:schemeClr val="accent2"/>
+          </a:lnRef>
+          <a:fillRef idx="3">
+            <a:schemeClr val="accent2"/>
+          </a:fillRef>
+          <a:effectRef idx="3">
+            <a:schemeClr val="accent2"/>
+          </a:effectRef>
+          <a:fontRef idx="minor">
+            <a:schemeClr val="lt1"/>
+          </a:fontRef>
+        </p:style>
+        <p:txBody>
+          <a:bodyPr wrap="square" rtlCol="0">
+            <a:noAutofit/>
+          </a:bodyPr>
+          <a:lstStyle/>
+          <a:p>
+            <a:pPr algn="ctr"/>
+            <a:r>
+              <a:rPr lang="en-US" sz="1600" dirty="0"/>
+              <a:t>Output A = 100i</a:t>
+            </a:r>
+          </a:p>
+        </p:txBody>
+      </p:sp>
+      <p:sp>
+        <p:nvSpPr>
+          <p:cNvPr id="5" name="TextBox 4">
+            <a:extLst>
+              <a:ext uri="{FF2B5EF4-FFF2-40B4-BE49-F238E27FC236}">
+                <a16:creationId xmlns:a16="http://schemas.microsoft.com/office/drawing/2014/main" id="{884F27C2-501E-476E-8143-694FBECC2E4F}"/>
+              </a:ext>
+            </a:extLst>
+          </p:cNvPr>
+          <p:cNvSpPr txBox="1"/>
+          <p:nvPr/>
+        </p:nvSpPr>
+        <p:spPr>
+          <a:xfrm>
+            <a:off x="2601401" y="1417992"/>
+            <a:ext cx="1840644" cy="369332"/>
+          </a:xfrm>
+          <a:prstGeom prst="rect">
+            <a:avLst/>
+          </a:prstGeom>
+        </p:spPr>
+        <p:style>
+          <a:lnRef idx="0">
+            <a:schemeClr val="accent5"/>
+          </a:lnRef>
+          <a:fillRef idx="3">
+            <a:schemeClr val="accent5"/>
+          </a:fillRef>
+          <a:effectRef idx="3">
+            <a:schemeClr val="accent5"/>
+          </a:effectRef>
+          <a:fontRef idx="minor">
+            <a:schemeClr val="lt1"/>
+          </a:fontRef>
+        </p:style>
+        <p:txBody>
+          <a:bodyPr wrap="square" rtlCol="0">
+            <a:noAutofit/>
+          </a:bodyPr>
+          <a:lstStyle/>
+          <a:p>
+            <a:pPr algn="ctr"/>
+            <a:r>
+              <a:rPr lang="en-US" sz="1600" dirty="0"/>
+              <a:t>Output B = 20i</a:t>
+            </a:r>
+          </a:p>
+        </p:txBody>
+      </p:sp>
+      <p:sp>
+        <p:nvSpPr>
+          <p:cNvPr id="6" name="TextBox 5">
+            <a:extLst>
+              <a:ext uri="{FF2B5EF4-FFF2-40B4-BE49-F238E27FC236}">
+                <a16:creationId xmlns:a16="http://schemas.microsoft.com/office/drawing/2014/main" id="{EFFFFD01-7D2C-4C99-A107-1BD7535D69F7}"/>
+              </a:ext>
+            </a:extLst>
+          </p:cNvPr>
+          <p:cNvSpPr txBox="1"/>
+          <p:nvPr/>
+        </p:nvSpPr>
+        <p:spPr>
+          <a:xfrm>
+            <a:off x="5107242" y="1417992"/>
+            <a:ext cx="1840644" cy="369332"/>
+          </a:xfrm>
+          <a:prstGeom prst="rect">
+            <a:avLst/>
+          </a:prstGeom>
+        </p:spPr>
+        <p:style>
+          <a:lnRef idx="0">
+            <a:schemeClr val="accent3"/>
+          </a:lnRef>
+          <a:fillRef idx="3">
+            <a:schemeClr val="accent3"/>
+          </a:fillRef>
+          <a:effectRef idx="3">
+            <a:schemeClr val="accent3"/>
+          </a:effectRef>
+          <a:fontRef idx="minor">
+            <a:schemeClr val="lt1"/>
+          </a:fontRef>
+        </p:style>
+        <p:txBody>
+          <a:bodyPr wrap="square" rtlCol="0">
+            <a:noAutofit/>
+          </a:bodyPr>
+          <a:lstStyle/>
+          <a:p>
+            <a:pPr algn="ctr"/>
+            <a:r>
+              <a:rPr lang="en-US" sz="1600" dirty="0"/>
+              <a:t>Output C = 30i</a:t>
+            </a:r>
+          </a:p>
+        </p:txBody>
+      </p:sp>
+      <p:sp>
+        <p:nvSpPr>
+          <p:cNvPr id="7" name="TextBox 6">
+            <a:extLst>
+              <a:ext uri="{FF2B5EF4-FFF2-40B4-BE49-F238E27FC236}">
+                <a16:creationId xmlns:a16="http://schemas.microsoft.com/office/drawing/2014/main" id="{C7348DE2-8853-4A90-BD12-05BA20F72730}"/>
+              </a:ext>
+            </a:extLst>
+          </p:cNvPr>
+          <p:cNvSpPr txBox="1"/>
+          <p:nvPr/>
+        </p:nvSpPr>
+        <p:spPr>
+          <a:xfrm>
+            <a:off x="7498105" y="1417992"/>
+            <a:ext cx="1840644" cy="369332"/>
+          </a:xfrm>
+          <a:prstGeom prst="rect">
+            <a:avLst/>
+          </a:prstGeom>
+        </p:spPr>
+        <p:style>
+          <a:lnRef idx="0">
+            <a:schemeClr val="accent6"/>
+          </a:lnRef>
+          <a:fillRef idx="3">
+            <a:schemeClr val="accent6"/>
+          </a:fillRef>
+          <a:effectRef idx="3">
+            <a:schemeClr val="accent6"/>
+          </a:effectRef>
+          <a:fontRef idx="minor">
+            <a:schemeClr val="lt1"/>
+          </a:fontRef>
+        </p:style>
+        <p:txBody>
+          <a:bodyPr wrap="square" rtlCol="0">
+            <a:noAutofit/>
+          </a:bodyPr>
+          <a:lstStyle/>
+          <a:p>
+            <a:pPr algn="ctr"/>
+            <a:r>
+              <a:rPr lang="en-US" sz="1600" dirty="0"/>
+              <a:t>Output D = 50i</a:t>
+            </a:r>
+          </a:p>
+        </p:txBody>
+      </p:sp>
+      <p:cxnSp>
+        <p:nvCxnSpPr>
+          <p:cNvPr id="9" name="Straight Arrow Connector 8">
+            <a:extLst>
+              <a:ext uri="{FF2B5EF4-FFF2-40B4-BE49-F238E27FC236}">
+                <a16:creationId xmlns:a16="http://schemas.microsoft.com/office/drawing/2014/main" id="{D14A0D62-F0EA-419C-9CD9-278E86596EC6}"/>
+              </a:ext>
+            </a:extLst>
+          </p:cNvPr>
+          <p:cNvCxnSpPr>
+            <a:stCxn id="4" idx="2"/>
+            <a:endCxn id="5" idx="0"/>
+          </p:cNvCxnSpPr>
+          <p:nvPr/>
+        </p:nvCxnSpPr>
+        <p:spPr>
+          <a:xfrm flipH="1">
+            <a:off x="3521723" y="658835"/>
+            <a:ext cx="2505841" cy="759157"/>
+          </a:xfrm>
+          <a:prstGeom prst="straightConnector1">
+            <a:avLst/>
+          </a:prstGeom>
+          <a:ln>
+            <a:tailEnd type="triangle"/>
+          </a:ln>
+          <a:effectLst>
+            <a:outerShdw blurRad="50800" dist="38100" dir="2700000" algn="tl" rotWithShape="0">
+              <a:prstClr val="black">
+                <a:alpha val="40000"/>
+              </a:prstClr>
+            </a:outerShdw>
+          </a:effectLst>
+        </p:spPr>
+        <p:style>
+          <a:lnRef idx="3">
+            <a:schemeClr val="accent6"/>
+          </a:lnRef>
+          <a:fillRef idx="0">
+            <a:schemeClr val="accent6"/>
+          </a:fillRef>
+          <a:effectRef idx="2">
+            <a:schemeClr val="accent6"/>
+          </a:effectRef>
+          <a:fontRef idx="minor">
+            <a:schemeClr val="tx1"/>
+          </a:fontRef>
+        </p:style>
+      </p:cxnSp>
+      <p:cxnSp>
+        <p:nvCxnSpPr>
+          <p:cNvPr id="10" name="Straight Arrow Connector 9">
+            <a:extLst>
+              <a:ext uri="{FF2B5EF4-FFF2-40B4-BE49-F238E27FC236}">
+                <a16:creationId xmlns:a16="http://schemas.microsoft.com/office/drawing/2014/main" id="{B47C735B-85BE-489E-83C5-27D83A0BC9E6}"/>
+              </a:ext>
+            </a:extLst>
+          </p:cNvPr>
+          <p:cNvCxnSpPr>
+            <a:cxnSpLocks/>
+            <a:stCxn id="4" idx="2"/>
+            <a:endCxn id="6" idx="0"/>
+          </p:cNvCxnSpPr>
+          <p:nvPr/>
+        </p:nvCxnSpPr>
+        <p:spPr>
+          <a:xfrm>
+            <a:off x="6027564" y="658835"/>
+            <a:ext cx="0" cy="759157"/>
+          </a:xfrm>
+          <a:prstGeom prst="straightConnector1">
+            <a:avLst/>
+          </a:prstGeom>
+          <a:ln>
+            <a:tailEnd type="triangle"/>
+          </a:ln>
+          <a:effectLst>
+            <a:outerShdw blurRad="50800" dist="38100" dir="2700000" algn="tl" rotWithShape="0">
+              <a:prstClr val="black">
+                <a:alpha val="40000"/>
+              </a:prstClr>
+            </a:outerShdw>
+          </a:effectLst>
+        </p:spPr>
+        <p:style>
+          <a:lnRef idx="3">
+            <a:schemeClr val="accent6"/>
+          </a:lnRef>
+          <a:fillRef idx="0">
+            <a:schemeClr val="accent6"/>
+          </a:fillRef>
+          <a:effectRef idx="2">
+            <a:schemeClr val="accent6"/>
+          </a:effectRef>
+          <a:fontRef idx="minor">
+            <a:schemeClr val="tx1"/>
+          </a:fontRef>
+        </p:style>
+      </p:cxnSp>
+      <p:cxnSp>
+        <p:nvCxnSpPr>
+          <p:cNvPr id="13" name="Straight Arrow Connector 12">
+            <a:extLst>
+              <a:ext uri="{FF2B5EF4-FFF2-40B4-BE49-F238E27FC236}">
+                <a16:creationId xmlns:a16="http://schemas.microsoft.com/office/drawing/2014/main" id="{278CE9C1-C52A-45AD-80F4-14C7587C5859}"/>
+              </a:ext>
+            </a:extLst>
+          </p:cNvPr>
+          <p:cNvCxnSpPr>
+            <a:cxnSpLocks/>
+            <a:stCxn id="4" idx="2"/>
+            <a:endCxn id="7" idx="0"/>
+          </p:cNvCxnSpPr>
+          <p:nvPr/>
+        </p:nvCxnSpPr>
+        <p:spPr>
+          <a:xfrm>
+            <a:off x="6027564" y="658835"/>
+            <a:ext cx="2390863" cy="759157"/>
+          </a:xfrm>
+          <a:prstGeom prst="straightConnector1">
+            <a:avLst/>
+          </a:prstGeom>
+          <a:ln>
+            <a:tailEnd type="triangle"/>
+          </a:ln>
+          <a:effectLst>
+            <a:outerShdw blurRad="50800" dist="38100" dir="2700000" algn="tl" rotWithShape="0">
+              <a:prstClr val="black">
+                <a:alpha val="40000"/>
+              </a:prstClr>
+            </a:outerShdw>
+          </a:effectLst>
+        </p:spPr>
+        <p:style>
+          <a:lnRef idx="3">
+            <a:schemeClr val="accent6"/>
+          </a:lnRef>
+          <a:fillRef idx="0">
+            <a:schemeClr val="accent6"/>
+          </a:fillRef>
+          <a:effectRef idx="2">
+            <a:schemeClr val="accent6"/>
+          </a:effectRef>
+          <a:fontRef idx="minor">
+            <a:schemeClr val="tx1"/>
+          </a:fontRef>
+        </p:style>
+      </p:cxnSp>
+      <p:sp>
+        <p:nvSpPr>
+          <p:cNvPr id="16" name="Rectangle 15">
+            <a:extLst>
+              <a:ext uri="{FF2B5EF4-FFF2-40B4-BE49-F238E27FC236}">
+                <a16:creationId xmlns:a16="http://schemas.microsoft.com/office/drawing/2014/main" id="{F7312A71-EC03-4E81-86FF-F37C959FD4FB}"/>
+              </a:ext>
+            </a:extLst>
+          </p:cNvPr>
+          <p:cNvSpPr/>
+          <p:nvPr/>
+        </p:nvSpPr>
+        <p:spPr>
+          <a:xfrm>
+            <a:off x="3636202" y="289161"/>
+            <a:ext cx="1356561" cy="369332"/>
+          </a:xfrm>
+          <a:prstGeom prst="rect">
+            <a:avLst/>
+          </a:prstGeom>
+          <a:noFill/>
+          <a:ln w="19050" cap="flat" cmpd="sng" algn="ctr">
+            <a:solidFill>
+              <a:schemeClr val="bg1">
+                <a:lumMod val="65000"/>
+              </a:schemeClr>
+            </a:solidFill>
+            <a:prstDash val="sysDot"/>
+            <a:round/>
+            <a:headEnd type="none" w="med" len="med"/>
+            <a:tailEnd type="none" w="med" len="med"/>
+          </a:ln>
+        </p:spPr>
+        <p:style>
+          <a:lnRef idx="0">
+            <a:scrgbClr r="0" g="0" b="0"/>
+          </a:lnRef>
+          <a:fillRef idx="0">
+            <a:scrgbClr r="0" g="0" b="0"/>
+          </a:fillRef>
+          <a:effectRef idx="0">
+            <a:scrgbClr r="0" g="0" b="0"/>
+          </a:effectRef>
+          <a:fontRef idx="minor">
+            <a:schemeClr val="accent6"/>
+          </a:fontRef>
+        </p:style>
+        <p:txBody>
+          <a:bodyPr rtlCol="0" anchor="ctr"/>
+          <a:lstStyle/>
+          <a:p>
+            <a:pPr algn="ctr"/>
+            <a:r>
+              <a:rPr lang="en-US" sz="1200" dirty="0"/>
+              <a:t>Alice’s address X1</a:t>
+            </a:r>
+          </a:p>
+        </p:txBody>
+      </p:sp>
+      <p:sp>
+        <p:nvSpPr>
+          <p:cNvPr id="18" name="Rectangle 17">
+            <a:extLst>
+              <a:ext uri="{FF2B5EF4-FFF2-40B4-BE49-F238E27FC236}">
+                <a16:creationId xmlns:a16="http://schemas.microsoft.com/office/drawing/2014/main" id="{D0D5EF6E-EA68-4A6E-9EC7-CAD455E205E1}"/>
+              </a:ext>
+            </a:extLst>
+          </p:cNvPr>
+          <p:cNvSpPr/>
+          <p:nvPr/>
+        </p:nvSpPr>
+        <p:spPr>
+          <a:xfrm>
+            <a:off x="2037598" y="1788009"/>
+            <a:ext cx="1552715" cy="369332"/>
+          </a:xfrm>
+          <a:prstGeom prst="rect">
+            <a:avLst/>
+          </a:prstGeom>
+          <a:noFill/>
+          <a:ln w="19050" cap="flat" cmpd="sng" algn="ctr">
+            <a:solidFill>
+              <a:schemeClr val="bg1">
+                <a:lumMod val="65000"/>
+              </a:schemeClr>
+            </a:solidFill>
+            <a:prstDash val="sysDot"/>
+            <a:round/>
+            <a:headEnd type="none" w="med" len="med"/>
+            <a:tailEnd type="none" w="med" len="med"/>
+          </a:ln>
+        </p:spPr>
+        <p:style>
+          <a:lnRef idx="0">
+            <a:scrgbClr r="0" g="0" b="0"/>
+          </a:lnRef>
+          <a:fillRef idx="0">
+            <a:scrgbClr r="0" g="0" b="0"/>
+          </a:fillRef>
+          <a:effectRef idx="0">
+            <a:scrgbClr r="0" g="0" b="0"/>
+          </a:effectRef>
+          <a:fontRef idx="minor">
+            <a:schemeClr val="accent6"/>
+          </a:fontRef>
+        </p:style>
+        <p:txBody>
+          <a:bodyPr rtlCol="0" anchor="ctr"/>
+          <a:lstStyle/>
+          <a:p>
+            <a:pPr algn="ctr"/>
+            <a:r>
+              <a:rPr lang="en-US" sz="1200" dirty="0"/>
+              <a:t>Paul’s address X2</a:t>
+            </a:r>
+          </a:p>
+        </p:txBody>
+      </p:sp>
+      <p:sp>
+        <p:nvSpPr>
+          <p:cNvPr id="19" name="Rectangle 18">
+            <a:extLst>
+              <a:ext uri="{FF2B5EF4-FFF2-40B4-BE49-F238E27FC236}">
+                <a16:creationId xmlns:a16="http://schemas.microsoft.com/office/drawing/2014/main" id="{81D464A6-F2D0-4933-B207-A8D84DDF4391}"/>
+              </a:ext>
+            </a:extLst>
+          </p:cNvPr>
+          <p:cNvSpPr/>
+          <p:nvPr/>
+        </p:nvSpPr>
+        <p:spPr>
+          <a:xfrm>
+            <a:off x="4705297" y="1788009"/>
+            <a:ext cx="1322267" cy="369332"/>
+          </a:xfrm>
+          <a:prstGeom prst="rect">
+            <a:avLst/>
+          </a:prstGeom>
+          <a:noFill/>
+          <a:ln w="19050" cap="flat" cmpd="sng" algn="ctr">
+            <a:solidFill>
+              <a:schemeClr val="bg1">
+                <a:lumMod val="65000"/>
+              </a:schemeClr>
+            </a:solidFill>
+            <a:prstDash val="sysDot"/>
+            <a:round/>
+            <a:headEnd type="none" w="med" len="med"/>
+            <a:tailEnd type="none" w="med" len="med"/>
+          </a:ln>
+        </p:spPr>
+        <p:style>
+          <a:lnRef idx="0">
+            <a:scrgbClr r="0" g="0" b="0"/>
+          </a:lnRef>
+          <a:fillRef idx="0">
+            <a:scrgbClr r="0" g="0" b="0"/>
+          </a:fillRef>
+          <a:effectRef idx="0">
+            <a:scrgbClr r="0" g="0" b="0"/>
+          </a:effectRef>
+          <a:fontRef idx="minor">
+            <a:schemeClr val="accent6"/>
+          </a:fontRef>
+        </p:style>
+        <p:txBody>
+          <a:bodyPr rtlCol="0" anchor="ctr"/>
+          <a:lstStyle/>
+          <a:p>
+            <a:pPr algn="ctr"/>
+            <a:r>
+              <a:rPr lang="en-US" sz="1200" dirty="0"/>
+              <a:t>Linda’s address X3</a:t>
+            </a:r>
+          </a:p>
+        </p:txBody>
+      </p:sp>
+      <p:sp>
+        <p:nvSpPr>
+          <p:cNvPr id="20" name="Rectangle 19">
+            <a:extLst>
+              <a:ext uri="{FF2B5EF4-FFF2-40B4-BE49-F238E27FC236}">
+                <a16:creationId xmlns:a16="http://schemas.microsoft.com/office/drawing/2014/main" id="{84A5A737-0B02-49B7-86AA-0ACFC83C03AA}"/>
+              </a:ext>
+            </a:extLst>
+          </p:cNvPr>
+          <p:cNvSpPr/>
+          <p:nvPr/>
+        </p:nvSpPr>
+        <p:spPr>
+          <a:xfrm>
+            <a:off x="7211138" y="1788009"/>
+            <a:ext cx="1390551" cy="369332"/>
+          </a:xfrm>
+          <a:prstGeom prst="rect">
+            <a:avLst/>
+          </a:prstGeom>
+          <a:noFill/>
+          <a:ln w="19050" cap="flat" cmpd="sng" algn="ctr">
+            <a:solidFill>
+              <a:schemeClr val="bg1">
+                <a:lumMod val="65000"/>
+              </a:schemeClr>
+            </a:solidFill>
+            <a:prstDash val="sysDot"/>
+            <a:round/>
+            <a:headEnd type="none" w="med" len="med"/>
+            <a:tailEnd type="none" w="med" len="med"/>
+          </a:ln>
+        </p:spPr>
+        <p:style>
+          <a:lnRef idx="0">
+            <a:scrgbClr r="0" g="0" b="0"/>
+          </a:lnRef>
+          <a:fillRef idx="0">
+            <a:scrgbClr r="0" g="0" b="0"/>
+          </a:fillRef>
+          <a:effectRef idx="0">
+            <a:scrgbClr r="0" g="0" b="0"/>
+          </a:effectRef>
+          <a:fontRef idx="minor">
+            <a:schemeClr val="accent6"/>
+          </a:fontRef>
+        </p:style>
+        <p:txBody>
+          <a:bodyPr rtlCol="0" anchor="ctr"/>
+          <a:lstStyle/>
+          <a:p>
+            <a:pPr algn="ctr"/>
+            <a:r>
+              <a:rPr lang="en-US" sz="1200" dirty="0"/>
+              <a:t>Alice’s address X1</a:t>
+            </a:r>
+          </a:p>
+        </p:txBody>
+      </p:sp>
+      <p:sp>
+        <p:nvSpPr>
+          <p:cNvPr id="21" name="TextBox 20">
+            <a:extLst>
+              <a:ext uri="{FF2B5EF4-FFF2-40B4-BE49-F238E27FC236}">
+                <a16:creationId xmlns:a16="http://schemas.microsoft.com/office/drawing/2014/main" id="{F6C60CF4-1301-4752-A2D2-CBCBCC001A3C}"/>
+              </a:ext>
+            </a:extLst>
+          </p:cNvPr>
+          <p:cNvSpPr txBox="1"/>
+          <p:nvPr/>
+        </p:nvSpPr>
+        <p:spPr>
+          <a:xfrm>
+            <a:off x="9942757" y="335327"/>
+            <a:ext cx="1703546" cy="276999"/>
+          </a:xfrm>
+          <a:prstGeom prst="rect">
+            <a:avLst/>
+          </a:prstGeom>
+          <a:noFill/>
+        </p:spPr>
+        <p:txBody>
+          <a:bodyPr wrap="square" rtlCol="0">
+            <a:spAutoFit/>
+          </a:bodyPr>
+          <a:lstStyle/>
+          <a:p>
+            <a:pPr algn="r"/>
+            <a:r>
+              <a:rPr lang="en-US" sz="1200" i="1" dirty="0">
+                <a:solidFill>
+                  <a:schemeClr val="bg1">
+                    <a:lumMod val="65000"/>
+                  </a:schemeClr>
+                </a:solidFill>
+              </a:rPr>
+              <a:t>TOTAL SUPPLY = 100i</a:t>
+            </a:r>
+          </a:p>
+        </p:txBody>
+      </p:sp>
+      <p:sp>
+        <p:nvSpPr>
+          <p:cNvPr id="22" name="TextBox 21">
+            <a:extLst>
+              <a:ext uri="{FF2B5EF4-FFF2-40B4-BE49-F238E27FC236}">
+                <a16:creationId xmlns:a16="http://schemas.microsoft.com/office/drawing/2014/main" id="{FE5D7844-F89D-48C5-A7A4-D68E85FA996C}"/>
+              </a:ext>
+            </a:extLst>
+          </p:cNvPr>
+          <p:cNvSpPr txBox="1"/>
+          <p:nvPr/>
+        </p:nvSpPr>
+        <p:spPr>
+          <a:xfrm>
+            <a:off x="9942757" y="1464158"/>
+            <a:ext cx="1703546" cy="276999"/>
+          </a:xfrm>
+          <a:prstGeom prst="rect">
+            <a:avLst/>
+          </a:prstGeom>
+          <a:noFill/>
+        </p:spPr>
+        <p:txBody>
+          <a:bodyPr wrap="square" rtlCol="0">
+            <a:spAutoFit/>
+          </a:bodyPr>
+          <a:lstStyle/>
+          <a:p>
+            <a:pPr algn="r"/>
+            <a:r>
+              <a:rPr lang="en-US" sz="1200" i="1" dirty="0">
+                <a:solidFill>
+                  <a:schemeClr val="bg1">
+                    <a:lumMod val="65000"/>
+                  </a:schemeClr>
+                </a:solidFill>
+              </a:rPr>
+              <a:t>TOTAL SUPPLY = 100i</a:t>
+            </a:r>
+          </a:p>
+        </p:txBody>
+      </p:sp>
+      <p:sp>
+        <p:nvSpPr>
+          <p:cNvPr id="23" name="TextBox 22">
+            <a:extLst>
+              <a:ext uri="{FF2B5EF4-FFF2-40B4-BE49-F238E27FC236}">
+                <a16:creationId xmlns:a16="http://schemas.microsoft.com/office/drawing/2014/main" id="{0B947A40-C684-4632-AB4A-E5D4AA454285}"/>
+              </a:ext>
+            </a:extLst>
+          </p:cNvPr>
+          <p:cNvSpPr txBox="1"/>
+          <p:nvPr/>
+        </p:nvSpPr>
+        <p:spPr>
+          <a:xfrm>
+            <a:off x="494462" y="335326"/>
+            <a:ext cx="1703546" cy="276999"/>
+          </a:xfrm>
+          <a:prstGeom prst="rect">
+            <a:avLst/>
+          </a:prstGeom>
+          <a:noFill/>
+        </p:spPr>
+        <p:txBody>
+          <a:bodyPr wrap="square" rtlCol="0">
+            <a:spAutoFit/>
+          </a:bodyPr>
+          <a:lstStyle/>
+          <a:p>
+            <a:r>
+              <a:rPr lang="en-US" sz="1200" b="1" i="1" dirty="0">
+                <a:solidFill>
+                  <a:srgbClr val="FF0000"/>
+                </a:solidFill>
+              </a:rPr>
+              <a:t>LEDGER STATE: #1</a:t>
+            </a:r>
+          </a:p>
+        </p:txBody>
+      </p:sp>
+      <p:sp>
+        <p:nvSpPr>
+          <p:cNvPr id="24" name="TextBox 23">
+            <a:extLst>
+              <a:ext uri="{FF2B5EF4-FFF2-40B4-BE49-F238E27FC236}">
+                <a16:creationId xmlns:a16="http://schemas.microsoft.com/office/drawing/2014/main" id="{FB15B018-840D-4099-9630-FE339C8C6898}"/>
+              </a:ext>
+            </a:extLst>
+          </p:cNvPr>
+          <p:cNvSpPr txBox="1"/>
+          <p:nvPr/>
+        </p:nvSpPr>
+        <p:spPr>
+          <a:xfrm>
+            <a:off x="494462" y="1464156"/>
+            <a:ext cx="1703546" cy="276999"/>
+          </a:xfrm>
+          <a:prstGeom prst="rect">
+            <a:avLst/>
+          </a:prstGeom>
+          <a:noFill/>
+        </p:spPr>
+        <p:txBody>
+          <a:bodyPr wrap="square" rtlCol="0">
+            <a:spAutoFit/>
+          </a:bodyPr>
+          <a:lstStyle/>
+          <a:p>
+            <a:r>
+              <a:rPr lang="en-US" sz="1200" b="1" i="1" dirty="0">
+                <a:solidFill>
+                  <a:srgbClr val="FF0000"/>
+                </a:solidFill>
+              </a:rPr>
+              <a:t>LEDGER STATE: #2</a:t>
+            </a:r>
+          </a:p>
+        </p:txBody>
+      </p:sp>
+      <p:sp>
+        <p:nvSpPr>
+          <p:cNvPr id="25" name="TextBox 24">
+            <a:extLst>
+              <a:ext uri="{FF2B5EF4-FFF2-40B4-BE49-F238E27FC236}">
+                <a16:creationId xmlns:a16="http://schemas.microsoft.com/office/drawing/2014/main" id="{165F0E46-60CE-4C7F-8ACB-6300DD9FAC12}"/>
+              </a:ext>
+            </a:extLst>
+          </p:cNvPr>
+          <p:cNvSpPr txBox="1"/>
+          <p:nvPr/>
+        </p:nvSpPr>
+        <p:spPr>
+          <a:xfrm>
+            <a:off x="494462" y="2778338"/>
+            <a:ext cx="1703546" cy="276999"/>
+          </a:xfrm>
+          <a:prstGeom prst="rect">
+            <a:avLst/>
+          </a:prstGeom>
+          <a:noFill/>
+        </p:spPr>
+        <p:txBody>
+          <a:bodyPr wrap="square" rtlCol="0">
+            <a:spAutoFit/>
+          </a:bodyPr>
+          <a:lstStyle/>
+          <a:p>
+            <a:r>
+              <a:rPr lang="en-US" sz="1200" b="1" i="1" dirty="0">
+                <a:solidFill>
+                  <a:srgbClr val="FF0000"/>
+                </a:solidFill>
+              </a:rPr>
+              <a:t>LEDGER STATE: #n</a:t>
+            </a:r>
+          </a:p>
+        </p:txBody>
+      </p:sp>
+      <p:sp>
+        <p:nvSpPr>
+          <p:cNvPr id="26" name="TextBox 25">
+            <a:extLst>
+              <a:ext uri="{FF2B5EF4-FFF2-40B4-BE49-F238E27FC236}">
+                <a16:creationId xmlns:a16="http://schemas.microsoft.com/office/drawing/2014/main" id="{FF4B9690-F21A-43F8-B212-EEA3ABCB8255}"/>
+              </a:ext>
+            </a:extLst>
+          </p:cNvPr>
+          <p:cNvSpPr txBox="1"/>
+          <p:nvPr/>
+        </p:nvSpPr>
+        <p:spPr>
+          <a:xfrm>
+            <a:off x="9942757" y="2778338"/>
+            <a:ext cx="1703546" cy="276999"/>
+          </a:xfrm>
+          <a:prstGeom prst="rect">
+            <a:avLst/>
+          </a:prstGeom>
+          <a:noFill/>
+        </p:spPr>
+        <p:txBody>
+          <a:bodyPr wrap="square" rtlCol="0">
+            <a:spAutoFit/>
+          </a:bodyPr>
+          <a:lstStyle/>
+          <a:p>
+            <a:pPr algn="r"/>
+            <a:r>
+              <a:rPr lang="en-US" sz="1200" i="1" dirty="0">
+                <a:solidFill>
+                  <a:schemeClr val="bg1">
+                    <a:lumMod val="65000"/>
+                  </a:schemeClr>
+                </a:solidFill>
+              </a:rPr>
+              <a:t>TOTAL SUPPLY = 100i</a:t>
+            </a:r>
+          </a:p>
+        </p:txBody>
+      </p:sp>
+      <p:sp>
+        <p:nvSpPr>
+          <p:cNvPr id="27" name="TextBox 26">
+            <a:extLst>
+              <a:ext uri="{FF2B5EF4-FFF2-40B4-BE49-F238E27FC236}">
+                <a16:creationId xmlns:a16="http://schemas.microsoft.com/office/drawing/2014/main" id="{B0C24AEE-4C99-40CD-B6EB-314F48D02D76}"/>
+              </a:ext>
+            </a:extLst>
+          </p:cNvPr>
+          <p:cNvSpPr txBox="1"/>
+          <p:nvPr/>
+        </p:nvSpPr>
+        <p:spPr>
+          <a:xfrm>
+            <a:off x="2978260" y="2686005"/>
+            <a:ext cx="1086926" cy="369332"/>
+          </a:xfrm>
+          <a:prstGeom prst="rect">
+            <a:avLst/>
+          </a:prstGeom>
+          <a:gradFill>
+            <a:gsLst>
+              <a:gs pos="0">
+                <a:schemeClr val="accent1">
+                  <a:satMod val="103000"/>
+                  <a:lumMod val="102000"/>
+                  <a:tint val="94000"/>
+                </a:schemeClr>
+              </a:gs>
+              <a:gs pos="50000">
+                <a:schemeClr val="accent1">
+                  <a:satMod val="110000"/>
+                  <a:lumMod val="100000"/>
+                  <a:shade val="100000"/>
+                </a:schemeClr>
+              </a:gs>
+              <a:gs pos="100000">
+                <a:schemeClr val="accent1">
+                  <a:lumMod val="99000"/>
+                  <a:satMod val="120000"/>
+                  <a:shade val="78000"/>
+                </a:schemeClr>
+              </a:gs>
+            </a:gsLst>
+          </a:gradFill>
+        </p:spPr>
+        <p:style>
+          <a:lnRef idx="0">
+            <a:schemeClr val="accent1"/>
+          </a:lnRef>
+          <a:fillRef idx="3">
+            <a:schemeClr val="accent1"/>
+          </a:fillRef>
+          <a:effectRef idx="3">
+            <a:schemeClr val="accent1"/>
+          </a:effectRef>
+          <a:fontRef idx="minor">
+            <a:schemeClr val="lt1"/>
+          </a:fontRef>
+        </p:style>
+        <p:txBody>
+          <a:bodyPr wrap="square" rtlCol="0">
+            <a:noAutofit/>
+          </a:bodyPr>
+          <a:lstStyle/>
+          <a:p>
+            <a:pPr algn="ctr"/>
+            <a:r>
+              <a:rPr lang="en-US" sz="1400" i="1" dirty="0"/>
+              <a:t>Output ..n</a:t>
+            </a:r>
+          </a:p>
+        </p:txBody>
+      </p:sp>
+      <p:sp>
+        <p:nvSpPr>
+          <p:cNvPr id="30" name="TextBox 29">
+            <a:extLst>
+              <a:ext uri="{FF2B5EF4-FFF2-40B4-BE49-F238E27FC236}">
+                <a16:creationId xmlns:a16="http://schemas.microsoft.com/office/drawing/2014/main" id="{0FA5B294-F1DE-40F2-82F0-B7EBD6D23FDE}"/>
+              </a:ext>
+            </a:extLst>
+          </p:cNvPr>
+          <p:cNvSpPr txBox="1"/>
+          <p:nvPr/>
+        </p:nvSpPr>
+        <p:spPr>
+          <a:xfrm>
+            <a:off x="4255644" y="2686005"/>
+            <a:ext cx="1086926" cy="369332"/>
+          </a:xfrm>
+          <a:prstGeom prst="rect">
+            <a:avLst/>
+          </a:prstGeom>
+          <a:gradFill>
+            <a:gsLst>
+              <a:gs pos="0">
+                <a:schemeClr val="accent1">
+                  <a:satMod val="103000"/>
+                  <a:lumMod val="102000"/>
+                  <a:tint val="94000"/>
+                </a:schemeClr>
+              </a:gs>
+              <a:gs pos="50000">
+                <a:schemeClr val="accent1">
+                  <a:satMod val="110000"/>
+                  <a:lumMod val="100000"/>
+                  <a:shade val="100000"/>
+                </a:schemeClr>
+              </a:gs>
+              <a:gs pos="100000">
+                <a:schemeClr val="accent1">
+                  <a:lumMod val="99000"/>
+                  <a:satMod val="120000"/>
+                  <a:shade val="78000"/>
+                </a:schemeClr>
+              </a:gs>
+            </a:gsLst>
+          </a:gradFill>
+        </p:spPr>
+        <p:style>
+          <a:lnRef idx="0">
+            <a:schemeClr val="accent1"/>
+          </a:lnRef>
+          <a:fillRef idx="3">
+            <a:schemeClr val="accent1"/>
+          </a:fillRef>
+          <a:effectRef idx="3">
+            <a:schemeClr val="accent1"/>
+          </a:effectRef>
+          <a:fontRef idx="minor">
+            <a:schemeClr val="lt1"/>
+          </a:fontRef>
+        </p:style>
+        <p:txBody>
+          <a:bodyPr wrap="square" rtlCol="0">
+            <a:noAutofit/>
+          </a:bodyPr>
+          <a:lstStyle/>
+          <a:p>
+            <a:pPr algn="ctr"/>
+            <a:r>
+              <a:rPr lang="en-US" sz="1400" i="1" dirty="0"/>
+              <a:t>Output ..n</a:t>
+            </a:r>
+          </a:p>
+        </p:txBody>
+      </p:sp>
+      <p:sp>
+        <p:nvSpPr>
+          <p:cNvPr id="31" name="TextBox 30">
+            <a:extLst>
+              <a:ext uri="{FF2B5EF4-FFF2-40B4-BE49-F238E27FC236}">
+                <a16:creationId xmlns:a16="http://schemas.microsoft.com/office/drawing/2014/main" id="{9FD411F9-7E27-45E9-A6D5-44B530793FDA}"/>
+              </a:ext>
+            </a:extLst>
+          </p:cNvPr>
+          <p:cNvSpPr txBox="1"/>
+          <p:nvPr/>
+        </p:nvSpPr>
+        <p:spPr>
+          <a:xfrm>
+            <a:off x="5533028" y="2687749"/>
+            <a:ext cx="1086926" cy="369332"/>
+          </a:xfrm>
+          <a:prstGeom prst="rect">
+            <a:avLst/>
+          </a:prstGeom>
+          <a:gradFill>
+            <a:gsLst>
+              <a:gs pos="0">
+                <a:schemeClr val="accent1">
+                  <a:satMod val="103000"/>
+                  <a:lumMod val="102000"/>
+                  <a:tint val="94000"/>
+                </a:schemeClr>
+              </a:gs>
+              <a:gs pos="50000">
+                <a:schemeClr val="accent1">
+                  <a:satMod val="110000"/>
+                  <a:lumMod val="100000"/>
+                  <a:shade val="100000"/>
+                </a:schemeClr>
+              </a:gs>
+              <a:gs pos="100000">
+                <a:schemeClr val="accent1">
+                  <a:lumMod val="99000"/>
+                  <a:satMod val="120000"/>
+                  <a:shade val="78000"/>
+                </a:schemeClr>
+              </a:gs>
+            </a:gsLst>
+          </a:gradFill>
+        </p:spPr>
+        <p:style>
+          <a:lnRef idx="0">
+            <a:schemeClr val="accent1"/>
+          </a:lnRef>
+          <a:fillRef idx="3">
+            <a:schemeClr val="accent1"/>
+          </a:fillRef>
+          <a:effectRef idx="3">
+            <a:schemeClr val="accent1"/>
+          </a:effectRef>
+          <a:fontRef idx="minor">
+            <a:schemeClr val="lt1"/>
+          </a:fontRef>
+        </p:style>
+        <p:txBody>
+          <a:bodyPr wrap="square" rtlCol="0">
+            <a:noAutofit/>
+          </a:bodyPr>
+          <a:lstStyle/>
+          <a:p>
+            <a:pPr algn="ctr"/>
+            <a:r>
+              <a:rPr lang="en-US" sz="1400" i="1" dirty="0"/>
+              <a:t>Output ..n</a:t>
+            </a:r>
+          </a:p>
+        </p:txBody>
+      </p:sp>
+      <p:sp>
+        <p:nvSpPr>
+          <p:cNvPr id="32" name="TextBox 31">
+            <a:extLst>
+              <a:ext uri="{FF2B5EF4-FFF2-40B4-BE49-F238E27FC236}">
+                <a16:creationId xmlns:a16="http://schemas.microsoft.com/office/drawing/2014/main" id="{3C487BF3-292A-45E4-8702-46C947FEE9B9}"/>
+              </a:ext>
+            </a:extLst>
+          </p:cNvPr>
+          <p:cNvSpPr txBox="1"/>
+          <p:nvPr/>
+        </p:nvSpPr>
+        <p:spPr>
+          <a:xfrm>
+            <a:off x="6810412" y="2686005"/>
+            <a:ext cx="1086926" cy="369332"/>
+          </a:xfrm>
+          <a:prstGeom prst="rect">
+            <a:avLst/>
+          </a:prstGeom>
+          <a:gradFill>
+            <a:gsLst>
+              <a:gs pos="0">
+                <a:schemeClr val="accent1">
+                  <a:satMod val="103000"/>
+                  <a:lumMod val="102000"/>
+                  <a:tint val="94000"/>
+                </a:schemeClr>
+              </a:gs>
+              <a:gs pos="50000">
+                <a:schemeClr val="accent1">
+                  <a:satMod val="110000"/>
+                  <a:lumMod val="100000"/>
+                  <a:shade val="100000"/>
+                </a:schemeClr>
+              </a:gs>
+              <a:gs pos="100000">
+                <a:schemeClr val="accent1">
+                  <a:lumMod val="99000"/>
+                  <a:satMod val="120000"/>
+                  <a:shade val="78000"/>
+                </a:schemeClr>
+              </a:gs>
+            </a:gsLst>
+          </a:gradFill>
+        </p:spPr>
+        <p:style>
+          <a:lnRef idx="0">
+            <a:schemeClr val="accent1"/>
+          </a:lnRef>
+          <a:fillRef idx="3">
+            <a:schemeClr val="accent1"/>
+          </a:fillRef>
+          <a:effectRef idx="3">
+            <a:schemeClr val="accent1"/>
+          </a:effectRef>
+          <a:fontRef idx="minor">
+            <a:schemeClr val="lt1"/>
+          </a:fontRef>
+        </p:style>
+        <p:txBody>
+          <a:bodyPr wrap="square" rtlCol="0">
+            <a:noAutofit/>
+          </a:bodyPr>
+          <a:lstStyle/>
+          <a:p>
+            <a:pPr algn="ctr"/>
+            <a:r>
+              <a:rPr lang="en-US" sz="1400" i="1" dirty="0"/>
+              <a:t>Output ..n</a:t>
+            </a:r>
+          </a:p>
+        </p:txBody>
+      </p:sp>
+      <p:sp>
+        <p:nvSpPr>
+          <p:cNvPr id="33" name="TextBox 32">
+            <a:extLst>
+              <a:ext uri="{FF2B5EF4-FFF2-40B4-BE49-F238E27FC236}">
+                <a16:creationId xmlns:a16="http://schemas.microsoft.com/office/drawing/2014/main" id="{444717A7-3BBB-4F8B-B884-BD4F8126C810}"/>
+              </a:ext>
+            </a:extLst>
+          </p:cNvPr>
+          <p:cNvSpPr txBox="1"/>
+          <p:nvPr/>
+        </p:nvSpPr>
+        <p:spPr>
+          <a:xfrm>
+            <a:off x="8087796" y="2686005"/>
+            <a:ext cx="1086926" cy="369332"/>
+          </a:xfrm>
+          <a:prstGeom prst="rect">
+            <a:avLst/>
+          </a:prstGeom>
+          <a:gradFill>
+            <a:gsLst>
+              <a:gs pos="0">
+                <a:schemeClr val="accent1">
+                  <a:satMod val="103000"/>
+                  <a:lumMod val="102000"/>
+                  <a:tint val="94000"/>
+                </a:schemeClr>
+              </a:gs>
+              <a:gs pos="50000">
+                <a:schemeClr val="accent1">
+                  <a:satMod val="110000"/>
+                  <a:lumMod val="100000"/>
+                  <a:shade val="100000"/>
+                </a:schemeClr>
+              </a:gs>
+              <a:gs pos="100000">
+                <a:schemeClr val="accent1">
+                  <a:lumMod val="99000"/>
+                  <a:satMod val="120000"/>
+                  <a:shade val="78000"/>
+                </a:schemeClr>
+              </a:gs>
+            </a:gsLst>
+          </a:gradFill>
+        </p:spPr>
+        <p:style>
+          <a:lnRef idx="0">
+            <a:schemeClr val="accent1"/>
+          </a:lnRef>
+          <a:fillRef idx="3">
+            <a:schemeClr val="accent1"/>
+          </a:fillRef>
+          <a:effectRef idx="3">
+            <a:schemeClr val="accent1"/>
+          </a:effectRef>
+          <a:fontRef idx="minor">
+            <a:schemeClr val="lt1"/>
+          </a:fontRef>
+        </p:style>
+        <p:txBody>
+          <a:bodyPr wrap="square" rtlCol="0">
+            <a:noAutofit/>
+          </a:bodyPr>
+          <a:lstStyle/>
+          <a:p>
+            <a:pPr algn="ctr"/>
+            <a:r>
+              <a:rPr lang="en-US" sz="1400" i="1" dirty="0"/>
+              <a:t>Output ..n</a:t>
+            </a:r>
+          </a:p>
+        </p:txBody>
+      </p:sp>
+      <p:sp>
+        <p:nvSpPr>
+          <p:cNvPr id="34" name="Rectangle 33">
+            <a:extLst>
+              <a:ext uri="{FF2B5EF4-FFF2-40B4-BE49-F238E27FC236}">
+                <a16:creationId xmlns:a16="http://schemas.microsoft.com/office/drawing/2014/main" id="{528746CF-BF74-4F24-BBD6-C283704F9ABA}"/>
+              </a:ext>
+            </a:extLst>
+          </p:cNvPr>
+          <p:cNvSpPr/>
+          <p:nvPr/>
+        </p:nvSpPr>
+        <p:spPr>
+          <a:xfrm>
+            <a:off x="2601401" y="2499919"/>
+            <a:ext cx="6962049" cy="833105"/>
+          </a:xfrm>
+          <a:prstGeom prst="rect">
+            <a:avLst/>
+          </a:prstGeom>
+          <a:solidFill>
+            <a:schemeClr val="bg1">
+              <a:alpha val="61000"/>
+            </a:schemeClr>
+          </a:solidFill>
+          <a:ln>
+            <a:noFill/>
+          </a:ln>
+        </p:spPr>
+        <p:style>
+          <a:lnRef idx="2">
+            <a:schemeClr val="accent1">
+              <a:shade val="50000"/>
+            </a:schemeClr>
+          </a:lnRef>
+          <a:fillRef idx="1">
+            <a:schemeClr val="accent1"/>
+          </a:fillRef>
+          <a:effectRef idx="0">
+            <a:schemeClr val="accent1"/>
+          </a:effectRef>
+          <a:fontRef idx="minor">
+            <a:schemeClr val="lt1"/>
+          </a:fontRef>
+        </p:style>
+        <p:txBody>
+          <a:bodyPr rtlCol="0" anchor="ctr"/>
+          <a:lstStyle/>
+          <a:p>
+            <a:pPr algn="ctr"/>
+            <a:endParaRPr lang="en-US"/>
+          </a:p>
+        </p:txBody>
+      </p:sp>
+      <p:cxnSp>
+        <p:nvCxnSpPr>
+          <p:cNvPr id="35" name="Straight Arrow Connector 34">
+            <a:extLst>
+              <a:ext uri="{FF2B5EF4-FFF2-40B4-BE49-F238E27FC236}">
+                <a16:creationId xmlns:a16="http://schemas.microsoft.com/office/drawing/2014/main" id="{A0D54E23-A9E8-46FE-895F-73779914F8E0}"/>
+              </a:ext>
+            </a:extLst>
+          </p:cNvPr>
+          <p:cNvCxnSpPr>
+            <a:cxnSpLocks/>
+          </p:cNvCxnSpPr>
+          <p:nvPr/>
+        </p:nvCxnSpPr>
+        <p:spPr>
+          <a:xfrm>
+            <a:off x="295791" y="289161"/>
+            <a:ext cx="0" cy="2926832"/>
+          </a:xfrm>
+          <a:prstGeom prst="straightConnector1">
+            <a:avLst/>
+          </a:prstGeom>
+          <a:ln>
+            <a:tailEnd type="triangle"/>
+          </a:ln>
+          <a:effectLst>
+            <a:outerShdw blurRad="50800" dist="38100" dir="2700000" algn="tl" rotWithShape="0">
+              <a:prstClr val="black">
+                <a:alpha val="40000"/>
+              </a:prstClr>
+            </a:outerShdw>
+          </a:effectLst>
+        </p:spPr>
+        <p:style>
+          <a:lnRef idx="3">
+            <a:schemeClr val="accent6"/>
+          </a:lnRef>
+          <a:fillRef idx="0">
+            <a:schemeClr val="accent6"/>
+          </a:fillRef>
+          <a:effectRef idx="2">
+            <a:schemeClr val="accent6"/>
+          </a:effectRef>
+          <a:fontRef idx="minor">
+            <a:schemeClr val="tx1"/>
+          </a:fontRef>
+        </p:style>
+      </p:cxnSp>
+      <p:cxnSp>
+        <p:nvCxnSpPr>
+          <p:cNvPr id="40" name="Straight Arrow Connector 39">
+            <a:extLst>
+              <a:ext uri="{FF2B5EF4-FFF2-40B4-BE49-F238E27FC236}">
+                <a16:creationId xmlns:a16="http://schemas.microsoft.com/office/drawing/2014/main" id="{44A96BCA-F2F6-4B79-B529-26901262E786}"/>
+              </a:ext>
+            </a:extLst>
+          </p:cNvPr>
+          <p:cNvCxnSpPr>
+            <a:cxnSpLocks/>
+          </p:cNvCxnSpPr>
+          <p:nvPr/>
+        </p:nvCxnSpPr>
+        <p:spPr>
+          <a:xfrm>
+            <a:off x="11914543" y="289161"/>
+            <a:ext cx="0" cy="2926832"/>
+          </a:xfrm>
+          <a:prstGeom prst="straightConnector1">
+            <a:avLst/>
+          </a:prstGeom>
+          <a:ln>
+            <a:tailEnd type="triangle"/>
+          </a:ln>
+          <a:effectLst>
+            <a:outerShdw blurRad="50800" dist="38100" dir="2700000" algn="tl" rotWithShape="0">
+              <a:prstClr val="black">
+                <a:alpha val="40000"/>
+              </a:prstClr>
+            </a:outerShdw>
+          </a:effectLst>
+        </p:spPr>
+        <p:style>
+          <a:lnRef idx="3">
+            <a:schemeClr val="accent6"/>
+          </a:lnRef>
+          <a:fillRef idx="0">
+            <a:schemeClr val="accent6"/>
+          </a:fillRef>
+          <a:effectRef idx="2">
+            <a:schemeClr val="accent6"/>
+          </a:effectRef>
+          <a:fontRef idx="minor">
+            <a:schemeClr val="tx1"/>
+          </a:fontRef>
+        </p:style>
+      </p:cxnSp>
+    </p:spTree>
+    <p:extLst>
+      <p:ext uri="{BB962C8B-B14F-4D97-AF65-F5344CB8AC3E}">
+        <p14:creationId xmlns:p14="http://schemas.microsoft.com/office/powerpoint/2010/main" val="1391831256"/>
+      </p:ext>
+    </p:extLst>
+  </p:cSld>
+  <p:clrMapOvr>
+    <a:masterClrMapping/>
+  </p:clrMapOvr>
+</p:sld>
+</file>
+
 <file path=ppt/theme/theme1.xml><?xml version="1.0" encoding="utf-8"?>
 <a:theme xmlns:a="http://schemas.openxmlformats.org/drawingml/2006/main" name="Office Theme">
   <a:themeElements>
